--- a/HAR-presentation_July1st_2022_final_novid.pptx
+++ b/HAR-presentation_July1st_2022_final_novid.pptx
@@ -771,7 +771,7 @@
           <p:cNvPr id="2" name="Title 1">
             <a:extLst>
               <a:ext uri="{FF2B5EF4-FFF2-40B4-BE49-F238E27FC236}">
-                <a16:creationId xmlns="" xmlns:a16="http://schemas.microsoft.com/office/drawing/2014/main" id="{415F9464-B6D0-92BC-E140-A7D9A154B2DA}"/>
+                <a16:creationId xmlns:a16="http://schemas.microsoft.com/office/drawing/2014/main" xmlns="" id="{415F9464-B6D0-92BC-E140-A7D9A154B2DA}"/>
               </a:ext>
             </a:extLst>
           </p:cNvPr>
@@ -809,7 +809,7 @@
           <p:cNvPr id="3" name="Subtitle 2">
             <a:extLst>
               <a:ext uri="{FF2B5EF4-FFF2-40B4-BE49-F238E27FC236}">
-                <a16:creationId xmlns="" xmlns:a16="http://schemas.microsoft.com/office/drawing/2014/main" id="{125EAA2A-FF99-9BCF-158B-95B31A8C152D}"/>
+                <a16:creationId xmlns:a16="http://schemas.microsoft.com/office/drawing/2014/main" xmlns="" id="{125EAA2A-FF99-9BCF-158B-95B31A8C152D}"/>
               </a:ext>
             </a:extLst>
           </p:cNvPr>
@@ -880,7 +880,7 @@
           <p:cNvPr id="4" name="Date Placeholder 3">
             <a:extLst>
               <a:ext uri="{FF2B5EF4-FFF2-40B4-BE49-F238E27FC236}">
-                <a16:creationId xmlns="" xmlns:a16="http://schemas.microsoft.com/office/drawing/2014/main" id="{A9858503-1974-6E68-45D5-546F9F443B8E}"/>
+                <a16:creationId xmlns:a16="http://schemas.microsoft.com/office/drawing/2014/main" xmlns="" id="{A9858503-1974-6E68-45D5-546F9F443B8E}"/>
               </a:ext>
             </a:extLst>
           </p:cNvPr>
@@ -909,7 +909,7 @@
           <p:cNvPr id="5" name="Footer Placeholder 4">
             <a:extLst>
               <a:ext uri="{FF2B5EF4-FFF2-40B4-BE49-F238E27FC236}">
-                <a16:creationId xmlns="" xmlns:a16="http://schemas.microsoft.com/office/drawing/2014/main" id="{C3823261-73D3-1BBD-D2AC-DE8AE5AAB1D7}"/>
+                <a16:creationId xmlns:a16="http://schemas.microsoft.com/office/drawing/2014/main" xmlns="" id="{C3823261-73D3-1BBD-D2AC-DE8AE5AAB1D7}"/>
               </a:ext>
             </a:extLst>
           </p:cNvPr>
@@ -934,7 +934,7 @@
           <p:cNvPr id="6" name="Slide Number Placeholder 5">
             <a:extLst>
               <a:ext uri="{FF2B5EF4-FFF2-40B4-BE49-F238E27FC236}">
-                <a16:creationId xmlns="" xmlns:a16="http://schemas.microsoft.com/office/drawing/2014/main" id="{7230D6AB-6A27-EE0A-ADE6-CFEC1525A8E9}"/>
+                <a16:creationId xmlns:a16="http://schemas.microsoft.com/office/drawing/2014/main" xmlns="" id="{7230D6AB-6A27-EE0A-ADE6-CFEC1525A8E9}"/>
               </a:ext>
             </a:extLst>
           </p:cNvPr>
@@ -993,7 +993,7 @@
           <p:cNvPr id="2" name="Title 1">
             <a:extLst>
               <a:ext uri="{FF2B5EF4-FFF2-40B4-BE49-F238E27FC236}">
-                <a16:creationId xmlns="" xmlns:a16="http://schemas.microsoft.com/office/drawing/2014/main" id="{6A1BB84F-9D73-BA48-E2DF-DBF5CE0E75DF}"/>
+                <a16:creationId xmlns:a16="http://schemas.microsoft.com/office/drawing/2014/main" xmlns="" id="{6A1BB84F-9D73-BA48-E2DF-DBF5CE0E75DF}"/>
               </a:ext>
             </a:extLst>
           </p:cNvPr>
@@ -1022,7 +1022,7 @@
           <p:cNvPr id="3" name="Vertical Text Placeholder 2">
             <a:extLst>
               <a:ext uri="{FF2B5EF4-FFF2-40B4-BE49-F238E27FC236}">
-                <a16:creationId xmlns="" xmlns:a16="http://schemas.microsoft.com/office/drawing/2014/main" id="{8C781BC0-9E6C-DC2F-DFAF-83908FD73F63}"/>
+                <a16:creationId xmlns:a16="http://schemas.microsoft.com/office/drawing/2014/main" xmlns="" id="{8C781BC0-9E6C-DC2F-DFAF-83908FD73F63}"/>
               </a:ext>
             </a:extLst>
           </p:cNvPr>
@@ -1080,7 +1080,7 @@
           <p:cNvPr id="4" name="Date Placeholder 3">
             <a:extLst>
               <a:ext uri="{FF2B5EF4-FFF2-40B4-BE49-F238E27FC236}">
-                <a16:creationId xmlns="" xmlns:a16="http://schemas.microsoft.com/office/drawing/2014/main" id="{7BE14683-30E7-BD5E-9224-F014BA31DE54}"/>
+                <a16:creationId xmlns:a16="http://schemas.microsoft.com/office/drawing/2014/main" xmlns="" id="{7BE14683-30E7-BD5E-9224-F014BA31DE54}"/>
               </a:ext>
             </a:extLst>
           </p:cNvPr>
@@ -1109,7 +1109,7 @@
           <p:cNvPr id="5" name="Footer Placeholder 4">
             <a:extLst>
               <a:ext uri="{FF2B5EF4-FFF2-40B4-BE49-F238E27FC236}">
-                <a16:creationId xmlns="" xmlns:a16="http://schemas.microsoft.com/office/drawing/2014/main" id="{5F88A38D-81AE-5391-C843-01012F1D8E6A}"/>
+                <a16:creationId xmlns:a16="http://schemas.microsoft.com/office/drawing/2014/main" xmlns="" id="{5F88A38D-81AE-5391-C843-01012F1D8E6A}"/>
               </a:ext>
             </a:extLst>
           </p:cNvPr>
@@ -1134,7 +1134,7 @@
           <p:cNvPr id="6" name="Slide Number Placeholder 5">
             <a:extLst>
               <a:ext uri="{FF2B5EF4-FFF2-40B4-BE49-F238E27FC236}">
-                <a16:creationId xmlns="" xmlns:a16="http://schemas.microsoft.com/office/drawing/2014/main" id="{6C129E9F-BF7D-B6AC-3A94-F520276DD4F2}"/>
+                <a16:creationId xmlns:a16="http://schemas.microsoft.com/office/drawing/2014/main" xmlns="" id="{6C129E9F-BF7D-B6AC-3A94-F520276DD4F2}"/>
               </a:ext>
             </a:extLst>
           </p:cNvPr>
@@ -1193,7 +1193,7 @@
           <p:cNvPr id="2" name="Vertical Title 1">
             <a:extLst>
               <a:ext uri="{FF2B5EF4-FFF2-40B4-BE49-F238E27FC236}">
-                <a16:creationId xmlns="" xmlns:a16="http://schemas.microsoft.com/office/drawing/2014/main" id="{3D36C4D5-DE18-F11C-4332-BCE7CBEEFC50}"/>
+                <a16:creationId xmlns:a16="http://schemas.microsoft.com/office/drawing/2014/main" xmlns="" id="{3D36C4D5-DE18-F11C-4332-BCE7CBEEFC50}"/>
               </a:ext>
             </a:extLst>
           </p:cNvPr>
@@ -1227,7 +1227,7 @@
           <p:cNvPr id="3" name="Vertical Text Placeholder 2">
             <a:extLst>
               <a:ext uri="{FF2B5EF4-FFF2-40B4-BE49-F238E27FC236}">
-                <a16:creationId xmlns="" xmlns:a16="http://schemas.microsoft.com/office/drawing/2014/main" id="{24DD20DE-2D47-FFE6-80EC-174DCFF11487}"/>
+                <a16:creationId xmlns:a16="http://schemas.microsoft.com/office/drawing/2014/main" xmlns="" id="{24DD20DE-2D47-FFE6-80EC-174DCFF11487}"/>
               </a:ext>
             </a:extLst>
           </p:cNvPr>
@@ -1290,7 +1290,7 @@
           <p:cNvPr id="4" name="Date Placeholder 3">
             <a:extLst>
               <a:ext uri="{FF2B5EF4-FFF2-40B4-BE49-F238E27FC236}">
-                <a16:creationId xmlns="" xmlns:a16="http://schemas.microsoft.com/office/drawing/2014/main" id="{8EECFF7D-10B3-3A04-CF37-701987B1AF57}"/>
+                <a16:creationId xmlns:a16="http://schemas.microsoft.com/office/drawing/2014/main" xmlns="" id="{8EECFF7D-10B3-3A04-CF37-701987B1AF57}"/>
               </a:ext>
             </a:extLst>
           </p:cNvPr>
@@ -1319,7 +1319,7 @@
           <p:cNvPr id="5" name="Footer Placeholder 4">
             <a:extLst>
               <a:ext uri="{FF2B5EF4-FFF2-40B4-BE49-F238E27FC236}">
-                <a16:creationId xmlns="" xmlns:a16="http://schemas.microsoft.com/office/drawing/2014/main" id="{44C3C212-8A83-0A38-23FF-9F1ADB848515}"/>
+                <a16:creationId xmlns:a16="http://schemas.microsoft.com/office/drawing/2014/main" xmlns="" id="{44C3C212-8A83-0A38-23FF-9F1ADB848515}"/>
               </a:ext>
             </a:extLst>
           </p:cNvPr>
@@ -1344,7 +1344,7 @@
           <p:cNvPr id="6" name="Slide Number Placeholder 5">
             <a:extLst>
               <a:ext uri="{FF2B5EF4-FFF2-40B4-BE49-F238E27FC236}">
-                <a16:creationId xmlns="" xmlns:a16="http://schemas.microsoft.com/office/drawing/2014/main" id="{0F8511C2-C989-330E-C276-771AD2633D60}"/>
+                <a16:creationId xmlns:a16="http://schemas.microsoft.com/office/drawing/2014/main" xmlns="" id="{0F8511C2-C989-330E-C276-771AD2633D60}"/>
               </a:ext>
             </a:extLst>
           </p:cNvPr>
@@ -1403,7 +1403,7 @@
           <p:cNvPr id="2" name="Title 1">
             <a:extLst>
               <a:ext uri="{FF2B5EF4-FFF2-40B4-BE49-F238E27FC236}">
-                <a16:creationId xmlns="" xmlns:a16="http://schemas.microsoft.com/office/drawing/2014/main" id="{856CABDC-3E9B-52E6-398C-0E82E1CE8D83}"/>
+                <a16:creationId xmlns:a16="http://schemas.microsoft.com/office/drawing/2014/main" xmlns="" id="{856CABDC-3E9B-52E6-398C-0E82E1CE8D83}"/>
               </a:ext>
             </a:extLst>
           </p:cNvPr>
@@ -1432,7 +1432,7 @@
           <p:cNvPr id="3" name="Content Placeholder 2">
             <a:extLst>
               <a:ext uri="{FF2B5EF4-FFF2-40B4-BE49-F238E27FC236}">
-                <a16:creationId xmlns="" xmlns:a16="http://schemas.microsoft.com/office/drawing/2014/main" id="{2CED1218-4A2F-8ED4-67FA-CFDA485D16D8}"/>
+                <a16:creationId xmlns:a16="http://schemas.microsoft.com/office/drawing/2014/main" xmlns="" id="{2CED1218-4A2F-8ED4-67FA-CFDA485D16D8}"/>
               </a:ext>
             </a:extLst>
           </p:cNvPr>
@@ -1490,7 +1490,7 @@
           <p:cNvPr id="4" name="Date Placeholder 3">
             <a:extLst>
               <a:ext uri="{FF2B5EF4-FFF2-40B4-BE49-F238E27FC236}">
-                <a16:creationId xmlns="" xmlns:a16="http://schemas.microsoft.com/office/drawing/2014/main" id="{27AD0956-6A2D-4931-B085-E0DC081809A8}"/>
+                <a16:creationId xmlns:a16="http://schemas.microsoft.com/office/drawing/2014/main" xmlns="" id="{27AD0956-6A2D-4931-B085-E0DC081809A8}"/>
               </a:ext>
             </a:extLst>
           </p:cNvPr>
@@ -1519,7 +1519,7 @@
           <p:cNvPr id="5" name="Footer Placeholder 4">
             <a:extLst>
               <a:ext uri="{FF2B5EF4-FFF2-40B4-BE49-F238E27FC236}">
-                <a16:creationId xmlns="" xmlns:a16="http://schemas.microsoft.com/office/drawing/2014/main" id="{B453FA04-1D39-B486-BDE0-6FCB5FFDA97D}"/>
+                <a16:creationId xmlns:a16="http://schemas.microsoft.com/office/drawing/2014/main" xmlns="" id="{B453FA04-1D39-B486-BDE0-6FCB5FFDA97D}"/>
               </a:ext>
             </a:extLst>
           </p:cNvPr>
@@ -1544,7 +1544,7 @@
           <p:cNvPr id="6" name="Slide Number Placeholder 5">
             <a:extLst>
               <a:ext uri="{FF2B5EF4-FFF2-40B4-BE49-F238E27FC236}">
-                <a16:creationId xmlns="" xmlns:a16="http://schemas.microsoft.com/office/drawing/2014/main" id="{F7589E2D-EB3D-68A0-4013-CACEF58096B3}"/>
+                <a16:creationId xmlns:a16="http://schemas.microsoft.com/office/drawing/2014/main" xmlns="" id="{F7589E2D-EB3D-68A0-4013-CACEF58096B3}"/>
               </a:ext>
             </a:extLst>
           </p:cNvPr>
@@ -1603,7 +1603,7 @@
           <p:cNvPr id="2" name="Title 1">
             <a:extLst>
               <a:ext uri="{FF2B5EF4-FFF2-40B4-BE49-F238E27FC236}">
-                <a16:creationId xmlns="" xmlns:a16="http://schemas.microsoft.com/office/drawing/2014/main" id="{B9056ED4-B292-C486-7FC7-070E530045E3}"/>
+                <a16:creationId xmlns:a16="http://schemas.microsoft.com/office/drawing/2014/main" xmlns="" id="{B9056ED4-B292-C486-7FC7-070E530045E3}"/>
               </a:ext>
             </a:extLst>
           </p:cNvPr>
@@ -1641,7 +1641,7 @@
           <p:cNvPr id="3" name="Text Placeholder 2">
             <a:extLst>
               <a:ext uri="{FF2B5EF4-FFF2-40B4-BE49-F238E27FC236}">
-                <a16:creationId xmlns="" xmlns:a16="http://schemas.microsoft.com/office/drawing/2014/main" id="{C1886034-BA6E-F2D3-C031-672DB17DA5ED}"/>
+                <a16:creationId xmlns:a16="http://schemas.microsoft.com/office/drawing/2014/main" xmlns="" id="{C1886034-BA6E-F2D3-C031-672DB17DA5ED}"/>
               </a:ext>
             </a:extLst>
           </p:cNvPr>
@@ -1766,7 +1766,7 @@
           <p:cNvPr id="4" name="Date Placeholder 3">
             <a:extLst>
               <a:ext uri="{FF2B5EF4-FFF2-40B4-BE49-F238E27FC236}">
-                <a16:creationId xmlns="" xmlns:a16="http://schemas.microsoft.com/office/drawing/2014/main" id="{E2C9AC68-8DC8-759F-AEF6-DFCBEEB5D46A}"/>
+                <a16:creationId xmlns:a16="http://schemas.microsoft.com/office/drawing/2014/main" xmlns="" id="{E2C9AC68-8DC8-759F-AEF6-DFCBEEB5D46A}"/>
               </a:ext>
             </a:extLst>
           </p:cNvPr>
@@ -1795,7 +1795,7 @@
           <p:cNvPr id="5" name="Footer Placeholder 4">
             <a:extLst>
               <a:ext uri="{FF2B5EF4-FFF2-40B4-BE49-F238E27FC236}">
-                <a16:creationId xmlns="" xmlns:a16="http://schemas.microsoft.com/office/drawing/2014/main" id="{0851452A-CF23-DBE4-EC80-6FBCC4C0E264}"/>
+                <a16:creationId xmlns:a16="http://schemas.microsoft.com/office/drawing/2014/main" xmlns="" id="{0851452A-CF23-DBE4-EC80-6FBCC4C0E264}"/>
               </a:ext>
             </a:extLst>
           </p:cNvPr>
@@ -1820,7 +1820,7 @@
           <p:cNvPr id="6" name="Slide Number Placeholder 5">
             <a:extLst>
               <a:ext uri="{FF2B5EF4-FFF2-40B4-BE49-F238E27FC236}">
-                <a16:creationId xmlns="" xmlns:a16="http://schemas.microsoft.com/office/drawing/2014/main" id="{7B1F2190-F14F-3FAA-BDCD-B867FA2BE10A}"/>
+                <a16:creationId xmlns:a16="http://schemas.microsoft.com/office/drawing/2014/main" xmlns="" id="{7B1F2190-F14F-3FAA-BDCD-B867FA2BE10A}"/>
               </a:ext>
             </a:extLst>
           </p:cNvPr>
@@ -1879,7 +1879,7 @@
           <p:cNvPr id="2" name="Title 1">
             <a:extLst>
               <a:ext uri="{FF2B5EF4-FFF2-40B4-BE49-F238E27FC236}">
-                <a16:creationId xmlns="" xmlns:a16="http://schemas.microsoft.com/office/drawing/2014/main" id="{DE4EA4D1-CF63-E0DA-7F89-D1E426728A2B}"/>
+                <a16:creationId xmlns:a16="http://schemas.microsoft.com/office/drawing/2014/main" xmlns="" id="{DE4EA4D1-CF63-E0DA-7F89-D1E426728A2B}"/>
               </a:ext>
             </a:extLst>
           </p:cNvPr>
@@ -1908,7 +1908,7 @@
           <p:cNvPr id="3" name="Content Placeholder 2">
             <a:extLst>
               <a:ext uri="{FF2B5EF4-FFF2-40B4-BE49-F238E27FC236}">
-                <a16:creationId xmlns="" xmlns:a16="http://schemas.microsoft.com/office/drawing/2014/main" id="{027856E1-D868-54AD-7C2F-A2C50FD4883C}"/>
+                <a16:creationId xmlns:a16="http://schemas.microsoft.com/office/drawing/2014/main" xmlns="" id="{027856E1-D868-54AD-7C2F-A2C50FD4883C}"/>
               </a:ext>
             </a:extLst>
           </p:cNvPr>
@@ -1971,7 +1971,7 @@
           <p:cNvPr id="4" name="Content Placeholder 3">
             <a:extLst>
               <a:ext uri="{FF2B5EF4-FFF2-40B4-BE49-F238E27FC236}">
-                <a16:creationId xmlns="" xmlns:a16="http://schemas.microsoft.com/office/drawing/2014/main" id="{4D526E6D-A036-DD6B-F442-3D13BDECA44C}"/>
+                <a16:creationId xmlns:a16="http://schemas.microsoft.com/office/drawing/2014/main" xmlns="" id="{4D526E6D-A036-DD6B-F442-3D13BDECA44C}"/>
               </a:ext>
             </a:extLst>
           </p:cNvPr>
@@ -2034,7 +2034,7 @@
           <p:cNvPr id="5" name="Date Placeholder 4">
             <a:extLst>
               <a:ext uri="{FF2B5EF4-FFF2-40B4-BE49-F238E27FC236}">
-                <a16:creationId xmlns="" xmlns:a16="http://schemas.microsoft.com/office/drawing/2014/main" id="{50C35849-6F4A-5D20-82BE-BB4AC2EA3CF2}"/>
+                <a16:creationId xmlns:a16="http://schemas.microsoft.com/office/drawing/2014/main" xmlns="" id="{50C35849-6F4A-5D20-82BE-BB4AC2EA3CF2}"/>
               </a:ext>
             </a:extLst>
           </p:cNvPr>
@@ -2063,7 +2063,7 @@
           <p:cNvPr id="6" name="Footer Placeholder 5">
             <a:extLst>
               <a:ext uri="{FF2B5EF4-FFF2-40B4-BE49-F238E27FC236}">
-                <a16:creationId xmlns="" xmlns:a16="http://schemas.microsoft.com/office/drawing/2014/main" id="{BC754669-1FC1-50D2-B07C-62508EB1889D}"/>
+                <a16:creationId xmlns:a16="http://schemas.microsoft.com/office/drawing/2014/main" xmlns="" id="{BC754669-1FC1-50D2-B07C-62508EB1889D}"/>
               </a:ext>
             </a:extLst>
           </p:cNvPr>
@@ -2088,7 +2088,7 @@
           <p:cNvPr id="7" name="Slide Number Placeholder 6">
             <a:extLst>
               <a:ext uri="{FF2B5EF4-FFF2-40B4-BE49-F238E27FC236}">
-                <a16:creationId xmlns="" xmlns:a16="http://schemas.microsoft.com/office/drawing/2014/main" id="{B1430292-C5D9-162D-E56E-FFC41058253B}"/>
+                <a16:creationId xmlns:a16="http://schemas.microsoft.com/office/drawing/2014/main" xmlns="" id="{B1430292-C5D9-162D-E56E-FFC41058253B}"/>
               </a:ext>
             </a:extLst>
           </p:cNvPr>
@@ -2147,7 +2147,7 @@
           <p:cNvPr id="2" name="Title 1">
             <a:extLst>
               <a:ext uri="{FF2B5EF4-FFF2-40B4-BE49-F238E27FC236}">
-                <a16:creationId xmlns="" xmlns:a16="http://schemas.microsoft.com/office/drawing/2014/main" id="{2BE1794E-7511-50B9-6FF8-B00EBE6A86B5}"/>
+                <a16:creationId xmlns:a16="http://schemas.microsoft.com/office/drawing/2014/main" xmlns="" id="{2BE1794E-7511-50B9-6FF8-B00EBE6A86B5}"/>
               </a:ext>
             </a:extLst>
           </p:cNvPr>
@@ -2181,7 +2181,7 @@
           <p:cNvPr id="3" name="Text Placeholder 2">
             <a:extLst>
               <a:ext uri="{FF2B5EF4-FFF2-40B4-BE49-F238E27FC236}">
-                <a16:creationId xmlns="" xmlns:a16="http://schemas.microsoft.com/office/drawing/2014/main" id="{ADED853A-8E31-D507-FD0C-9BED7A817BD9}"/>
+                <a16:creationId xmlns:a16="http://schemas.microsoft.com/office/drawing/2014/main" xmlns="" id="{ADED853A-8E31-D507-FD0C-9BED7A817BD9}"/>
               </a:ext>
             </a:extLst>
           </p:cNvPr>
@@ -2252,7 +2252,7 @@
           <p:cNvPr id="4" name="Content Placeholder 3">
             <a:extLst>
               <a:ext uri="{FF2B5EF4-FFF2-40B4-BE49-F238E27FC236}">
-                <a16:creationId xmlns="" xmlns:a16="http://schemas.microsoft.com/office/drawing/2014/main" id="{840D70FA-1CE9-4927-B965-8231CE2F6B1F}"/>
+                <a16:creationId xmlns:a16="http://schemas.microsoft.com/office/drawing/2014/main" xmlns="" id="{840D70FA-1CE9-4927-B965-8231CE2F6B1F}"/>
               </a:ext>
             </a:extLst>
           </p:cNvPr>
@@ -2315,7 +2315,7 @@
           <p:cNvPr id="5" name="Text Placeholder 4">
             <a:extLst>
               <a:ext uri="{FF2B5EF4-FFF2-40B4-BE49-F238E27FC236}">
-                <a16:creationId xmlns="" xmlns:a16="http://schemas.microsoft.com/office/drawing/2014/main" id="{B9048025-66E3-C099-F47B-91623084871A}"/>
+                <a16:creationId xmlns:a16="http://schemas.microsoft.com/office/drawing/2014/main" xmlns="" id="{B9048025-66E3-C099-F47B-91623084871A}"/>
               </a:ext>
             </a:extLst>
           </p:cNvPr>
@@ -2386,7 +2386,7 @@
           <p:cNvPr id="6" name="Content Placeholder 5">
             <a:extLst>
               <a:ext uri="{FF2B5EF4-FFF2-40B4-BE49-F238E27FC236}">
-                <a16:creationId xmlns="" xmlns:a16="http://schemas.microsoft.com/office/drawing/2014/main" id="{66D4B767-EE3C-FF80-D8F1-42C6189F869D}"/>
+                <a16:creationId xmlns:a16="http://schemas.microsoft.com/office/drawing/2014/main" xmlns="" id="{66D4B767-EE3C-FF80-D8F1-42C6189F869D}"/>
               </a:ext>
             </a:extLst>
           </p:cNvPr>
@@ -2449,7 +2449,7 @@
           <p:cNvPr id="7" name="Date Placeholder 6">
             <a:extLst>
               <a:ext uri="{FF2B5EF4-FFF2-40B4-BE49-F238E27FC236}">
-                <a16:creationId xmlns="" xmlns:a16="http://schemas.microsoft.com/office/drawing/2014/main" id="{A3901AB8-4079-B2F6-3907-A0900011B7BC}"/>
+                <a16:creationId xmlns:a16="http://schemas.microsoft.com/office/drawing/2014/main" xmlns="" id="{A3901AB8-4079-B2F6-3907-A0900011B7BC}"/>
               </a:ext>
             </a:extLst>
           </p:cNvPr>
@@ -2478,7 +2478,7 @@
           <p:cNvPr id="8" name="Footer Placeholder 7">
             <a:extLst>
               <a:ext uri="{FF2B5EF4-FFF2-40B4-BE49-F238E27FC236}">
-                <a16:creationId xmlns="" xmlns:a16="http://schemas.microsoft.com/office/drawing/2014/main" id="{1ADEC844-3D70-7DC9-CAB9-00466A44D66E}"/>
+                <a16:creationId xmlns:a16="http://schemas.microsoft.com/office/drawing/2014/main" xmlns="" id="{1ADEC844-3D70-7DC9-CAB9-00466A44D66E}"/>
               </a:ext>
             </a:extLst>
           </p:cNvPr>
@@ -2503,7 +2503,7 @@
           <p:cNvPr id="9" name="Slide Number Placeholder 8">
             <a:extLst>
               <a:ext uri="{FF2B5EF4-FFF2-40B4-BE49-F238E27FC236}">
-                <a16:creationId xmlns="" xmlns:a16="http://schemas.microsoft.com/office/drawing/2014/main" id="{36B6B3A0-614A-24A3-C0AC-4FC5966D23E7}"/>
+                <a16:creationId xmlns:a16="http://schemas.microsoft.com/office/drawing/2014/main" xmlns="" id="{36B6B3A0-614A-24A3-C0AC-4FC5966D23E7}"/>
               </a:ext>
             </a:extLst>
           </p:cNvPr>
@@ -2562,7 +2562,7 @@
           <p:cNvPr id="2" name="Title 1">
             <a:extLst>
               <a:ext uri="{FF2B5EF4-FFF2-40B4-BE49-F238E27FC236}">
-                <a16:creationId xmlns="" xmlns:a16="http://schemas.microsoft.com/office/drawing/2014/main" id="{436A3D17-27B6-873B-64E8-39A98A26FB4B}"/>
+                <a16:creationId xmlns:a16="http://schemas.microsoft.com/office/drawing/2014/main" xmlns="" id="{436A3D17-27B6-873B-64E8-39A98A26FB4B}"/>
               </a:ext>
             </a:extLst>
           </p:cNvPr>
@@ -2591,7 +2591,7 @@
           <p:cNvPr id="3" name="Date Placeholder 2">
             <a:extLst>
               <a:ext uri="{FF2B5EF4-FFF2-40B4-BE49-F238E27FC236}">
-                <a16:creationId xmlns="" xmlns:a16="http://schemas.microsoft.com/office/drawing/2014/main" id="{205221D6-5865-C65D-2D0D-9B5953E1181B}"/>
+                <a16:creationId xmlns:a16="http://schemas.microsoft.com/office/drawing/2014/main" xmlns="" id="{205221D6-5865-C65D-2D0D-9B5953E1181B}"/>
               </a:ext>
             </a:extLst>
           </p:cNvPr>
@@ -2620,7 +2620,7 @@
           <p:cNvPr id="4" name="Footer Placeholder 3">
             <a:extLst>
               <a:ext uri="{FF2B5EF4-FFF2-40B4-BE49-F238E27FC236}">
-                <a16:creationId xmlns="" xmlns:a16="http://schemas.microsoft.com/office/drawing/2014/main" id="{E84D4CC5-82E5-3700-5076-9D3CDFDC860E}"/>
+                <a16:creationId xmlns:a16="http://schemas.microsoft.com/office/drawing/2014/main" xmlns="" id="{E84D4CC5-82E5-3700-5076-9D3CDFDC860E}"/>
               </a:ext>
             </a:extLst>
           </p:cNvPr>
@@ -2645,7 +2645,7 @@
           <p:cNvPr id="5" name="Slide Number Placeholder 4">
             <a:extLst>
               <a:ext uri="{FF2B5EF4-FFF2-40B4-BE49-F238E27FC236}">
-                <a16:creationId xmlns="" xmlns:a16="http://schemas.microsoft.com/office/drawing/2014/main" id="{BA225AF0-EB93-5C31-968C-379EB419CE97}"/>
+                <a16:creationId xmlns:a16="http://schemas.microsoft.com/office/drawing/2014/main" xmlns="" id="{BA225AF0-EB93-5C31-968C-379EB419CE97}"/>
               </a:ext>
             </a:extLst>
           </p:cNvPr>
@@ -2704,7 +2704,7 @@
           <p:cNvPr id="2" name="Date Placeholder 1">
             <a:extLst>
               <a:ext uri="{FF2B5EF4-FFF2-40B4-BE49-F238E27FC236}">
-                <a16:creationId xmlns="" xmlns:a16="http://schemas.microsoft.com/office/drawing/2014/main" id="{454E9099-7174-C34A-E1D8-1166A227CBF5}"/>
+                <a16:creationId xmlns:a16="http://schemas.microsoft.com/office/drawing/2014/main" xmlns="" id="{454E9099-7174-C34A-E1D8-1166A227CBF5}"/>
               </a:ext>
             </a:extLst>
           </p:cNvPr>
@@ -2733,7 +2733,7 @@
           <p:cNvPr id="3" name="Footer Placeholder 2">
             <a:extLst>
               <a:ext uri="{FF2B5EF4-FFF2-40B4-BE49-F238E27FC236}">
-                <a16:creationId xmlns="" xmlns:a16="http://schemas.microsoft.com/office/drawing/2014/main" id="{71D7861F-54BB-EC7D-879E-998DF4CCE79D}"/>
+                <a16:creationId xmlns:a16="http://schemas.microsoft.com/office/drawing/2014/main" xmlns="" id="{71D7861F-54BB-EC7D-879E-998DF4CCE79D}"/>
               </a:ext>
             </a:extLst>
           </p:cNvPr>
@@ -2758,7 +2758,7 @@
           <p:cNvPr id="4" name="Slide Number Placeholder 3">
             <a:extLst>
               <a:ext uri="{FF2B5EF4-FFF2-40B4-BE49-F238E27FC236}">
-                <a16:creationId xmlns="" xmlns:a16="http://schemas.microsoft.com/office/drawing/2014/main" id="{D66B1107-6F99-AD51-0E6D-2264E1F93537}"/>
+                <a16:creationId xmlns:a16="http://schemas.microsoft.com/office/drawing/2014/main" xmlns="" id="{D66B1107-6F99-AD51-0E6D-2264E1F93537}"/>
               </a:ext>
             </a:extLst>
           </p:cNvPr>
@@ -2817,7 +2817,7 @@
           <p:cNvPr id="2" name="Title 1">
             <a:extLst>
               <a:ext uri="{FF2B5EF4-FFF2-40B4-BE49-F238E27FC236}">
-                <a16:creationId xmlns="" xmlns:a16="http://schemas.microsoft.com/office/drawing/2014/main" id="{F96B2071-20AC-F5F2-A02A-62A710184669}"/>
+                <a16:creationId xmlns:a16="http://schemas.microsoft.com/office/drawing/2014/main" xmlns="" id="{F96B2071-20AC-F5F2-A02A-62A710184669}"/>
               </a:ext>
             </a:extLst>
           </p:cNvPr>
@@ -2855,7 +2855,7 @@
           <p:cNvPr id="3" name="Content Placeholder 2">
             <a:extLst>
               <a:ext uri="{FF2B5EF4-FFF2-40B4-BE49-F238E27FC236}">
-                <a16:creationId xmlns="" xmlns:a16="http://schemas.microsoft.com/office/drawing/2014/main" id="{F25A2338-804D-91D7-3E0A-CE096FC2A609}"/>
+                <a16:creationId xmlns:a16="http://schemas.microsoft.com/office/drawing/2014/main" xmlns="" id="{F25A2338-804D-91D7-3E0A-CE096FC2A609}"/>
               </a:ext>
             </a:extLst>
           </p:cNvPr>
@@ -2946,7 +2946,7 @@
           <p:cNvPr id="4" name="Text Placeholder 3">
             <a:extLst>
               <a:ext uri="{FF2B5EF4-FFF2-40B4-BE49-F238E27FC236}">
-                <a16:creationId xmlns="" xmlns:a16="http://schemas.microsoft.com/office/drawing/2014/main" id="{F8C3172D-8E80-97FB-3759-B3D69B72AEFB}"/>
+                <a16:creationId xmlns:a16="http://schemas.microsoft.com/office/drawing/2014/main" xmlns="" id="{F8C3172D-8E80-97FB-3759-B3D69B72AEFB}"/>
               </a:ext>
             </a:extLst>
           </p:cNvPr>
@@ -3017,7 +3017,7 @@
           <p:cNvPr id="5" name="Date Placeholder 4">
             <a:extLst>
               <a:ext uri="{FF2B5EF4-FFF2-40B4-BE49-F238E27FC236}">
-                <a16:creationId xmlns="" xmlns:a16="http://schemas.microsoft.com/office/drawing/2014/main" id="{63B9FBBA-5861-FDAB-B0B6-8A09C39DEFF6}"/>
+                <a16:creationId xmlns:a16="http://schemas.microsoft.com/office/drawing/2014/main" xmlns="" id="{63B9FBBA-5861-FDAB-B0B6-8A09C39DEFF6}"/>
               </a:ext>
             </a:extLst>
           </p:cNvPr>
@@ -3046,7 +3046,7 @@
           <p:cNvPr id="6" name="Footer Placeholder 5">
             <a:extLst>
               <a:ext uri="{FF2B5EF4-FFF2-40B4-BE49-F238E27FC236}">
-                <a16:creationId xmlns="" xmlns:a16="http://schemas.microsoft.com/office/drawing/2014/main" id="{D5D4DAEB-09F9-41D9-0B9A-6B5F58BA8E01}"/>
+                <a16:creationId xmlns:a16="http://schemas.microsoft.com/office/drawing/2014/main" xmlns="" id="{D5D4DAEB-09F9-41D9-0B9A-6B5F58BA8E01}"/>
               </a:ext>
             </a:extLst>
           </p:cNvPr>
@@ -3071,7 +3071,7 @@
           <p:cNvPr id="7" name="Slide Number Placeholder 6">
             <a:extLst>
               <a:ext uri="{FF2B5EF4-FFF2-40B4-BE49-F238E27FC236}">
-                <a16:creationId xmlns="" xmlns:a16="http://schemas.microsoft.com/office/drawing/2014/main" id="{19BE0EEE-BDE3-1DF9-FAC8-7AFC49A8001B}"/>
+                <a16:creationId xmlns:a16="http://schemas.microsoft.com/office/drawing/2014/main" xmlns="" id="{19BE0EEE-BDE3-1DF9-FAC8-7AFC49A8001B}"/>
               </a:ext>
             </a:extLst>
           </p:cNvPr>
@@ -3130,7 +3130,7 @@
           <p:cNvPr id="2" name="Title 1">
             <a:extLst>
               <a:ext uri="{FF2B5EF4-FFF2-40B4-BE49-F238E27FC236}">
-                <a16:creationId xmlns="" xmlns:a16="http://schemas.microsoft.com/office/drawing/2014/main" id="{4CF5165E-1167-8E2F-C575-99C4AD95DA26}"/>
+                <a16:creationId xmlns:a16="http://schemas.microsoft.com/office/drawing/2014/main" xmlns="" id="{4CF5165E-1167-8E2F-C575-99C4AD95DA26}"/>
               </a:ext>
             </a:extLst>
           </p:cNvPr>
@@ -3168,7 +3168,7 @@
           <p:cNvPr id="3" name="Picture Placeholder 2">
             <a:extLst>
               <a:ext uri="{FF2B5EF4-FFF2-40B4-BE49-F238E27FC236}">
-                <a16:creationId xmlns="" xmlns:a16="http://schemas.microsoft.com/office/drawing/2014/main" id="{1F835691-54E7-E4AA-AF50-1048A6DE2E83}"/>
+                <a16:creationId xmlns:a16="http://schemas.microsoft.com/office/drawing/2014/main" xmlns="" id="{1F835691-54E7-E4AA-AF50-1048A6DE2E83}"/>
               </a:ext>
             </a:extLst>
           </p:cNvPr>
@@ -3235,7 +3235,7 @@
           <p:cNvPr id="4" name="Text Placeholder 3">
             <a:extLst>
               <a:ext uri="{FF2B5EF4-FFF2-40B4-BE49-F238E27FC236}">
-                <a16:creationId xmlns="" xmlns:a16="http://schemas.microsoft.com/office/drawing/2014/main" id="{19A593B4-A9B5-EAD7-0E37-821F4F004FCE}"/>
+                <a16:creationId xmlns:a16="http://schemas.microsoft.com/office/drawing/2014/main" xmlns="" id="{19A593B4-A9B5-EAD7-0E37-821F4F004FCE}"/>
               </a:ext>
             </a:extLst>
           </p:cNvPr>
@@ -3306,7 +3306,7 @@
           <p:cNvPr id="5" name="Date Placeholder 4">
             <a:extLst>
               <a:ext uri="{FF2B5EF4-FFF2-40B4-BE49-F238E27FC236}">
-                <a16:creationId xmlns="" xmlns:a16="http://schemas.microsoft.com/office/drawing/2014/main" id="{9D3E5BEE-9BE5-FD9B-E2A9-6114C5E0D456}"/>
+                <a16:creationId xmlns:a16="http://schemas.microsoft.com/office/drawing/2014/main" xmlns="" id="{9D3E5BEE-9BE5-FD9B-E2A9-6114C5E0D456}"/>
               </a:ext>
             </a:extLst>
           </p:cNvPr>
@@ -3335,7 +3335,7 @@
           <p:cNvPr id="6" name="Footer Placeholder 5">
             <a:extLst>
               <a:ext uri="{FF2B5EF4-FFF2-40B4-BE49-F238E27FC236}">
-                <a16:creationId xmlns="" xmlns:a16="http://schemas.microsoft.com/office/drawing/2014/main" id="{DACC11C2-2D14-B178-6C3B-7CAF5EF68FFE}"/>
+                <a16:creationId xmlns:a16="http://schemas.microsoft.com/office/drawing/2014/main" xmlns="" id="{DACC11C2-2D14-B178-6C3B-7CAF5EF68FFE}"/>
               </a:ext>
             </a:extLst>
           </p:cNvPr>
@@ -3360,7 +3360,7 @@
           <p:cNvPr id="7" name="Slide Number Placeholder 6">
             <a:extLst>
               <a:ext uri="{FF2B5EF4-FFF2-40B4-BE49-F238E27FC236}">
-                <a16:creationId xmlns="" xmlns:a16="http://schemas.microsoft.com/office/drawing/2014/main" id="{1681A967-1EAC-F4DE-F83D-E567A511D40D}"/>
+                <a16:creationId xmlns:a16="http://schemas.microsoft.com/office/drawing/2014/main" xmlns="" id="{1681A967-1EAC-F4DE-F83D-E567A511D40D}"/>
               </a:ext>
             </a:extLst>
           </p:cNvPr>
@@ -3427,7 +3427,7 @@
           <p:cNvPr id="2" name="Title Placeholder 1">
             <a:extLst>
               <a:ext uri="{FF2B5EF4-FFF2-40B4-BE49-F238E27FC236}">
-                <a16:creationId xmlns="" xmlns:a16="http://schemas.microsoft.com/office/drawing/2014/main" id="{67A2B400-482D-BA03-549A-18418264BB46}"/>
+                <a16:creationId xmlns:a16="http://schemas.microsoft.com/office/drawing/2014/main" xmlns="" id="{67A2B400-482D-BA03-549A-18418264BB46}"/>
               </a:ext>
             </a:extLst>
           </p:cNvPr>
@@ -3466,7 +3466,7 @@
           <p:cNvPr id="3" name="Text Placeholder 2">
             <a:extLst>
               <a:ext uri="{FF2B5EF4-FFF2-40B4-BE49-F238E27FC236}">
-                <a16:creationId xmlns="" xmlns:a16="http://schemas.microsoft.com/office/drawing/2014/main" id="{E06F3823-2224-84A4-5F9D-0F706FDA2726}"/>
+                <a16:creationId xmlns:a16="http://schemas.microsoft.com/office/drawing/2014/main" xmlns="" id="{E06F3823-2224-84A4-5F9D-0F706FDA2726}"/>
               </a:ext>
             </a:extLst>
           </p:cNvPr>
@@ -3534,7 +3534,7 @@
           <p:cNvPr id="4" name="Date Placeholder 3">
             <a:extLst>
               <a:ext uri="{FF2B5EF4-FFF2-40B4-BE49-F238E27FC236}">
-                <a16:creationId xmlns="" xmlns:a16="http://schemas.microsoft.com/office/drawing/2014/main" id="{3029AFCA-C475-7443-39F9-3A03D21123B8}"/>
+                <a16:creationId xmlns:a16="http://schemas.microsoft.com/office/drawing/2014/main" xmlns="" id="{3029AFCA-C475-7443-39F9-3A03D21123B8}"/>
               </a:ext>
             </a:extLst>
           </p:cNvPr>
@@ -3581,7 +3581,7 @@
           <p:cNvPr id="5" name="Footer Placeholder 4">
             <a:extLst>
               <a:ext uri="{FF2B5EF4-FFF2-40B4-BE49-F238E27FC236}">
-                <a16:creationId xmlns="" xmlns:a16="http://schemas.microsoft.com/office/drawing/2014/main" id="{A94B49FD-C752-470A-B259-FDA2713A989E}"/>
+                <a16:creationId xmlns:a16="http://schemas.microsoft.com/office/drawing/2014/main" xmlns="" id="{A94B49FD-C752-470A-B259-FDA2713A989E}"/>
               </a:ext>
             </a:extLst>
           </p:cNvPr>
@@ -3624,7 +3624,7 @@
           <p:cNvPr id="6" name="Slide Number Placeholder 5">
             <a:extLst>
               <a:ext uri="{FF2B5EF4-FFF2-40B4-BE49-F238E27FC236}">
-                <a16:creationId xmlns="" xmlns:a16="http://schemas.microsoft.com/office/drawing/2014/main" id="{A3EF1774-2740-A306-38A1-AB03191B9C61}"/>
+                <a16:creationId xmlns:a16="http://schemas.microsoft.com/office/drawing/2014/main" xmlns="" id="{A3EF1774-2740-A306-38A1-AB03191B9C61}"/>
               </a:ext>
             </a:extLst>
           </p:cNvPr>
@@ -3992,10 +3992,10 @@
           <p:cNvPr id="2076" name="Freeform 5">
             <a:extLst>
               <a:ext uri="{FF2B5EF4-FFF2-40B4-BE49-F238E27FC236}">
-                <a16:creationId xmlns="" xmlns:a16="http://schemas.microsoft.com/office/drawing/2014/main" id="{07322A9E-F1EC-405E-8971-BA906EFFCCB8}"/>
+                <a16:creationId xmlns:a16="http://schemas.microsoft.com/office/drawing/2014/main" xmlns="" id="{07322A9E-F1EC-405E-8971-BA906EFFCCB8}"/>
               </a:ext>
               <a:ext uri="{C183D7F6-B498-43B3-948B-1728B52AA6E4}">
-                <adec:decorative xmlns="" xmlns:adec="http://schemas.microsoft.com/office/drawing/2017/decorative" val="1"/>
+                <adec:decorative xmlns:adec="http://schemas.microsoft.com/office/drawing/2017/decorative" xmlns="" val="1"/>
               </a:ext>
             </a:extLst>
           </p:cNvPr>
@@ -4005,7 +4005,7 @@
           <p:nvPr>
             <p:extLst>
               <p:ext uri="{386F3935-93C4-4BCD-93E2-E3B085C9AB24}">
-                <p16:designElem xmlns="" xmlns:p16="http://schemas.microsoft.com/office/powerpoint/2015/main" val="1"/>
+                <p16:designElem xmlns:p16="http://schemas.microsoft.com/office/powerpoint/2015/main" xmlns="" val="1"/>
               </p:ext>
             </p:extLst>
           </p:nvPr>
@@ -4115,10 +4115,10 @@
           <p:cNvPr id="2078" name="Freeform 6">
             <a:extLst>
               <a:ext uri="{FF2B5EF4-FFF2-40B4-BE49-F238E27FC236}">
-                <a16:creationId xmlns="" xmlns:a16="http://schemas.microsoft.com/office/drawing/2014/main" id="{A5704422-1118-4FD1-95AD-29A064EB80D9}"/>
+                <a16:creationId xmlns:a16="http://schemas.microsoft.com/office/drawing/2014/main" xmlns="" id="{A5704422-1118-4FD1-95AD-29A064EB80D9}"/>
               </a:ext>
               <a:ext uri="{C183D7F6-B498-43B3-948B-1728B52AA6E4}">
-                <adec:decorative xmlns="" xmlns:adec="http://schemas.microsoft.com/office/drawing/2017/decorative" val="1"/>
+                <adec:decorative xmlns:adec="http://schemas.microsoft.com/office/drawing/2017/decorative" xmlns="" val="1"/>
               </a:ext>
             </a:extLst>
           </p:cNvPr>
@@ -4128,7 +4128,7 @@
           <p:nvPr>
             <p:extLst>
               <p:ext uri="{386F3935-93C4-4BCD-93E2-E3B085C9AB24}">
-                <p16:designElem xmlns="" xmlns:p16="http://schemas.microsoft.com/office/powerpoint/2015/main" val="1"/>
+                <p16:designElem xmlns:p16="http://schemas.microsoft.com/office/powerpoint/2015/main" xmlns="" val="1"/>
               </p:ext>
             </p:extLst>
           </p:nvPr>
@@ -4238,10 +4238,10 @@
           <p:cNvPr id="2080" name="Freeform 7">
             <a:extLst>
               <a:ext uri="{FF2B5EF4-FFF2-40B4-BE49-F238E27FC236}">
-                <a16:creationId xmlns="" xmlns:a16="http://schemas.microsoft.com/office/drawing/2014/main" id="{A88B2AAA-B805-498E-A9E6-98B885855498}"/>
+                <a16:creationId xmlns:a16="http://schemas.microsoft.com/office/drawing/2014/main" xmlns="" id="{A88B2AAA-B805-498E-A9E6-98B885855498}"/>
               </a:ext>
               <a:ext uri="{C183D7F6-B498-43B3-948B-1728B52AA6E4}">
-                <adec:decorative xmlns="" xmlns:adec="http://schemas.microsoft.com/office/drawing/2017/decorative" val="1"/>
+                <adec:decorative xmlns:adec="http://schemas.microsoft.com/office/drawing/2017/decorative" xmlns="" val="1"/>
               </a:ext>
             </a:extLst>
           </p:cNvPr>
@@ -4251,7 +4251,7 @@
           <p:nvPr>
             <p:extLst>
               <p:ext uri="{386F3935-93C4-4BCD-93E2-E3B085C9AB24}">
-                <p16:designElem xmlns="" xmlns:p16="http://schemas.microsoft.com/office/powerpoint/2015/main" val="1"/>
+                <p16:designElem xmlns:p16="http://schemas.microsoft.com/office/powerpoint/2015/main" xmlns="" val="1"/>
               </p:ext>
             </p:extLst>
           </p:nvPr>
@@ -4371,10 +4371,10 @@
           <p:cNvPr id="2082" name="Freeform 8">
             <a:extLst>
               <a:ext uri="{FF2B5EF4-FFF2-40B4-BE49-F238E27FC236}">
-                <a16:creationId xmlns="" xmlns:a16="http://schemas.microsoft.com/office/drawing/2014/main" id="{9B8051E0-19D7-43E1-BFD9-E6DBFEB3A3F1}"/>
+                <a16:creationId xmlns:a16="http://schemas.microsoft.com/office/drawing/2014/main" xmlns="" id="{9B8051E0-19D7-43E1-BFD9-E6DBFEB3A3F1}"/>
               </a:ext>
               <a:ext uri="{C183D7F6-B498-43B3-948B-1728B52AA6E4}">
-                <adec:decorative xmlns="" xmlns:adec="http://schemas.microsoft.com/office/drawing/2017/decorative" val="1"/>
+                <adec:decorative xmlns:adec="http://schemas.microsoft.com/office/drawing/2017/decorative" xmlns="" val="1"/>
               </a:ext>
             </a:extLst>
           </p:cNvPr>
@@ -4384,7 +4384,7 @@
           <p:nvPr>
             <p:extLst>
               <p:ext uri="{386F3935-93C4-4BCD-93E2-E3B085C9AB24}">
-                <p16:designElem xmlns="" xmlns:p16="http://schemas.microsoft.com/office/powerpoint/2015/main" val="1"/>
+                <p16:designElem xmlns:p16="http://schemas.microsoft.com/office/powerpoint/2015/main" xmlns="" val="1"/>
               </p:ext>
             </p:extLst>
           </p:nvPr>
@@ -4484,10 +4484,10 @@
           <p:cNvPr id="2084" name="Freeform 9">
             <a:extLst>
               <a:ext uri="{FF2B5EF4-FFF2-40B4-BE49-F238E27FC236}">
-                <a16:creationId xmlns="" xmlns:a16="http://schemas.microsoft.com/office/drawing/2014/main" id="{4EDB2B02-86A2-46F5-A4BE-B7D9B10411D6}"/>
+                <a16:creationId xmlns:a16="http://schemas.microsoft.com/office/drawing/2014/main" xmlns="" id="{4EDB2B02-86A2-46F5-A4BE-B7D9B10411D6}"/>
               </a:ext>
               <a:ext uri="{C183D7F6-B498-43B3-948B-1728B52AA6E4}">
-                <adec:decorative xmlns="" xmlns:adec="http://schemas.microsoft.com/office/drawing/2017/decorative" val="1"/>
+                <adec:decorative xmlns:adec="http://schemas.microsoft.com/office/drawing/2017/decorative" xmlns="" val="1"/>
               </a:ext>
             </a:extLst>
           </p:cNvPr>
@@ -4497,7 +4497,7 @@
           <p:nvPr>
             <p:extLst>
               <p:ext uri="{386F3935-93C4-4BCD-93E2-E3B085C9AB24}">
-                <p16:designElem xmlns="" xmlns:p16="http://schemas.microsoft.com/office/powerpoint/2015/main" val="1"/>
+                <p16:designElem xmlns:p16="http://schemas.microsoft.com/office/powerpoint/2015/main" xmlns="" val="1"/>
               </p:ext>
             </p:extLst>
           </p:nvPr>
@@ -4577,10 +4577,10 @@
           <p:cNvPr id="2086" name="Freeform 10">
             <a:extLst>
               <a:ext uri="{FF2B5EF4-FFF2-40B4-BE49-F238E27FC236}">
-                <a16:creationId xmlns="" xmlns:a16="http://schemas.microsoft.com/office/drawing/2014/main" id="{43954639-FB5D-41F4-9560-6F6DFE778425}"/>
+                <a16:creationId xmlns:a16="http://schemas.microsoft.com/office/drawing/2014/main" xmlns="" id="{43954639-FB5D-41F4-9560-6F6DFE778425}"/>
               </a:ext>
               <a:ext uri="{C183D7F6-B498-43B3-948B-1728B52AA6E4}">
-                <adec:decorative xmlns="" xmlns:adec="http://schemas.microsoft.com/office/drawing/2017/decorative" val="1"/>
+                <adec:decorative xmlns:adec="http://schemas.microsoft.com/office/drawing/2017/decorative" xmlns="" val="1"/>
               </a:ext>
             </a:extLst>
           </p:cNvPr>
@@ -4590,7 +4590,7 @@
           <p:nvPr>
             <p:extLst>
               <p:ext uri="{386F3935-93C4-4BCD-93E2-E3B085C9AB24}">
-                <p16:designElem xmlns="" xmlns:p16="http://schemas.microsoft.com/office/powerpoint/2015/main" val="1"/>
+                <p16:designElem xmlns:p16="http://schemas.microsoft.com/office/powerpoint/2015/main" xmlns="" val="1"/>
               </p:ext>
             </p:extLst>
           </p:nvPr>
@@ -4690,10 +4690,10 @@
           <p:cNvPr id="2088" name="Freeform 12">
             <a:extLst>
               <a:ext uri="{FF2B5EF4-FFF2-40B4-BE49-F238E27FC236}">
-                <a16:creationId xmlns="" xmlns:a16="http://schemas.microsoft.com/office/drawing/2014/main" id="{E898931C-0323-41FA-A036-20F818B1FF81}"/>
+                <a16:creationId xmlns:a16="http://schemas.microsoft.com/office/drawing/2014/main" xmlns="" id="{E898931C-0323-41FA-A036-20F818B1FF81}"/>
               </a:ext>
               <a:ext uri="{C183D7F6-B498-43B3-948B-1728B52AA6E4}">
-                <adec:decorative xmlns="" xmlns:adec="http://schemas.microsoft.com/office/drawing/2017/decorative" val="1"/>
+                <adec:decorative xmlns:adec="http://schemas.microsoft.com/office/drawing/2017/decorative" xmlns="" val="1"/>
               </a:ext>
             </a:extLst>
           </p:cNvPr>
@@ -4703,7 +4703,7 @@
           <p:nvPr>
             <p:extLst>
               <p:ext uri="{386F3935-93C4-4BCD-93E2-E3B085C9AB24}">
-                <p16:designElem xmlns="" xmlns:p16="http://schemas.microsoft.com/office/powerpoint/2015/main" val="1"/>
+                <p16:designElem xmlns:p16="http://schemas.microsoft.com/office/powerpoint/2015/main" xmlns="" val="1"/>
               </p:ext>
             </p:extLst>
           </p:nvPr>
@@ -4783,10 +4783,10 @@
           <p:cNvPr id="2090" name="Freeform 14">
             <a:extLst>
               <a:ext uri="{FF2B5EF4-FFF2-40B4-BE49-F238E27FC236}">
-                <a16:creationId xmlns="" xmlns:a16="http://schemas.microsoft.com/office/drawing/2014/main" id="{89AFE9DD-0792-4B98-B4EB-97ACA17E6AA8}"/>
+                <a16:creationId xmlns:a16="http://schemas.microsoft.com/office/drawing/2014/main" xmlns="" id="{89AFE9DD-0792-4B98-B4EB-97ACA17E6AA8}"/>
               </a:ext>
               <a:ext uri="{C183D7F6-B498-43B3-948B-1728B52AA6E4}">
-                <adec:decorative xmlns="" xmlns:adec="http://schemas.microsoft.com/office/drawing/2017/decorative" val="1"/>
+                <adec:decorative xmlns:adec="http://schemas.microsoft.com/office/drawing/2017/decorative" xmlns="" val="1"/>
               </a:ext>
             </a:extLst>
           </p:cNvPr>
@@ -4796,7 +4796,7 @@
           <p:nvPr>
             <p:extLst>
               <p:ext uri="{386F3935-93C4-4BCD-93E2-E3B085C9AB24}">
-                <p16:designElem xmlns="" xmlns:p16="http://schemas.microsoft.com/office/powerpoint/2015/main" val="1"/>
+                <p16:designElem xmlns:p16="http://schemas.microsoft.com/office/powerpoint/2015/main" xmlns="" val="1"/>
               </p:ext>
             </p:extLst>
           </p:nvPr>
@@ -4876,10 +4876,10 @@
           <p:cNvPr id="2092" name="Freeform 16">
             <a:extLst>
               <a:ext uri="{FF2B5EF4-FFF2-40B4-BE49-F238E27FC236}">
-                <a16:creationId xmlns="" xmlns:a16="http://schemas.microsoft.com/office/drawing/2014/main" id="{3981F5C4-9AE1-404E-AF44-A4E6DB374F9D}"/>
+                <a16:creationId xmlns:a16="http://schemas.microsoft.com/office/drawing/2014/main" xmlns="" id="{3981F5C4-9AE1-404E-AF44-A4E6DB374F9D}"/>
               </a:ext>
               <a:ext uri="{C183D7F6-B498-43B3-948B-1728B52AA6E4}">
-                <adec:decorative xmlns="" xmlns:adec="http://schemas.microsoft.com/office/drawing/2017/decorative" val="1"/>
+                <adec:decorative xmlns:adec="http://schemas.microsoft.com/office/drawing/2017/decorative" xmlns="" val="1"/>
               </a:ext>
             </a:extLst>
           </p:cNvPr>
@@ -4889,7 +4889,7 @@
           <p:nvPr>
             <p:extLst>
               <p:ext uri="{386F3935-93C4-4BCD-93E2-E3B085C9AB24}">
-                <p16:designElem xmlns="" xmlns:p16="http://schemas.microsoft.com/office/powerpoint/2015/main" val="1"/>
+                <p16:designElem xmlns:p16="http://schemas.microsoft.com/office/powerpoint/2015/main" xmlns="" val="1"/>
               </p:ext>
             </p:extLst>
           </p:nvPr>
@@ -4969,10 +4969,10 @@
           <p:cNvPr id="2094" name="Freeform 11">
             <a:extLst>
               <a:ext uri="{FF2B5EF4-FFF2-40B4-BE49-F238E27FC236}">
-                <a16:creationId xmlns="" xmlns:a16="http://schemas.microsoft.com/office/drawing/2014/main" id="{763C1781-8726-4FAC-8C45-FF40376BE409}"/>
+                <a16:creationId xmlns:a16="http://schemas.microsoft.com/office/drawing/2014/main" xmlns="" id="{763C1781-8726-4FAC-8C45-FF40376BE409}"/>
               </a:ext>
               <a:ext uri="{C183D7F6-B498-43B3-948B-1728B52AA6E4}">
-                <adec:decorative xmlns="" xmlns:adec="http://schemas.microsoft.com/office/drawing/2017/decorative" val="1"/>
+                <adec:decorative xmlns:adec="http://schemas.microsoft.com/office/drawing/2017/decorative" xmlns="" val="1"/>
               </a:ext>
             </a:extLst>
           </p:cNvPr>
@@ -4982,7 +4982,7 @@
           <p:nvPr>
             <p:extLst>
               <p:ext uri="{386F3935-93C4-4BCD-93E2-E3B085C9AB24}">
-                <p16:designElem xmlns="" xmlns:p16="http://schemas.microsoft.com/office/powerpoint/2015/main" val="1"/>
+                <p16:designElem xmlns:p16="http://schemas.microsoft.com/office/powerpoint/2015/main" xmlns="" val="1"/>
               </p:ext>
             </p:extLst>
           </p:nvPr>
@@ -5072,10 +5072,10 @@
           <p:cNvPr id="2096" name="Freeform 21">
             <a:extLst>
               <a:ext uri="{FF2B5EF4-FFF2-40B4-BE49-F238E27FC236}">
-                <a16:creationId xmlns="" xmlns:a16="http://schemas.microsoft.com/office/drawing/2014/main" id="{301491B5-56C7-43DC-A3D9-861EECCA056A}"/>
+                <a16:creationId xmlns:a16="http://schemas.microsoft.com/office/drawing/2014/main" xmlns="" id="{301491B5-56C7-43DC-A3D9-861EECCA056A}"/>
               </a:ext>
               <a:ext uri="{C183D7F6-B498-43B3-948B-1728B52AA6E4}">
-                <adec:decorative xmlns="" xmlns:adec="http://schemas.microsoft.com/office/drawing/2017/decorative" val="1"/>
+                <adec:decorative xmlns:adec="http://schemas.microsoft.com/office/drawing/2017/decorative" xmlns="" val="1"/>
               </a:ext>
             </a:extLst>
           </p:cNvPr>
@@ -5085,7 +5085,7 @@
           <p:nvPr>
             <p:extLst>
               <p:ext uri="{386F3935-93C4-4BCD-93E2-E3B085C9AB24}">
-                <p16:designElem xmlns="" xmlns:p16="http://schemas.microsoft.com/office/powerpoint/2015/main" val="1"/>
+                <p16:designElem xmlns:p16="http://schemas.microsoft.com/office/powerpoint/2015/main" xmlns="" val="1"/>
               </p:ext>
             </p:extLst>
           </p:nvPr>
@@ -5165,7 +5165,7 @@
           <p:cNvPr id="3" name="Subtitle 2">
             <a:extLst>
               <a:ext uri="{FF2B5EF4-FFF2-40B4-BE49-F238E27FC236}">
-                <a16:creationId xmlns="" xmlns:a16="http://schemas.microsoft.com/office/drawing/2014/main" id="{A2D05E37-9579-3959-CF46-BFCA6B9CC0FA}"/>
+                <a16:creationId xmlns:a16="http://schemas.microsoft.com/office/drawing/2014/main" xmlns="" id="{A2D05E37-9579-3959-CF46-BFCA6B9CC0FA}"/>
               </a:ext>
             </a:extLst>
           </p:cNvPr>
@@ -5214,10 +5214,10 @@
           <p:cNvPr id="2098" name="Freeform 22">
             <a:extLst>
               <a:ext uri="{FF2B5EF4-FFF2-40B4-BE49-F238E27FC236}">
-                <a16:creationId xmlns="" xmlns:a16="http://schemas.microsoft.com/office/drawing/2014/main" id="{237E2353-22DF-46E0-A200-FB30F8F394E2}"/>
+                <a16:creationId xmlns:a16="http://schemas.microsoft.com/office/drawing/2014/main" xmlns="" id="{237E2353-22DF-46E0-A200-FB30F8F394E2}"/>
               </a:ext>
               <a:ext uri="{C183D7F6-B498-43B3-948B-1728B52AA6E4}">
-                <adec:decorative xmlns="" xmlns:adec="http://schemas.microsoft.com/office/drawing/2017/decorative" val="1"/>
+                <adec:decorative xmlns:adec="http://schemas.microsoft.com/office/drawing/2017/decorative" xmlns="" val="1"/>
               </a:ext>
             </a:extLst>
           </p:cNvPr>
@@ -5227,7 +5227,7 @@
           <p:nvPr>
             <p:extLst>
               <p:ext uri="{386F3935-93C4-4BCD-93E2-E3B085C9AB24}">
-                <p16:designElem xmlns="" xmlns:p16="http://schemas.microsoft.com/office/powerpoint/2015/main" val="1"/>
+                <p16:designElem xmlns:p16="http://schemas.microsoft.com/office/powerpoint/2015/main" xmlns="" val="1"/>
               </p:ext>
             </p:extLst>
           </p:nvPr>
@@ -5307,10 +5307,10 @@
           <p:cNvPr id="2100" name="Freeform 23">
             <a:extLst>
               <a:ext uri="{FF2B5EF4-FFF2-40B4-BE49-F238E27FC236}">
-                <a16:creationId xmlns="" xmlns:a16="http://schemas.microsoft.com/office/drawing/2014/main" id="{DD6138DB-057B-45F7-A5F4-E7BFDA20D02C}"/>
+                <a16:creationId xmlns:a16="http://schemas.microsoft.com/office/drawing/2014/main" xmlns="" id="{DD6138DB-057B-45F7-A5F4-E7BFDA20D02C}"/>
               </a:ext>
               <a:ext uri="{C183D7F6-B498-43B3-948B-1728B52AA6E4}">
-                <adec:decorative xmlns="" xmlns:adec="http://schemas.microsoft.com/office/drawing/2017/decorative" val="1"/>
+                <adec:decorative xmlns:adec="http://schemas.microsoft.com/office/drawing/2017/decorative" xmlns="" val="1"/>
               </a:ext>
             </a:extLst>
           </p:cNvPr>
@@ -5320,7 +5320,7 @@
           <p:nvPr>
             <p:extLst>
               <p:ext uri="{386F3935-93C4-4BCD-93E2-E3B085C9AB24}">
-                <p16:designElem xmlns="" xmlns:p16="http://schemas.microsoft.com/office/powerpoint/2015/main" val="1"/>
+                <p16:designElem xmlns:p16="http://schemas.microsoft.com/office/powerpoint/2015/main" xmlns="" val="1"/>
               </p:ext>
             </p:extLst>
           </p:nvPr>
@@ -5437,7 +5437,7 @@
           <p:cNvPr id="21" name="slide1">
             <a:extLst>
               <a:ext uri="{FF2B5EF4-FFF2-40B4-BE49-F238E27FC236}">
-                <a16:creationId xmlns="" xmlns:a16="http://schemas.microsoft.com/office/drawing/2014/main" id="{A69244DC-EA5E-4CDA-8341-6A9BCD154783}"/>
+                <a16:creationId xmlns:a16="http://schemas.microsoft.com/office/drawing/2014/main" xmlns="" id="{A69244DC-EA5E-4CDA-8341-6A9BCD154783}"/>
               </a:ext>
             </a:extLst>
           </p:cNvPr>
@@ -5502,7 +5502,7 @@
           <p:cNvPr id="24" name="TextBox 23">
             <a:extLst>
               <a:ext uri="{FF2B5EF4-FFF2-40B4-BE49-F238E27FC236}">
-                <a16:creationId xmlns="" xmlns:a16="http://schemas.microsoft.com/office/drawing/2014/main" id="{E46097D4-7816-E38C-47EC-C5B0B82B842A}"/>
+                <a16:creationId xmlns:a16="http://schemas.microsoft.com/office/drawing/2014/main" xmlns="" id="{E46097D4-7816-E38C-47EC-C5B0B82B842A}"/>
               </a:ext>
             </a:extLst>
           </p:cNvPr>
@@ -5624,10 +5624,10 @@
           <p:cNvPr id="2076" name="Freeform 5">
             <a:extLst>
               <a:ext uri="{FF2B5EF4-FFF2-40B4-BE49-F238E27FC236}">
-                <a16:creationId xmlns="" xmlns:a16="http://schemas.microsoft.com/office/drawing/2014/main" id="{07322A9E-F1EC-405E-8971-BA906EFFCCB8}"/>
+                <a16:creationId xmlns:a16="http://schemas.microsoft.com/office/drawing/2014/main" xmlns="" id="{07322A9E-F1EC-405E-8971-BA906EFFCCB8}"/>
               </a:ext>
               <a:ext uri="{C183D7F6-B498-43B3-948B-1728B52AA6E4}">
-                <adec:decorative xmlns="" xmlns:adec="http://schemas.microsoft.com/office/drawing/2017/decorative" val="1"/>
+                <adec:decorative xmlns:adec="http://schemas.microsoft.com/office/drawing/2017/decorative" xmlns="" val="1"/>
               </a:ext>
             </a:extLst>
           </p:cNvPr>
@@ -5637,7 +5637,7 @@
           <p:nvPr>
             <p:extLst>
               <p:ext uri="{386F3935-93C4-4BCD-93E2-E3B085C9AB24}">
-                <p16:designElem xmlns="" xmlns:p16="http://schemas.microsoft.com/office/powerpoint/2015/main" val="1"/>
+                <p16:designElem xmlns:p16="http://schemas.microsoft.com/office/powerpoint/2015/main" xmlns="" val="1"/>
               </p:ext>
             </p:extLst>
           </p:nvPr>
@@ -5747,10 +5747,10 @@
           <p:cNvPr id="2078" name="Freeform 6">
             <a:extLst>
               <a:ext uri="{FF2B5EF4-FFF2-40B4-BE49-F238E27FC236}">
-                <a16:creationId xmlns="" xmlns:a16="http://schemas.microsoft.com/office/drawing/2014/main" id="{A5704422-1118-4FD1-95AD-29A064EB80D9}"/>
+                <a16:creationId xmlns:a16="http://schemas.microsoft.com/office/drawing/2014/main" xmlns="" id="{A5704422-1118-4FD1-95AD-29A064EB80D9}"/>
               </a:ext>
               <a:ext uri="{C183D7F6-B498-43B3-948B-1728B52AA6E4}">
-                <adec:decorative xmlns="" xmlns:adec="http://schemas.microsoft.com/office/drawing/2017/decorative" val="1"/>
+                <adec:decorative xmlns:adec="http://schemas.microsoft.com/office/drawing/2017/decorative" xmlns="" val="1"/>
               </a:ext>
             </a:extLst>
           </p:cNvPr>
@@ -5760,7 +5760,7 @@
           <p:nvPr>
             <p:extLst>
               <p:ext uri="{386F3935-93C4-4BCD-93E2-E3B085C9AB24}">
-                <p16:designElem xmlns="" xmlns:p16="http://schemas.microsoft.com/office/powerpoint/2015/main" val="1"/>
+                <p16:designElem xmlns:p16="http://schemas.microsoft.com/office/powerpoint/2015/main" xmlns="" val="1"/>
               </p:ext>
             </p:extLst>
           </p:nvPr>
@@ -5870,10 +5870,10 @@
           <p:cNvPr id="2080" name="Freeform 7">
             <a:extLst>
               <a:ext uri="{FF2B5EF4-FFF2-40B4-BE49-F238E27FC236}">
-                <a16:creationId xmlns="" xmlns:a16="http://schemas.microsoft.com/office/drawing/2014/main" id="{A88B2AAA-B805-498E-A9E6-98B885855498}"/>
+                <a16:creationId xmlns:a16="http://schemas.microsoft.com/office/drawing/2014/main" xmlns="" id="{A88B2AAA-B805-498E-A9E6-98B885855498}"/>
               </a:ext>
               <a:ext uri="{C183D7F6-B498-43B3-948B-1728B52AA6E4}">
-                <adec:decorative xmlns="" xmlns:adec="http://schemas.microsoft.com/office/drawing/2017/decorative" val="1"/>
+                <adec:decorative xmlns:adec="http://schemas.microsoft.com/office/drawing/2017/decorative" xmlns="" val="1"/>
               </a:ext>
             </a:extLst>
           </p:cNvPr>
@@ -5883,7 +5883,7 @@
           <p:nvPr>
             <p:extLst>
               <p:ext uri="{386F3935-93C4-4BCD-93E2-E3B085C9AB24}">
-                <p16:designElem xmlns="" xmlns:p16="http://schemas.microsoft.com/office/powerpoint/2015/main" val="1"/>
+                <p16:designElem xmlns:p16="http://schemas.microsoft.com/office/powerpoint/2015/main" xmlns="" val="1"/>
               </p:ext>
             </p:extLst>
           </p:nvPr>
@@ -6003,10 +6003,10 @@
           <p:cNvPr id="2082" name="Freeform 8">
             <a:extLst>
               <a:ext uri="{FF2B5EF4-FFF2-40B4-BE49-F238E27FC236}">
-                <a16:creationId xmlns="" xmlns:a16="http://schemas.microsoft.com/office/drawing/2014/main" id="{9B8051E0-19D7-43E1-BFD9-E6DBFEB3A3F1}"/>
+                <a16:creationId xmlns:a16="http://schemas.microsoft.com/office/drawing/2014/main" xmlns="" id="{9B8051E0-19D7-43E1-BFD9-E6DBFEB3A3F1}"/>
               </a:ext>
               <a:ext uri="{C183D7F6-B498-43B3-948B-1728B52AA6E4}">
-                <adec:decorative xmlns="" xmlns:adec="http://schemas.microsoft.com/office/drawing/2017/decorative" val="1"/>
+                <adec:decorative xmlns:adec="http://schemas.microsoft.com/office/drawing/2017/decorative" xmlns="" val="1"/>
               </a:ext>
             </a:extLst>
           </p:cNvPr>
@@ -6016,7 +6016,7 @@
           <p:nvPr>
             <p:extLst>
               <p:ext uri="{386F3935-93C4-4BCD-93E2-E3B085C9AB24}">
-                <p16:designElem xmlns="" xmlns:p16="http://schemas.microsoft.com/office/powerpoint/2015/main" val="1"/>
+                <p16:designElem xmlns:p16="http://schemas.microsoft.com/office/powerpoint/2015/main" xmlns="" val="1"/>
               </p:ext>
             </p:extLst>
           </p:nvPr>
@@ -6116,10 +6116,10 @@
           <p:cNvPr id="2084" name="Freeform 9">
             <a:extLst>
               <a:ext uri="{FF2B5EF4-FFF2-40B4-BE49-F238E27FC236}">
-                <a16:creationId xmlns="" xmlns:a16="http://schemas.microsoft.com/office/drawing/2014/main" id="{4EDB2B02-86A2-46F5-A4BE-B7D9B10411D6}"/>
+                <a16:creationId xmlns:a16="http://schemas.microsoft.com/office/drawing/2014/main" xmlns="" id="{4EDB2B02-86A2-46F5-A4BE-B7D9B10411D6}"/>
               </a:ext>
               <a:ext uri="{C183D7F6-B498-43B3-948B-1728B52AA6E4}">
-                <adec:decorative xmlns="" xmlns:adec="http://schemas.microsoft.com/office/drawing/2017/decorative" val="1"/>
+                <adec:decorative xmlns:adec="http://schemas.microsoft.com/office/drawing/2017/decorative" xmlns="" val="1"/>
               </a:ext>
             </a:extLst>
           </p:cNvPr>
@@ -6129,7 +6129,7 @@
           <p:nvPr>
             <p:extLst>
               <p:ext uri="{386F3935-93C4-4BCD-93E2-E3B085C9AB24}">
-                <p16:designElem xmlns="" xmlns:p16="http://schemas.microsoft.com/office/powerpoint/2015/main" val="1"/>
+                <p16:designElem xmlns:p16="http://schemas.microsoft.com/office/powerpoint/2015/main" xmlns="" val="1"/>
               </p:ext>
             </p:extLst>
           </p:nvPr>
@@ -6209,10 +6209,10 @@
           <p:cNvPr id="2086" name="Freeform 10">
             <a:extLst>
               <a:ext uri="{FF2B5EF4-FFF2-40B4-BE49-F238E27FC236}">
-                <a16:creationId xmlns="" xmlns:a16="http://schemas.microsoft.com/office/drawing/2014/main" id="{43954639-FB5D-41F4-9560-6F6DFE778425}"/>
+                <a16:creationId xmlns:a16="http://schemas.microsoft.com/office/drawing/2014/main" xmlns="" id="{43954639-FB5D-41F4-9560-6F6DFE778425}"/>
               </a:ext>
               <a:ext uri="{C183D7F6-B498-43B3-948B-1728B52AA6E4}">
-                <adec:decorative xmlns="" xmlns:adec="http://schemas.microsoft.com/office/drawing/2017/decorative" val="1"/>
+                <adec:decorative xmlns:adec="http://schemas.microsoft.com/office/drawing/2017/decorative" xmlns="" val="1"/>
               </a:ext>
             </a:extLst>
           </p:cNvPr>
@@ -6222,7 +6222,7 @@
           <p:nvPr>
             <p:extLst>
               <p:ext uri="{386F3935-93C4-4BCD-93E2-E3B085C9AB24}">
-                <p16:designElem xmlns="" xmlns:p16="http://schemas.microsoft.com/office/powerpoint/2015/main" val="1"/>
+                <p16:designElem xmlns:p16="http://schemas.microsoft.com/office/powerpoint/2015/main" xmlns="" val="1"/>
               </p:ext>
             </p:extLst>
           </p:nvPr>
@@ -6322,10 +6322,10 @@
           <p:cNvPr id="2088" name="Freeform 12">
             <a:extLst>
               <a:ext uri="{FF2B5EF4-FFF2-40B4-BE49-F238E27FC236}">
-                <a16:creationId xmlns="" xmlns:a16="http://schemas.microsoft.com/office/drawing/2014/main" id="{E898931C-0323-41FA-A036-20F818B1FF81}"/>
+                <a16:creationId xmlns:a16="http://schemas.microsoft.com/office/drawing/2014/main" xmlns="" id="{E898931C-0323-41FA-A036-20F818B1FF81}"/>
               </a:ext>
               <a:ext uri="{C183D7F6-B498-43B3-948B-1728B52AA6E4}">
-                <adec:decorative xmlns="" xmlns:adec="http://schemas.microsoft.com/office/drawing/2017/decorative" val="1"/>
+                <adec:decorative xmlns:adec="http://schemas.microsoft.com/office/drawing/2017/decorative" xmlns="" val="1"/>
               </a:ext>
             </a:extLst>
           </p:cNvPr>
@@ -6335,7 +6335,7 @@
           <p:nvPr>
             <p:extLst>
               <p:ext uri="{386F3935-93C4-4BCD-93E2-E3B085C9AB24}">
-                <p16:designElem xmlns="" xmlns:p16="http://schemas.microsoft.com/office/powerpoint/2015/main" val="1"/>
+                <p16:designElem xmlns:p16="http://schemas.microsoft.com/office/powerpoint/2015/main" xmlns="" val="1"/>
               </p:ext>
             </p:extLst>
           </p:nvPr>
@@ -6415,10 +6415,10 @@
           <p:cNvPr id="2090" name="Freeform 14">
             <a:extLst>
               <a:ext uri="{FF2B5EF4-FFF2-40B4-BE49-F238E27FC236}">
-                <a16:creationId xmlns="" xmlns:a16="http://schemas.microsoft.com/office/drawing/2014/main" id="{89AFE9DD-0792-4B98-B4EB-97ACA17E6AA8}"/>
+                <a16:creationId xmlns:a16="http://schemas.microsoft.com/office/drawing/2014/main" xmlns="" id="{89AFE9DD-0792-4B98-B4EB-97ACA17E6AA8}"/>
               </a:ext>
               <a:ext uri="{C183D7F6-B498-43B3-948B-1728B52AA6E4}">
-                <adec:decorative xmlns="" xmlns:adec="http://schemas.microsoft.com/office/drawing/2017/decorative" val="1"/>
+                <adec:decorative xmlns:adec="http://schemas.microsoft.com/office/drawing/2017/decorative" xmlns="" val="1"/>
               </a:ext>
             </a:extLst>
           </p:cNvPr>
@@ -6428,7 +6428,7 @@
           <p:nvPr>
             <p:extLst>
               <p:ext uri="{386F3935-93C4-4BCD-93E2-E3B085C9AB24}">
-                <p16:designElem xmlns="" xmlns:p16="http://schemas.microsoft.com/office/powerpoint/2015/main" val="1"/>
+                <p16:designElem xmlns:p16="http://schemas.microsoft.com/office/powerpoint/2015/main" xmlns="" val="1"/>
               </p:ext>
             </p:extLst>
           </p:nvPr>
@@ -6508,10 +6508,10 @@
           <p:cNvPr id="2092" name="Freeform 16">
             <a:extLst>
               <a:ext uri="{FF2B5EF4-FFF2-40B4-BE49-F238E27FC236}">
-                <a16:creationId xmlns="" xmlns:a16="http://schemas.microsoft.com/office/drawing/2014/main" id="{3981F5C4-9AE1-404E-AF44-A4E6DB374F9D}"/>
+                <a16:creationId xmlns:a16="http://schemas.microsoft.com/office/drawing/2014/main" xmlns="" id="{3981F5C4-9AE1-404E-AF44-A4E6DB374F9D}"/>
               </a:ext>
               <a:ext uri="{C183D7F6-B498-43B3-948B-1728B52AA6E4}">
-                <adec:decorative xmlns="" xmlns:adec="http://schemas.microsoft.com/office/drawing/2017/decorative" val="1"/>
+                <adec:decorative xmlns:adec="http://schemas.microsoft.com/office/drawing/2017/decorative" xmlns="" val="1"/>
               </a:ext>
             </a:extLst>
           </p:cNvPr>
@@ -6521,7 +6521,7 @@
           <p:nvPr>
             <p:extLst>
               <p:ext uri="{386F3935-93C4-4BCD-93E2-E3B085C9AB24}">
-                <p16:designElem xmlns="" xmlns:p16="http://schemas.microsoft.com/office/powerpoint/2015/main" val="1"/>
+                <p16:designElem xmlns:p16="http://schemas.microsoft.com/office/powerpoint/2015/main" xmlns="" val="1"/>
               </p:ext>
             </p:extLst>
           </p:nvPr>
@@ -6601,10 +6601,10 @@
           <p:cNvPr id="2094" name="Freeform 11">
             <a:extLst>
               <a:ext uri="{FF2B5EF4-FFF2-40B4-BE49-F238E27FC236}">
-                <a16:creationId xmlns="" xmlns:a16="http://schemas.microsoft.com/office/drawing/2014/main" id="{763C1781-8726-4FAC-8C45-FF40376BE409}"/>
+                <a16:creationId xmlns:a16="http://schemas.microsoft.com/office/drawing/2014/main" xmlns="" id="{763C1781-8726-4FAC-8C45-FF40376BE409}"/>
               </a:ext>
               <a:ext uri="{C183D7F6-B498-43B3-948B-1728B52AA6E4}">
-                <adec:decorative xmlns="" xmlns:adec="http://schemas.microsoft.com/office/drawing/2017/decorative" val="1"/>
+                <adec:decorative xmlns:adec="http://schemas.microsoft.com/office/drawing/2017/decorative" xmlns="" val="1"/>
               </a:ext>
             </a:extLst>
           </p:cNvPr>
@@ -6614,7 +6614,7 @@
           <p:nvPr>
             <p:extLst>
               <p:ext uri="{386F3935-93C4-4BCD-93E2-E3B085C9AB24}">
-                <p16:designElem xmlns="" xmlns:p16="http://schemas.microsoft.com/office/powerpoint/2015/main" val="1"/>
+                <p16:designElem xmlns:p16="http://schemas.microsoft.com/office/powerpoint/2015/main" xmlns="" val="1"/>
               </p:ext>
             </p:extLst>
           </p:nvPr>
@@ -6704,10 +6704,10 @@
           <p:cNvPr id="2096" name="Freeform 21">
             <a:extLst>
               <a:ext uri="{FF2B5EF4-FFF2-40B4-BE49-F238E27FC236}">
-                <a16:creationId xmlns="" xmlns:a16="http://schemas.microsoft.com/office/drawing/2014/main" id="{301491B5-56C7-43DC-A3D9-861EECCA056A}"/>
+                <a16:creationId xmlns:a16="http://schemas.microsoft.com/office/drawing/2014/main" xmlns="" id="{301491B5-56C7-43DC-A3D9-861EECCA056A}"/>
               </a:ext>
               <a:ext uri="{C183D7F6-B498-43B3-948B-1728B52AA6E4}">
-                <adec:decorative xmlns="" xmlns:adec="http://schemas.microsoft.com/office/drawing/2017/decorative" val="1"/>
+                <adec:decorative xmlns:adec="http://schemas.microsoft.com/office/drawing/2017/decorative" xmlns="" val="1"/>
               </a:ext>
             </a:extLst>
           </p:cNvPr>
@@ -6717,7 +6717,7 @@
           <p:nvPr>
             <p:extLst>
               <p:ext uri="{386F3935-93C4-4BCD-93E2-E3B085C9AB24}">
-                <p16:designElem xmlns="" xmlns:p16="http://schemas.microsoft.com/office/powerpoint/2015/main" val="1"/>
+                <p16:designElem xmlns:p16="http://schemas.microsoft.com/office/powerpoint/2015/main" xmlns="" val="1"/>
               </p:ext>
             </p:extLst>
           </p:nvPr>
@@ -6797,10 +6797,10 @@
           <p:cNvPr id="2098" name="Freeform 22">
             <a:extLst>
               <a:ext uri="{FF2B5EF4-FFF2-40B4-BE49-F238E27FC236}">
-                <a16:creationId xmlns="" xmlns:a16="http://schemas.microsoft.com/office/drawing/2014/main" id="{237E2353-22DF-46E0-A200-FB30F8F394E2}"/>
+                <a16:creationId xmlns:a16="http://schemas.microsoft.com/office/drawing/2014/main" xmlns="" id="{237E2353-22DF-46E0-A200-FB30F8F394E2}"/>
               </a:ext>
               <a:ext uri="{C183D7F6-B498-43B3-948B-1728B52AA6E4}">
-                <adec:decorative xmlns="" xmlns:adec="http://schemas.microsoft.com/office/drawing/2017/decorative" val="1"/>
+                <adec:decorative xmlns:adec="http://schemas.microsoft.com/office/drawing/2017/decorative" xmlns="" val="1"/>
               </a:ext>
             </a:extLst>
           </p:cNvPr>
@@ -6810,7 +6810,7 @@
           <p:nvPr>
             <p:extLst>
               <p:ext uri="{386F3935-93C4-4BCD-93E2-E3B085C9AB24}">
-                <p16:designElem xmlns="" xmlns:p16="http://schemas.microsoft.com/office/powerpoint/2015/main" val="1"/>
+                <p16:designElem xmlns:p16="http://schemas.microsoft.com/office/powerpoint/2015/main" xmlns="" val="1"/>
               </p:ext>
             </p:extLst>
           </p:nvPr>
@@ -6890,10 +6890,10 @@
           <p:cNvPr id="2100" name="Freeform 23">
             <a:extLst>
               <a:ext uri="{FF2B5EF4-FFF2-40B4-BE49-F238E27FC236}">
-                <a16:creationId xmlns="" xmlns:a16="http://schemas.microsoft.com/office/drawing/2014/main" id="{DD6138DB-057B-45F7-A5F4-E7BFDA20D02C}"/>
+                <a16:creationId xmlns:a16="http://schemas.microsoft.com/office/drawing/2014/main" xmlns="" id="{DD6138DB-057B-45F7-A5F4-E7BFDA20D02C}"/>
               </a:ext>
               <a:ext uri="{C183D7F6-B498-43B3-948B-1728B52AA6E4}">
-                <adec:decorative xmlns="" xmlns:adec="http://schemas.microsoft.com/office/drawing/2017/decorative" val="1"/>
+                <adec:decorative xmlns:adec="http://schemas.microsoft.com/office/drawing/2017/decorative" xmlns="" val="1"/>
               </a:ext>
             </a:extLst>
           </p:cNvPr>
@@ -6903,7 +6903,7 @@
           <p:nvPr>
             <p:extLst>
               <p:ext uri="{386F3935-93C4-4BCD-93E2-E3B085C9AB24}">
-                <p16:designElem xmlns="" xmlns:p16="http://schemas.microsoft.com/office/powerpoint/2015/main" val="1"/>
+                <p16:designElem xmlns:p16="http://schemas.microsoft.com/office/powerpoint/2015/main" xmlns="" val="1"/>
               </p:ext>
             </p:extLst>
           </p:nvPr>
@@ -6983,7 +6983,7 @@
           <p:cNvPr id="20" name="TextBox 19">
             <a:extLst>
               <a:ext uri="{FF2B5EF4-FFF2-40B4-BE49-F238E27FC236}">
-                <a16:creationId xmlns="" xmlns:a16="http://schemas.microsoft.com/office/drawing/2014/main" id="{80243BC7-3365-EC58-14C8-2452AA279812}"/>
+                <a16:creationId xmlns:a16="http://schemas.microsoft.com/office/drawing/2014/main" xmlns="" id="{80243BC7-3365-EC58-14C8-2452AA279812}"/>
               </a:ext>
             </a:extLst>
           </p:cNvPr>
@@ -7155,10 +7155,10 @@
           <p:cNvPr id="2076" name="Freeform 5">
             <a:extLst>
               <a:ext uri="{FF2B5EF4-FFF2-40B4-BE49-F238E27FC236}">
-                <a16:creationId xmlns="" xmlns:a16="http://schemas.microsoft.com/office/drawing/2014/main" id="{07322A9E-F1EC-405E-8971-BA906EFFCCB8}"/>
+                <a16:creationId xmlns:a16="http://schemas.microsoft.com/office/drawing/2014/main" xmlns="" id="{07322A9E-F1EC-405E-8971-BA906EFFCCB8}"/>
               </a:ext>
               <a:ext uri="{C183D7F6-B498-43B3-948B-1728B52AA6E4}">
-                <adec:decorative xmlns="" xmlns:adec="http://schemas.microsoft.com/office/drawing/2017/decorative" val="1"/>
+                <adec:decorative xmlns:adec="http://schemas.microsoft.com/office/drawing/2017/decorative" xmlns="" val="1"/>
               </a:ext>
             </a:extLst>
           </p:cNvPr>
@@ -7168,7 +7168,7 @@
           <p:nvPr>
             <p:extLst>
               <p:ext uri="{386F3935-93C4-4BCD-93E2-E3B085C9AB24}">
-                <p16:designElem xmlns="" xmlns:p16="http://schemas.microsoft.com/office/powerpoint/2015/main" val="1"/>
+                <p16:designElem xmlns:p16="http://schemas.microsoft.com/office/powerpoint/2015/main" xmlns="" val="1"/>
               </p:ext>
             </p:extLst>
           </p:nvPr>
@@ -7278,10 +7278,10 @@
           <p:cNvPr id="2078" name="Freeform 6">
             <a:extLst>
               <a:ext uri="{FF2B5EF4-FFF2-40B4-BE49-F238E27FC236}">
-                <a16:creationId xmlns="" xmlns:a16="http://schemas.microsoft.com/office/drawing/2014/main" id="{A5704422-1118-4FD1-95AD-29A064EB80D9}"/>
+                <a16:creationId xmlns:a16="http://schemas.microsoft.com/office/drawing/2014/main" xmlns="" id="{A5704422-1118-4FD1-95AD-29A064EB80D9}"/>
               </a:ext>
               <a:ext uri="{C183D7F6-B498-43B3-948B-1728B52AA6E4}">
-                <adec:decorative xmlns="" xmlns:adec="http://schemas.microsoft.com/office/drawing/2017/decorative" val="1"/>
+                <adec:decorative xmlns:adec="http://schemas.microsoft.com/office/drawing/2017/decorative" xmlns="" val="1"/>
               </a:ext>
             </a:extLst>
           </p:cNvPr>
@@ -7291,7 +7291,7 @@
           <p:nvPr>
             <p:extLst>
               <p:ext uri="{386F3935-93C4-4BCD-93E2-E3B085C9AB24}">
-                <p16:designElem xmlns="" xmlns:p16="http://schemas.microsoft.com/office/powerpoint/2015/main" val="1"/>
+                <p16:designElem xmlns:p16="http://schemas.microsoft.com/office/powerpoint/2015/main" xmlns="" val="1"/>
               </p:ext>
             </p:extLst>
           </p:nvPr>
@@ -7401,10 +7401,10 @@
           <p:cNvPr id="2080" name="Freeform 7">
             <a:extLst>
               <a:ext uri="{FF2B5EF4-FFF2-40B4-BE49-F238E27FC236}">
-                <a16:creationId xmlns="" xmlns:a16="http://schemas.microsoft.com/office/drawing/2014/main" id="{A88B2AAA-B805-498E-A9E6-98B885855498}"/>
+                <a16:creationId xmlns:a16="http://schemas.microsoft.com/office/drawing/2014/main" xmlns="" id="{A88B2AAA-B805-498E-A9E6-98B885855498}"/>
               </a:ext>
               <a:ext uri="{C183D7F6-B498-43B3-948B-1728B52AA6E4}">
-                <adec:decorative xmlns="" xmlns:adec="http://schemas.microsoft.com/office/drawing/2017/decorative" val="1"/>
+                <adec:decorative xmlns:adec="http://schemas.microsoft.com/office/drawing/2017/decorative" xmlns="" val="1"/>
               </a:ext>
             </a:extLst>
           </p:cNvPr>
@@ -7414,7 +7414,7 @@
           <p:nvPr>
             <p:extLst>
               <p:ext uri="{386F3935-93C4-4BCD-93E2-E3B085C9AB24}">
-                <p16:designElem xmlns="" xmlns:p16="http://schemas.microsoft.com/office/powerpoint/2015/main" val="1"/>
+                <p16:designElem xmlns:p16="http://schemas.microsoft.com/office/powerpoint/2015/main" xmlns="" val="1"/>
               </p:ext>
             </p:extLst>
           </p:nvPr>
@@ -7534,10 +7534,10 @@
           <p:cNvPr id="2082" name="Freeform 8">
             <a:extLst>
               <a:ext uri="{FF2B5EF4-FFF2-40B4-BE49-F238E27FC236}">
-                <a16:creationId xmlns="" xmlns:a16="http://schemas.microsoft.com/office/drawing/2014/main" id="{9B8051E0-19D7-43E1-BFD9-E6DBFEB3A3F1}"/>
+                <a16:creationId xmlns:a16="http://schemas.microsoft.com/office/drawing/2014/main" xmlns="" id="{9B8051E0-19D7-43E1-BFD9-E6DBFEB3A3F1}"/>
               </a:ext>
               <a:ext uri="{C183D7F6-B498-43B3-948B-1728B52AA6E4}">
-                <adec:decorative xmlns="" xmlns:adec="http://schemas.microsoft.com/office/drawing/2017/decorative" val="1"/>
+                <adec:decorative xmlns:adec="http://schemas.microsoft.com/office/drawing/2017/decorative" xmlns="" val="1"/>
               </a:ext>
             </a:extLst>
           </p:cNvPr>
@@ -7547,7 +7547,7 @@
           <p:nvPr>
             <p:extLst>
               <p:ext uri="{386F3935-93C4-4BCD-93E2-E3B085C9AB24}">
-                <p16:designElem xmlns="" xmlns:p16="http://schemas.microsoft.com/office/powerpoint/2015/main" val="1"/>
+                <p16:designElem xmlns:p16="http://schemas.microsoft.com/office/powerpoint/2015/main" xmlns="" val="1"/>
               </p:ext>
             </p:extLst>
           </p:nvPr>
@@ -7647,10 +7647,10 @@
           <p:cNvPr id="2084" name="Freeform 9">
             <a:extLst>
               <a:ext uri="{FF2B5EF4-FFF2-40B4-BE49-F238E27FC236}">
-                <a16:creationId xmlns="" xmlns:a16="http://schemas.microsoft.com/office/drawing/2014/main" id="{4EDB2B02-86A2-46F5-A4BE-B7D9B10411D6}"/>
+                <a16:creationId xmlns:a16="http://schemas.microsoft.com/office/drawing/2014/main" xmlns="" id="{4EDB2B02-86A2-46F5-A4BE-B7D9B10411D6}"/>
               </a:ext>
               <a:ext uri="{C183D7F6-B498-43B3-948B-1728B52AA6E4}">
-                <adec:decorative xmlns="" xmlns:adec="http://schemas.microsoft.com/office/drawing/2017/decorative" val="1"/>
+                <adec:decorative xmlns:adec="http://schemas.microsoft.com/office/drawing/2017/decorative" xmlns="" val="1"/>
               </a:ext>
             </a:extLst>
           </p:cNvPr>
@@ -7660,7 +7660,7 @@
           <p:nvPr>
             <p:extLst>
               <p:ext uri="{386F3935-93C4-4BCD-93E2-E3B085C9AB24}">
-                <p16:designElem xmlns="" xmlns:p16="http://schemas.microsoft.com/office/powerpoint/2015/main" val="1"/>
+                <p16:designElem xmlns:p16="http://schemas.microsoft.com/office/powerpoint/2015/main" xmlns="" val="1"/>
               </p:ext>
             </p:extLst>
           </p:nvPr>
@@ -7740,10 +7740,10 @@
           <p:cNvPr id="2086" name="Freeform 10">
             <a:extLst>
               <a:ext uri="{FF2B5EF4-FFF2-40B4-BE49-F238E27FC236}">
-                <a16:creationId xmlns="" xmlns:a16="http://schemas.microsoft.com/office/drawing/2014/main" id="{43954639-FB5D-41F4-9560-6F6DFE778425}"/>
+                <a16:creationId xmlns:a16="http://schemas.microsoft.com/office/drawing/2014/main" xmlns="" id="{43954639-FB5D-41F4-9560-6F6DFE778425}"/>
               </a:ext>
               <a:ext uri="{C183D7F6-B498-43B3-948B-1728B52AA6E4}">
-                <adec:decorative xmlns="" xmlns:adec="http://schemas.microsoft.com/office/drawing/2017/decorative" val="1"/>
+                <adec:decorative xmlns:adec="http://schemas.microsoft.com/office/drawing/2017/decorative" xmlns="" val="1"/>
               </a:ext>
             </a:extLst>
           </p:cNvPr>
@@ -7753,7 +7753,7 @@
           <p:nvPr>
             <p:extLst>
               <p:ext uri="{386F3935-93C4-4BCD-93E2-E3B085C9AB24}">
-                <p16:designElem xmlns="" xmlns:p16="http://schemas.microsoft.com/office/powerpoint/2015/main" val="1"/>
+                <p16:designElem xmlns:p16="http://schemas.microsoft.com/office/powerpoint/2015/main" xmlns="" val="1"/>
               </p:ext>
             </p:extLst>
           </p:nvPr>
@@ -7853,10 +7853,10 @@
           <p:cNvPr id="2088" name="Freeform 12">
             <a:extLst>
               <a:ext uri="{FF2B5EF4-FFF2-40B4-BE49-F238E27FC236}">
-                <a16:creationId xmlns="" xmlns:a16="http://schemas.microsoft.com/office/drawing/2014/main" id="{E898931C-0323-41FA-A036-20F818B1FF81}"/>
+                <a16:creationId xmlns:a16="http://schemas.microsoft.com/office/drawing/2014/main" xmlns="" id="{E898931C-0323-41FA-A036-20F818B1FF81}"/>
               </a:ext>
               <a:ext uri="{C183D7F6-B498-43B3-948B-1728B52AA6E4}">
-                <adec:decorative xmlns="" xmlns:adec="http://schemas.microsoft.com/office/drawing/2017/decorative" val="1"/>
+                <adec:decorative xmlns:adec="http://schemas.microsoft.com/office/drawing/2017/decorative" xmlns="" val="1"/>
               </a:ext>
             </a:extLst>
           </p:cNvPr>
@@ -7866,7 +7866,7 @@
           <p:nvPr>
             <p:extLst>
               <p:ext uri="{386F3935-93C4-4BCD-93E2-E3B085C9AB24}">
-                <p16:designElem xmlns="" xmlns:p16="http://schemas.microsoft.com/office/powerpoint/2015/main" val="1"/>
+                <p16:designElem xmlns:p16="http://schemas.microsoft.com/office/powerpoint/2015/main" xmlns="" val="1"/>
               </p:ext>
             </p:extLst>
           </p:nvPr>
@@ -7946,10 +7946,10 @@
           <p:cNvPr id="2090" name="Freeform 14">
             <a:extLst>
               <a:ext uri="{FF2B5EF4-FFF2-40B4-BE49-F238E27FC236}">
-                <a16:creationId xmlns="" xmlns:a16="http://schemas.microsoft.com/office/drawing/2014/main" id="{89AFE9DD-0792-4B98-B4EB-97ACA17E6AA8}"/>
+                <a16:creationId xmlns:a16="http://schemas.microsoft.com/office/drawing/2014/main" xmlns="" id="{89AFE9DD-0792-4B98-B4EB-97ACA17E6AA8}"/>
               </a:ext>
               <a:ext uri="{C183D7F6-B498-43B3-948B-1728B52AA6E4}">
-                <adec:decorative xmlns="" xmlns:adec="http://schemas.microsoft.com/office/drawing/2017/decorative" val="1"/>
+                <adec:decorative xmlns:adec="http://schemas.microsoft.com/office/drawing/2017/decorative" xmlns="" val="1"/>
               </a:ext>
             </a:extLst>
           </p:cNvPr>
@@ -7959,7 +7959,7 @@
           <p:nvPr>
             <p:extLst>
               <p:ext uri="{386F3935-93C4-4BCD-93E2-E3B085C9AB24}">
-                <p16:designElem xmlns="" xmlns:p16="http://schemas.microsoft.com/office/powerpoint/2015/main" val="1"/>
+                <p16:designElem xmlns:p16="http://schemas.microsoft.com/office/powerpoint/2015/main" xmlns="" val="1"/>
               </p:ext>
             </p:extLst>
           </p:nvPr>
@@ -8039,10 +8039,10 @@
           <p:cNvPr id="2092" name="Freeform 16">
             <a:extLst>
               <a:ext uri="{FF2B5EF4-FFF2-40B4-BE49-F238E27FC236}">
-                <a16:creationId xmlns="" xmlns:a16="http://schemas.microsoft.com/office/drawing/2014/main" id="{3981F5C4-9AE1-404E-AF44-A4E6DB374F9D}"/>
+                <a16:creationId xmlns:a16="http://schemas.microsoft.com/office/drawing/2014/main" xmlns="" id="{3981F5C4-9AE1-404E-AF44-A4E6DB374F9D}"/>
               </a:ext>
               <a:ext uri="{C183D7F6-B498-43B3-948B-1728B52AA6E4}">
-                <adec:decorative xmlns="" xmlns:adec="http://schemas.microsoft.com/office/drawing/2017/decorative" val="1"/>
+                <adec:decorative xmlns:adec="http://schemas.microsoft.com/office/drawing/2017/decorative" xmlns="" val="1"/>
               </a:ext>
             </a:extLst>
           </p:cNvPr>
@@ -8052,7 +8052,7 @@
           <p:nvPr>
             <p:extLst>
               <p:ext uri="{386F3935-93C4-4BCD-93E2-E3B085C9AB24}">
-                <p16:designElem xmlns="" xmlns:p16="http://schemas.microsoft.com/office/powerpoint/2015/main" val="1"/>
+                <p16:designElem xmlns:p16="http://schemas.microsoft.com/office/powerpoint/2015/main" xmlns="" val="1"/>
               </p:ext>
             </p:extLst>
           </p:nvPr>
@@ -8132,10 +8132,10 @@
           <p:cNvPr id="2094" name="Freeform 11">
             <a:extLst>
               <a:ext uri="{FF2B5EF4-FFF2-40B4-BE49-F238E27FC236}">
-                <a16:creationId xmlns="" xmlns:a16="http://schemas.microsoft.com/office/drawing/2014/main" id="{763C1781-8726-4FAC-8C45-FF40376BE409}"/>
+                <a16:creationId xmlns:a16="http://schemas.microsoft.com/office/drawing/2014/main" xmlns="" id="{763C1781-8726-4FAC-8C45-FF40376BE409}"/>
               </a:ext>
               <a:ext uri="{C183D7F6-B498-43B3-948B-1728B52AA6E4}">
-                <adec:decorative xmlns="" xmlns:adec="http://schemas.microsoft.com/office/drawing/2017/decorative" val="1"/>
+                <adec:decorative xmlns:adec="http://schemas.microsoft.com/office/drawing/2017/decorative" xmlns="" val="1"/>
               </a:ext>
             </a:extLst>
           </p:cNvPr>
@@ -8145,7 +8145,7 @@
           <p:nvPr>
             <p:extLst>
               <p:ext uri="{386F3935-93C4-4BCD-93E2-E3B085C9AB24}">
-                <p16:designElem xmlns="" xmlns:p16="http://schemas.microsoft.com/office/powerpoint/2015/main" val="1"/>
+                <p16:designElem xmlns:p16="http://schemas.microsoft.com/office/powerpoint/2015/main" xmlns="" val="1"/>
               </p:ext>
             </p:extLst>
           </p:nvPr>
@@ -8235,10 +8235,10 @@
           <p:cNvPr id="2096" name="Freeform 21">
             <a:extLst>
               <a:ext uri="{FF2B5EF4-FFF2-40B4-BE49-F238E27FC236}">
-                <a16:creationId xmlns="" xmlns:a16="http://schemas.microsoft.com/office/drawing/2014/main" id="{301491B5-56C7-43DC-A3D9-861EECCA056A}"/>
+                <a16:creationId xmlns:a16="http://schemas.microsoft.com/office/drawing/2014/main" xmlns="" id="{301491B5-56C7-43DC-A3D9-861EECCA056A}"/>
               </a:ext>
               <a:ext uri="{C183D7F6-B498-43B3-948B-1728B52AA6E4}">
-                <adec:decorative xmlns="" xmlns:adec="http://schemas.microsoft.com/office/drawing/2017/decorative" val="1"/>
+                <adec:decorative xmlns:adec="http://schemas.microsoft.com/office/drawing/2017/decorative" xmlns="" val="1"/>
               </a:ext>
             </a:extLst>
           </p:cNvPr>
@@ -8248,7 +8248,7 @@
           <p:nvPr>
             <p:extLst>
               <p:ext uri="{386F3935-93C4-4BCD-93E2-E3B085C9AB24}">
-                <p16:designElem xmlns="" xmlns:p16="http://schemas.microsoft.com/office/powerpoint/2015/main" val="1"/>
+                <p16:designElem xmlns:p16="http://schemas.microsoft.com/office/powerpoint/2015/main" xmlns="" val="1"/>
               </p:ext>
             </p:extLst>
           </p:nvPr>
@@ -8328,10 +8328,10 @@
           <p:cNvPr id="2098" name="Freeform 22">
             <a:extLst>
               <a:ext uri="{FF2B5EF4-FFF2-40B4-BE49-F238E27FC236}">
-                <a16:creationId xmlns="" xmlns:a16="http://schemas.microsoft.com/office/drawing/2014/main" id="{237E2353-22DF-46E0-A200-FB30F8F394E2}"/>
+                <a16:creationId xmlns:a16="http://schemas.microsoft.com/office/drawing/2014/main" xmlns="" id="{237E2353-22DF-46E0-A200-FB30F8F394E2}"/>
               </a:ext>
               <a:ext uri="{C183D7F6-B498-43B3-948B-1728B52AA6E4}">
-                <adec:decorative xmlns="" xmlns:adec="http://schemas.microsoft.com/office/drawing/2017/decorative" val="1"/>
+                <adec:decorative xmlns:adec="http://schemas.microsoft.com/office/drawing/2017/decorative" xmlns="" val="1"/>
               </a:ext>
             </a:extLst>
           </p:cNvPr>
@@ -8341,7 +8341,7 @@
           <p:nvPr>
             <p:extLst>
               <p:ext uri="{386F3935-93C4-4BCD-93E2-E3B085C9AB24}">
-                <p16:designElem xmlns="" xmlns:p16="http://schemas.microsoft.com/office/powerpoint/2015/main" val="1"/>
+                <p16:designElem xmlns:p16="http://schemas.microsoft.com/office/powerpoint/2015/main" xmlns="" val="1"/>
               </p:ext>
             </p:extLst>
           </p:nvPr>
@@ -8421,10 +8421,10 @@
           <p:cNvPr id="2100" name="Freeform 23">
             <a:extLst>
               <a:ext uri="{FF2B5EF4-FFF2-40B4-BE49-F238E27FC236}">
-                <a16:creationId xmlns="" xmlns:a16="http://schemas.microsoft.com/office/drawing/2014/main" id="{DD6138DB-057B-45F7-A5F4-E7BFDA20D02C}"/>
+                <a16:creationId xmlns:a16="http://schemas.microsoft.com/office/drawing/2014/main" xmlns="" id="{DD6138DB-057B-45F7-A5F4-E7BFDA20D02C}"/>
               </a:ext>
               <a:ext uri="{C183D7F6-B498-43B3-948B-1728B52AA6E4}">
-                <adec:decorative xmlns="" xmlns:adec="http://schemas.microsoft.com/office/drawing/2017/decorative" val="1"/>
+                <adec:decorative xmlns:adec="http://schemas.microsoft.com/office/drawing/2017/decorative" xmlns="" val="1"/>
               </a:ext>
             </a:extLst>
           </p:cNvPr>
@@ -8434,7 +8434,7 @@
           <p:nvPr>
             <p:extLst>
               <p:ext uri="{386F3935-93C4-4BCD-93E2-E3B085C9AB24}">
-                <p16:designElem xmlns="" xmlns:p16="http://schemas.microsoft.com/office/powerpoint/2015/main" val="1"/>
+                <p16:designElem xmlns:p16="http://schemas.microsoft.com/office/powerpoint/2015/main" xmlns="" val="1"/>
               </p:ext>
             </p:extLst>
           </p:nvPr>
@@ -8514,7 +8514,7 @@
           <p:cNvPr id="20" name="TextBox 19">
             <a:extLst>
               <a:ext uri="{FF2B5EF4-FFF2-40B4-BE49-F238E27FC236}">
-                <a16:creationId xmlns="" xmlns:a16="http://schemas.microsoft.com/office/drawing/2014/main" id="{80243BC7-3365-EC58-14C8-2452AA279812}"/>
+                <a16:creationId xmlns:a16="http://schemas.microsoft.com/office/drawing/2014/main" xmlns="" id="{80243BC7-3365-EC58-14C8-2452AA279812}"/>
               </a:ext>
             </a:extLst>
           </p:cNvPr>
@@ -8626,10 +8626,10 @@
           <p:cNvPr id="2076" name="Freeform 5">
             <a:extLst>
               <a:ext uri="{FF2B5EF4-FFF2-40B4-BE49-F238E27FC236}">
-                <a16:creationId xmlns="" xmlns:a16="http://schemas.microsoft.com/office/drawing/2014/main" id="{07322A9E-F1EC-405E-8971-BA906EFFCCB8}"/>
+                <a16:creationId xmlns:a16="http://schemas.microsoft.com/office/drawing/2014/main" xmlns="" id="{07322A9E-F1EC-405E-8971-BA906EFFCCB8}"/>
               </a:ext>
               <a:ext uri="{C183D7F6-B498-43B3-948B-1728B52AA6E4}">
-                <adec:decorative xmlns="" xmlns:adec="http://schemas.microsoft.com/office/drawing/2017/decorative" val="1"/>
+                <adec:decorative xmlns:adec="http://schemas.microsoft.com/office/drawing/2017/decorative" xmlns="" val="1"/>
               </a:ext>
             </a:extLst>
           </p:cNvPr>
@@ -8639,7 +8639,7 @@
           <p:nvPr>
             <p:extLst>
               <p:ext uri="{386F3935-93C4-4BCD-93E2-E3B085C9AB24}">
-                <p16:designElem xmlns="" xmlns:p16="http://schemas.microsoft.com/office/powerpoint/2015/main" val="1"/>
+                <p16:designElem xmlns:p16="http://schemas.microsoft.com/office/powerpoint/2015/main" xmlns="" val="1"/>
               </p:ext>
             </p:extLst>
           </p:nvPr>
@@ -8749,10 +8749,10 @@
           <p:cNvPr id="2078" name="Freeform 6">
             <a:extLst>
               <a:ext uri="{FF2B5EF4-FFF2-40B4-BE49-F238E27FC236}">
-                <a16:creationId xmlns="" xmlns:a16="http://schemas.microsoft.com/office/drawing/2014/main" id="{A5704422-1118-4FD1-95AD-29A064EB80D9}"/>
+                <a16:creationId xmlns:a16="http://schemas.microsoft.com/office/drawing/2014/main" xmlns="" id="{A5704422-1118-4FD1-95AD-29A064EB80D9}"/>
               </a:ext>
               <a:ext uri="{C183D7F6-B498-43B3-948B-1728B52AA6E4}">
-                <adec:decorative xmlns="" xmlns:adec="http://schemas.microsoft.com/office/drawing/2017/decorative" val="1"/>
+                <adec:decorative xmlns:adec="http://schemas.microsoft.com/office/drawing/2017/decorative" xmlns="" val="1"/>
               </a:ext>
             </a:extLst>
           </p:cNvPr>
@@ -8762,7 +8762,7 @@
           <p:nvPr>
             <p:extLst>
               <p:ext uri="{386F3935-93C4-4BCD-93E2-E3B085C9AB24}">
-                <p16:designElem xmlns="" xmlns:p16="http://schemas.microsoft.com/office/powerpoint/2015/main" val="1"/>
+                <p16:designElem xmlns:p16="http://schemas.microsoft.com/office/powerpoint/2015/main" xmlns="" val="1"/>
               </p:ext>
             </p:extLst>
           </p:nvPr>
@@ -8872,10 +8872,10 @@
           <p:cNvPr id="2080" name="Freeform 7">
             <a:extLst>
               <a:ext uri="{FF2B5EF4-FFF2-40B4-BE49-F238E27FC236}">
-                <a16:creationId xmlns="" xmlns:a16="http://schemas.microsoft.com/office/drawing/2014/main" id="{A88B2AAA-B805-498E-A9E6-98B885855498}"/>
+                <a16:creationId xmlns:a16="http://schemas.microsoft.com/office/drawing/2014/main" xmlns="" id="{A88B2AAA-B805-498E-A9E6-98B885855498}"/>
               </a:ext>
               <a:ext uri="{C183D7F6-B498-43B3-948B-1728B52AA6E4}">
-                <adec:decorative xmlns="" xmlns:adec="http://schemas.microsoft.com/office/drawing/2017/decorative" val="1"/>
+                <adec:decorative xmlns:adec="http://schemas.microsoft.com/office/drawing/2017/decorative" xmlns="" val="1"/>
               </a:ext>
             </a:extLst>
           </p:cNvPr>
@@ -8885,7 +8885,7 @@
           <p:nvPr>
             <p:extLst>
               <p:ext uri="{386F3935-93C4-4BCD-93E2-E3B085C9AB24}">
-                <p16:designElem xmlns="" xmlns:p16="http://schemas.microsoft.com/office/powerpoint/2015/main" val="1"/>
+                <p16:designElem xmlns:p16="http://schemas.microsoft.com/office/powerpoint/2015/main" xmlns="" val="1"/>
               </p:ext>
             </p:extLst>
           </p:nvPr>
@@ -9005,10 +9005,10 @@
           <p:cNvPr id="2082" name="Freeform 8">
             <a:extLst>
               <a:ext uri="{FF2B5EF4-FFF2-40B4-BE49-F238E27FC236}">
-                <a16:creationId xmlns="" xmlns:a16="http://schemas.microsoft.com/office/drawing/2014/main" id="{9B8051E0-19D7-43E1-BFD9-E6DBFEB3A3F1}"/>
+                <a16:creationId xmlns:a16="http://schemas.microsoft.com/office/drawing/2014/main" xmlns="" id="{9B8051E0-19D7-43E1-BFD9-E6DBFEB3A3F1}"/>
               </a:ext>
               <a:ext uri="{C183D7F6-B498-43B3-948B-1728B52AA6E4}">
-                <adec:decorative xmlns="" xmlns:adec="http://schemas.microsoft.com/office/drawing/2017/decorative" val="1"/>
+                <adec:decorative xmlns:adec="http://schemas.microsoft.com/office/drawing/2017/decorative" xmlns="" val="1"/>
               </a:ext>
             </a:extLst>
           </p:cNvPr>
@@ -9018,7 +9018,7 @@
           <p:nvPr>
             <p:extLst>
               <p:ext uri="{386F3935-93C4-4BCD-93E2-E3B085C9AB24}">
-                <p16:designElem xmlns="" xmlns:p16="http://schemas.microsoft.com/office/powerpoint/2015/main" val="1"/>
+                <p16:designElem xmlns:p16="http://schemas.microsoft.com/office/powerpoint/2015/main" xmlns="" val="1"/>
               </p:ext>
             </p:extLst>
           </p:nvPr>
@@ -9118,10 +9118,10 @@
           <p:cNvPr id="2084" name="Freeform 9">
             <a:extLst>
               <a:ext uri="{FF2B5EF4-FFF2-40B4-BE49-F238E27FC236}">
-                <a16:creationId xmlns="" xmlns:a16="http://schemas.microsoft.com/office/drawing/2014/main" id="{4EDB2B02-86A2-46F5-A4BE-B7D9B10411D6}"/>
+                <a16:creationId xmlns:a16="http://schemas.microsoft.com/office/drawing/2014/main" xmlns="" id="{4EDB2B02-86A2-46F5-A4BE-B7D9B10411D6}"/>
               </a:ext>
               <a:ext uri="{C183D7F6-B498-43B3-948B-1728B52AA6E4}">
-                <adec:decorative xmlns="" xmlns:adec="http://schemas.microsoft.com/office/drawing/2017/decorative" val="1"/>
+                <adec:decorative xmlns:adec="http://schemas.microsoft.com/office/drawing/2017/decorative" xmlns="" val="1"/>
               </a:ext>
             </a:extLst>
           </p:cNvPr>
@@ -9131,7 +9131,7 @@
           <p:nvPr>
             <p:extLst>
               <p:ext uri="{386F3935-93C4-4BCD-93E2-E3B085C9AB24}">
-                <p16:designElem xmlns="" xmlns:p16="http://schemas.microsoft.com/office/powerpoint/2015/main" val="1"/>
+                <p16:designElem xmlns:p16="http://schemas.microsoft.com/office/powerpoint/2015/main" xmlns="" val="1"/>
               </p:ext>
             </p:extLst>
           </p:nvPr>
@@ -9211,10 +9211,10 @@
           <p:cNvPr id="2086" name="Freeform 10">
             <a:extLst>
               <a:ext uri="{FF2B5EF4-FFF2-40B4-BE49-F238E27FC236}">
-                <a16:creationId xmlns="" xmlns:a16="http://schemas.microsoft.com/office/drawing/2014/main" id="{43954639-FB5D-41F4-9560-6F6DFE778425}"/>
+                <a16:creationId xmlns:a16="http://schemas.microsoft.com/office/drawing/2014/main" xmlns="" id="{43954639-FB5D-41F4-9560-6F6DFE778425}"/>
               </a:ext>
               <a:ext uri="{C183D7F6-B498-43B3-948B-1728B52AA6E4}">
-                <adec:decorative xmlns="" xmlns:adec="http://schemas.microsoft.com/office/drawing/2017/decorative" val="1"/>
+                <adec:decorative xmlns:adec="http://schemas.microsoft.com/office/drawing/2017/decorative" xmlns="" val="1"/>
               </a:ext>
             </a:extLst>
           </p:cNvPr>
@@ -9224,7 +9224,7 @@
           <p:nvPr>
             <p:extLst>
               <p:ext uri="{386F3935-93C4-4BCD-93E2-E3B085C9AB24}">
-                <p16:designElem xmlns="" xmlns:p16="http://schemas.microsoft.com/office/powerpoint/2015/main" val="1"/>
+                <p16:designElem xmlns:p16="http://schemas.microsoft.com/office/powerpoint/2015/main" xmlns="" val="1"/>
               </p:ext>
             </p:extLst>
           </p:nvPr>
@@ -9324,10 +9324,10 @@
           <p:cNvPr id="2088" name="Freeform 12">
             <a:extLst>
               <a:ext uri="{FF2B5EF4-FFF2-40B4-BE49-F238E27FC236}">
-                <a16:creationId xmlns="" xmlns:a16="http://schemas.microsoft.com/office/drawing/2014/main" id="{E898931C-0323-41FA-A036-20F818B1FF81}"/>
+                <a16:creationId xmlns:a16="http://schemas.microsoft.com/office/drawing/2014/main" xmlns="" id="{E898931C-0323-41FA-A036-20F818B1FF81}"/>
               </a:ext>
               <a:ext uri="{C183D7F6-B498-43B3-948B-1728B52AA6E4}">
-                <adec:decorative xmlns="" xmlns:adec="http://schemas.microsoft.com/office/drawing/2017/decorative" val="1"/>
+                <adec:decorative xmlns:adec="http://schemas.microsoft.com/office/drawing/2017/decorative" xmlns="" val="1"/>
               </a:ext>
             </a:extLst>
           </p:cNvPr>
@@ -9337,7 +9337,7 @@
           <p:nvPr>
             <p:extLst>
               <p:ext uri="{386F3935-93C4-4BCD-93E2-E3B085C9AB24}">
-                <p16:designElem xmlns="" xmlns:p16="http://schemas.microsoft.com/office/powerpoint/2015/main" val="1"/>
+                <p16:designElem xmlns:p16="http://schemas.microsoft.com/office/powerpoint/2015/main" xmlns="" val="1"/>
               </p:ext>
             </p:extLst>
           </p:nvPr>
@@ -9417,10 +9417,10 @@
           <p:cNvPr id="2090" name="Freeform 14">
             <a:extLst>
               <a:ext uri="{FF2B5EF4-FFF2-40B4-BE49-F238E27FC236}">
-                <a16:creationId xmlns="" xmlns:a16="http://schemas.microsoft.com/office/drawing/2014/main" id="{89AFE9DD-0792-4B98-B4EB-97ACA17E6AA8}"/>
+                <a16:creationId xmlns:a16="http://schemas.microsoft.com/office/drawing/2014/main" xmlns="" id="{89AFE9DD-0792-4B98-B4EB-97ACA17E6AA8}"/>
               </a:ext>
               <a:ext uri="{C183D7F6-B498-43B3-948B-1728B52AA6E4}">
-                <adec:decorative xmlns="" xmlns:adec="http://schemas.microsoft.com/office/drawing/2017/decorative" val="1"/>
+                <adec:decorative xmlns:adec="http://schemas.microsoft.com/office/drawing/2017/decorative" xmlns="" val="1"/>
               </a:ext>
             </a:extLst>
           </p:cNvPr>
@@ -9430,7 +9430,7 @@
           <p:nvPr>
             <p:extLst>
               <p:ext uri="{386F3935-93C4-4BCD-93E2-E3B085C9AB24}">
-                <p16:designElem xmlns="" xmlns:p16="http://schemas.microsoft.com/office/powerpoint/2015/main" val="1"/>
+                <p16:designElem xmlns:p16="http://schemas.microsoft.com/office/powerpoint/2015/main" xmlns="" val="1"/>
               </p:ext>
             </p:extLst>
           </p:nvPr>
@@ -9510,10 +9510,10 @@
           <p:cNvPr id="2092" name="Freeform 16">
             <a:extLst>
               <a:ext uri="{FF2B5EF4-FFF2-40B4-BE49-F238E27FC236}">
-                <a16:creationId xmlns="" xmlns:a16="http://schemas.microsoft.com/office/drawing/2014/main" id="{3981F5C4-9AE1-404E-AF44-A4E6DB374F9D}"/>
+                <a16:creationId xmlns:a16="http://schemas.microsoft.com/office/drawing/2014/main" xmlns="" id="{3981F5C4-9AE1-404E-AF44-A4E6DB374F9D}"/>
               </a:ext>
               <a:ext uri="{C183D7F6-B498-43B3-948B-1728B52AA6E4}">
-                <adec:decorative xmlns="" xmlns:adec="http://schemas.microsoft.com/office/drawing/2017/decorative" val="1"/>
+                <adec:decorative xmlns:adec="http://schemas.microsoft.com/office/drawing/2017/decorative" xmlns="" val="1"/>
               </a:ext>
             </a:extLst>
           </p:cNvPr>
@@ -9523,7 +9523,7 @@
           <p:nvPr>
             <p:extLst>
               <p:ext uri="{386F3935-93C4-4BCD-93E2-E3B085C9AB24}">
-                <p16:designElem xmlns="" xmlns:p16="http://schemas.microsoft.com/office/powerpoint/2015/main" val="1"/>
+                <p16:designElem xmlns:p16="http://schemas.microsoft.com/office/powerpoint/2015/main" xmlns="" val="1"/>
               </p:ext>
             </p:extLst>
           </p:nvPr>
@@ -9603,10 +9603,10 @@
           <p:cNvPr id="2094" name="Freeform 11">
             <a:extLst>
               <a:ext uri="{FF2B5EF4-FFF2-40B4-BE49-F238E27FC236}">
-                <a16:creationId xmlns="" xmlns:a16="http://schemas.microsoft.com/office/drawing/2014/main" id="{763C1781-8726-4FAC-8C45-FF40376BE409}"/>
+                <a16:creationId xmlns:a16="http://schemas.microsoft.com/office/drawing/2014/main" xmlns="" id="{763C1781-8726-4FAC-8C45-FF40376BE409}"/>
               </a:ext>
               <a:ext uri="{C183D7F6-B498-43B3-948B-1728B52AA6E4}">
-                <adec:decorative xmlns="" xmlns:adec="http://schemas.microsoft.com/office/drawing/2017/decorative" val="1"/>
+                <adec:decorative xmlns:adec="http://schemas.microsoft.com/office/drawing/2017/decorative" xmlns="" val="1"/>
               </a:ext>
             </a:extLst>
           </p:cNvPr>
@@ -9616,7 +9616,7 @@
           <p:nvPr>
             <p:extLst>
               <p:ext uri="{386F3935-93C4-4BCD-93E2-E3B085C9AB24}">
-                <p16:designElem xmlns="" xmlns:p16="http://schemas.microsoft.com/office/powerpoint/2015/main" val="1"/>
+                <p16:designElem xmlns:p16="http://schemas.microsoft.com/office/powerpoint/2015/main" xmlns="" val="1"/>
               </p:ext>
             </p:extLst>
           </p:nvPr>
@@ -9706,10 +9706,10 @@
           <p:cNvPr id="2096" name="Freeform 21">
             <a:extLst>
               <a:ext uri="{FF2B5EF4-FFF2-40B4-BE49-F238E27FC236}">
-                <a16:creationId xmlns="" xmlns:a16="http://schemas.microsoft.com/office/drawing/2014/main" id="{301491B5-56C7-43DC-A3D9-861EECCA056A}"/>
+                <a16:creationId xmlns:a16="http://schemas.microsoft.com/office/drawing/2014/main" xmlns="" id="{301491B5-56C7-43DC-A3D9-861EECCA056A}"/>
               </a:ext>
               <a:ext uri="{C183D7F6-B498-43B3-948B-1728B52AA6E4}">
-                <adec:decorative xmlns="" xmlns:adec="http://schemas.microsoft.com/office/drawing/2017/decorative" val="1"/>
+                <adec:decorative xmlns:adec="http://schemas.microsoft.com/office/drawing/2017/decorative" xmlns="" val="1"/>
               </a:ext>
             </a:extLst>
           </p:cNvPr>
@@ -9719,7 +9719,7 @@
           <p:nvPr>
             <p:extLst>
               <p:ext uri="{386F3935-93C4-4BCD-93E2-E3B085C9AB24}">
-                <p16:designElem xmlns="" xmlns:p16="http://schemas.microsoft.com/office/powerpoint/2015/main" val="1"/>
+                <p16:designElem xmlns:p16="http://schemas.microsoft.com/office/powerpoint/2015/main" xmlns="" val="1"/>
               </p:ext>
             </p:extLst>
           </p:nvPr>
@@ -9799,10 +9799,10 @@
           <p:cNvPr id="2098" name="Freeform 22">
             <a:extLst>
               <a:ext uri="{FF2B5EF4-FFF2-40B4-BE49-F238E27FC236}">
-                <a16:creationId xmlns="" xmlns:a16="http://schemas.microsoft.com/office/drawing/2014/main" id="{237E2353-22DF-46E0-A200-FB30F8F394E2}"/>
+                <a16:creationId xmlns:a16="http://schemas.microsoft.com/office/drawing/2014/main" xmlns="" id="{237E2353-22DF-46E0-A200-FB30F8F394E2}"/>
               </a:ext>
               <a:ext uri="{C183D7F6-B498-43B3-948B-1728B52AA6E4}">
-                <adec:decorative xmlns="" xmlns:adec="http://schemas.microsoft.com/office/drawing/2017/decorative" val="1"/>
+                <adec:decorative xmlns:adec="http://schemas.microsoft.com/office/drawing/2017/decorative" xmlns="" val="1"/>
               </a:ext>
             </a:extLst>
           </p:cNvPr>
@@ -9812,7 +9812,7 @@
           <p:nvPr>
             <p:extLst>
               <p:ext uri="{386F3935-93C4-4BCD-93E2-E3B085C9AB24}">
-                <p16:designElem xmlns="" xmlns:p16="http://schemas.microsoft.com/office/powerpoint/2015/main" val="1"/>
+                <p16:designElem xmlns:p16="http://schemas.microsoft.com/office/powerpoint/2015/main" xmlns="" val="1"/>
               </p:ext>
             </p:extLst>
           </p:nvPr>
@@ -9892,10 +9892,10 @@
           <p:cNvPr id="2100" name="Freeform 23">
             <a:extLst>
               <a:ext uri="{FF2B5EF4-FFF2-40B4-BE49-F238E27FC236}">
-                <a16:creationId xmlns="" xmlns:a16="http://schemas.microsoft.com/office/drawing/2014/main" id="{DD6138DB-057B-45F7-A5F4-E7BFDA20D02C}"/>
+                <a16:creationId xmlns:a16="http://schemas.microsoft.com/office/drawing/2014/main" xmlns="" id="{DD6138DB-057B-45F7-A5F4-E7BFDA20D02C}"/>
               </a:ext>
               <a:ext uri="{C183D7F6-B498-43B3-948B-1728B52AA6E4}">
-                <adec:decorative xmlns="" xmlns:adec="http://schemas.microsoft.com/office/drawing/2017/decorative" val="1"/>
+                <adec:decorative xmlns:adec="http://schemas.microsoft.com/office/drawing/2017/decorative" xmlns="" val="1"/>
               </a:ext>
             </a:extLst>
           </p:cNvPr>
@@ -9905,7 +9905,7 @@
           <p:nvPr>
             <p:extLst>
               <p:ext uri="{386F3935-93C4-4BCD-93E2-E3B085C9AB24}">
-                <p16:designElem xmlns="" xmlns:p16="http://schemas.microsoft.com/office/powerpoint/2015/main" val="1"/>
+                <p16:designElem xmlns:p16="http://schemas.microsoft.com/office/powerpoint/2015/main" xmlns="" val="1"/>
               </p:ext>
             </p:extLst>
           </p:nvPr>
@@ -9985,7 +9985,7 @@
           <p:cNvPr id="20" name="TextBox 19">
             <a:extLst>
               <a:ext uri="{FF2B5EF4-FFF2-40B4-BE49-F238E27FC236}">
-                <a16:creationId xmlns="" xmlns:a16="http://schemas.microsoft.com/office/drawing/2014/main" id="{80243BC7-3365-EC58-14C8-2452AA279812}"/>
+                <a16:creationId xmlns:a16="http://schemas.microsoft.com/office/drawing/2014/main" xmlns="" id="{80243BC7-3365-EC58-14C8-2452AA279812}"/>
               </a:ext>
             </a:extLst>
           </p:cNvPr>
@@ -10067,10 +10067,10 @@
           <p:cNvPr id="1033" name="Rectangle 1032">
             <a:extLst>
               <a:ext uri="{FF2B5EF4-FFF2-40B4-BE49-F238E27FC236}">
-                <a16:creationId xmlns="" xmlns:a16="http://schemas.microsoft.com/office/drawing/2014/main" id="{B497CCB5-5FC2-473C-AFCC-2430CEF1DF71}"/>
+                <a16:creationId xmlns:a16="http://schemas.microsoft.com/office/drawing/2014/main" xmlns="" id="{B497CCB5-5FC2-473C-AFCC-2430CEF1DF71}"/>
               </a:ext>
               <a:ext uri="{C183D7F6-B498-43B3-948B-1728B52AA6E4}">
-                <adec:decorative xmlns="" xmlns:adec="http://schemas.microsoft.com/office/drawing/2017/decorative" val="1"/>
+                <adec:decorative xmlns:adec="http://schemas.microsoft.com/office/drawing/2017/decorative" xmlns="" val="1"/>
               </a:ext>
             </a:extLst>
           </p:cNvPr>
@@ -10080,7 +10080,7 @@
           <p:nvPr>
             <p:extLst>
               <p:ext uri="{386F3935-93C4-4BCD-93E2-E3B085C9AB24}">
-                <p16:designElem xmlns="" xmlns:p16="http://schemas.microsoft.com/office/powerpoint/2015/main" val="1"/>
+                <p16:designElem xmlns:p16="http://schemas.microsoft.com/office/powerpoint/2015/main" xmlns="" val="1"/>
               </p:ext>
             </p:extLst>
           </p:nvPr>
@@ -10130,7 +10130,7 @@
           <p:cNvPr id="10" name="Title 1">
             <a:extLst>
               <a:ext uri="{FF2B5EF4-FFF2-40B4-BE49-F238E27FC236}">
-                <a16:creationId xmlns="" xmlns:a16="http://schemas.microsoft.com/office/drawing/2014/main" id="{4CFD1450-12D5-A455-95D4-5CE0D72B9BDB}"/>
+                <a16:creationId xmlns:a16="http://schemas.microsoft.com/office/drawing/2014/main" xmlns="" id="{4CFD1450-12D5-A455-95D4-5CE0D72B9BDB}"/>
               </a:ext>
             </a:extLst>
           </p:cNvPr>
@@ -10489,10 +10489,10 @@
           <p:cNvPr id="4142" name="Group 4141">
             <a:extLst>
               <a:ext uri="{FF2B5EF4-FFF2-40B4-BE49-F238E27FC236}">
-                <a16:creationId xmlns="" xmlns:a16="http://schemas.microsoft.com/office/drawing/2014/main" id="{6C272060-BC98-4C91-A58F-4DFEC566CF7F}"/>
+                <a16:creationId xmlns:a16="http://schemas.microsoft.com/office/drawing/2014/main" xmlns="" id="{6C272060-BC98-4C91-A58F-4DFEC566CF7F}"/>
               </a:ext>
               <a:ext uri="{C183D7F6-B498-43B3-948B-1728B52AA6E4}">
-                <adec:decorative xmlns="" xmlns:adec="http://schemas.microsoft.com/office/drawing/2017/decorative" val="1"/>
+                <adec:decorative xmlns:adec="http://schemas.microsoft.com/office/drawing/2017/decorative" xmlns="" val="1"/>
               </a:ext>
             </a:extLst>
           </p:cNvPr>
@@ -10502,7 +10502,7 @@
           <p:nvPr>
             <p:extLst>
               <p:ext uri="{386F3935-93C4-4BCD-93E2-E3B085C9AB24}">
-                <p16:designElem xmlns="" xmlns:p16="http://schemas.microsoft.com/office/powerpoint/2015/main" val="1"/>
+                <p16:designElem xmlns:p16="http://schemas.microsoft.com/office/powerpoint/2015/main" xmlns="" val="1"/>
               </p:ext>
             </p:extLst>
           </p:nvPr>
@@ -10520,10 +10520,10 @@
             <p:cNvPr id="4143" name="Freeform 5">
               <a:extLst>
                 <a:ext uri="{FF2B5EF4-FFF2-40B4-BE49-F238E27FC236}">
-                  <a16:creationId xmlns="" xmlns:a16="http://schemas.microsoft.com/office/drawing/2014/main" id="{8BA2DCB9-0DC0-4109-B2A2-56896E35E664}"/>
+                  <a16:creationId xmlns:a16="http://schemas.microsoft.com/office/drawing/2014/main" xmlns="" id="{8BA2DCB9-0DC0-4109-B2A2-56896E35E664}"/>
                 </a:ext>
                 <a:ext uri="{C183D7F6-B498-43B3-948B-1728B52AA6E4}">
-                  <adec:decorative xmlns="" xmlns:adec="http://schemas.microsoft.com/office/drawing/2017/decorative" val="1"/>
+                  <adec:decorative xmlns:adec="http://schemas.microsoft.com/office/drawing/2017/decorative" xmlns="" val="1"/>
                 </a:ext>
               </a:extLst>
             </p:cNvPr>
@@ -10533,7 +10533,7 @@
             <p:nvPr>
               <p:extLst>
                 <p:ext uri="{386F3935-93C4-4BCD-93E2-E3B085C9AB24}">
-                  <p16:designElem xmlns="" xmlns:p16="http://schemas.microsoft.com/office/powerpoint/2015/main" val="1"/>
+                  <p16:designElem xmlns:p16="http://schemas.microsoft.com/office/powerpoint/2015/main" xmlns="" val="1"/>
                 </p:ext>
               </p:extLst>
             </p:nvPr>
@@ -10613,10 +10613,10 @@
             <p:cNvPr id="4144" name="Freeform 6">
               <a:extLst>
                 <a:ext uri="{FF2B5EF4-FFF2-40B4-BE49-F238E27FC236}">
-                  <a16:creationId xmlns="" xmlns:a16="http://schemas.microsoft.com/office/drawing/2014/main" id="{64A33555-1142-4AD7-8084-1A99422A1186}"/>
+                  <a16:creationId xmlns:a16="http://schemas.microsoft.com/office/drawing/2014/main" xmlns="" id="{64A33555-1142-4AD7-8084-1A99422A1186}"/>
                 </a:ext>
                 <a:ext uri="{C183D7F6-B498-43B3-948B-1728B52AA6E4}">
-                  <adec:decorative xmlns="" xmlns:adec="http://schemas.microsoft.com/office/drawing/2017/decorative" val="1"/>
+                  <adec:decorative xmlns:adec="http://schemas.microsoft.com/office/drawing/2017/decorative" xmlns="" val="1"/>
                 </a:ext>
               </a:extLst>
             </p:cNvPr>
@@ -10626,7 +10626,7 @@
             <p:nvPr>
               <p:extLst>
                 <p:ext uri="{386F3935-93C4-4BCD-93E2-E3B085C9AB24}">
-                  <p16:designElem xmlns="" xmlns:p16="http://schemas.microsoft.com/office/powerpoint/2015/main" val="1"/>
+                  <p16:designElem xmlns:p16="http://schemas.microsoft.com/office/powerpoint/2015/main" xmlns="" val="1"/>
                 </p:ext>
               </p:extLst>
             </p:nvPr>
@@ -10706,10 +10706,10 @@
             <p:cNvPr id="4145" name="Freeform 7">
               <a:extLst>
                 <a:ext uri="{FF2B5EF4-FFF2-40B4-BE49-F238E27FC236}">
-                  <a16:creationId xmlns="" xmlns:a16="http://schemas.microsoft.com/office/drawing/2014/main" id="{BC6E4081-1A88-453E-8CCF-B97B0CE20DF4}"/>
+                  <a16:creationId xmlns:a16="http://schemas.microsoft.com/office/drawing/2014/main" xmlns="" id="{BC6E4081-1A88-453E-8CCF-B97B0CE20DF4}"/>
                 </a:ext>
                 <a:ext uri="{C183D7F6-B498-43B3-948B-1728B52AA6E4}">
-                  <adec:decorative xmlns="" xmlns:adec="http://schemas.microsoft.com/office/drawing/2017/decorative" val="1"/>
+                  <adec:decorative xmlns:adec="http://schemas.microsoft.com/office/drawing/2017/decorative" xmlns="" val="1"/>
                 </a:ext>
               </a:extLst>
             </p:cNvPr>
@@ -10719,7 +10719,7 @@
             <p:nvPr>
               <p:extLst>
                 <p:ext uri="{386F3935-93C4-4BCD-93E2-E3B085C9AB24}">
-                  <p16:designElem xmlns="" xmlns:p16="http://schemas.microsoft.com/office/powerpoint/2015/main" val="1"/>
+                  <p16:designElem xmlns:p16="http://schemas.microsoft.com/office/powerpoint/2015/main" xmlns="" val="1"/>
                 </p:ext>
               </p:extLst>
             </p:nvPr>
@@ -10799,10 +10799,10 @@
             <p:cNvPr id="4146" name="Freeform 8">
               <a:extLst>
                 <a:ext uri="{FF2B5EF4-FFF2-40B4-BE49-F238E27FC236}">
-                  <a16:creationId xmlns="" xmlns:a16="http://schemas.microsoft.com/office/drawing/2014/main" id="{5B7E0935-6EE8-4C61-AED5-09B9A2A99AF0}"/>
+                  <a16:creationId xmlns:a16="http://schemas.microsoft.com/office/drawing/2014/main" xmlns="" id="{5B7E0935-6EE8-4C61-AED5-09B9A2A99AF0}"/>
                 </a:ext>
                 <a:ext uri="{C183D7F6-B498-43B3-948B-1728B52AA6E4}">
-                  <adec:decorative xmlns="" xmlns:adec="http://schemas.microsoft.com/office/drawing/2017/decorative" val="1"/>
+                  <adec:decorative xmlns:adec="http://schemas.microsoft.com/office/drawing/2017/decorative" xmlns="" val="1"/>
                 </a:ext>
               </a:extLst>
             </p:cNvPr>
@@ -10812,7 +10812,7 @@
             <p:nvPr>
               <p:extLst>
                 <p:ext uri="{386F3935-93C4-4BCD-93E2-E3B085C9AB24}">
-                  <p16:designElem xmlns="" xmlns:p16="http://schemas.microsoft.com/office/powerpoint/2015/main" val="1"/>
+                  <p16:designElem xmlns:p16="http://schemas.microsoft.com/office/powerpoint/2015/main" xmlns="" val="1"/>
                 </p:ext>
               </p:extLst>
             </p:nvPr>
@@ -10892,10 +10892,10 @@
             <p:cNvPr id="4147" name="Freeform 9">
               <a:extLst>
                 <a:ext uri="{FF2B5EF4-FFF2-40B4-BE49-F238E27FC236}">
-                  <a16:creationId xmlns="" xmlns:a16="http://schemas.microsoft.com/office/drawing/2014/main" id="{EB962BD6-C878-48FF-A75E-DCC7BDA3C33C}"/>
+                  <a16:creationId xmlns:a16="http://schemas.microsoft.com/office/drawing/2014/main" xmlns="" id="{EB962BD6-C878-48FF-A75E-DCC7BDA3C33C}"/>
                 </a:ext>
                 <a:ext uri="{C183D7F6-B498-43B3-948B-1728B52AA6E4}">
-                  <adec:decorative xmlns="" xmlns:adec="http://schemas.microsoft.com/office/drawing/2017/decorative" val="1"/>
+                  <adec:decorative xmlns:adec="http://schemas.microsoft.com/office/drawing/2017/decorative" xmlns="" val="1"/>
                 </a:ext>
               </a:extLst>
             </p:cNvPr>
@@ -10905,7 +10905,7 @@
             <p:nvPr>
               <p:extLst>
                 <p:ext uri="{386F3935-93C4-4BCD-93E2-E3B085C9AB24}">
-                  <p16:designElem xmlns="" xmlns:p16="http://schemas.microsoft.com/office/powerpoint/2015/main" val="1"/>
+                  <p16:designElem xmlns:p16="http://schemas.microsoft.com/office/powerpoint/2015/main" xmlns="" val="1"/>
                 </p:ext>
               </p:extLst>
             </p:nvPr>
@@ -10985,10 +10985,10 @@
             <p:cNvPr id="4148" name="Freeform 10">
               <a:extLst>
                 <a:ext uri="{FF2B5EF4-FFF2-40B4-BE49-F238E27FC236}">
-                  <a16:creationId xmlns="" xmlns:a16="http://schemas.microsoft.com/office/drawing/2014/main" id="{CABF3786-BDE1-4FE5-9967-F6B6131A2CF0}"/>
+                  <a16:creationId xmlns:a16="http://schemas.microsoft.com/office/drawing/2014/main" xmlns="" id="{CABF3786-BDE1-4FE5-9967-F6B6131A2CF0}"/>
                 </a:ext>
                 <a:ext uri="{C183D7F6-B498-43B3-948B-1728B52AA6E4}">
-                  <adec:decorative xmlns="" xmlns:adec="http://schemas.microsoft.com/office/drawing/2017/decorative" val="1"/>
+                  <adec:decorative xmlns:adec="http://schemas.microsoft.com/office/drawing/2017/decorative" xmlns="" val="1"/>
                 </a:ext>
               </a:extLst>
             </p:cNvPr>
@@ -10998,7 +10998,7 @@
             <p:nvPr>
               <p:extLst>
                 <p:ext uri="{386F3935-93C4-4BCD-93E2-E3B085C9AB24}">
-                  <p16:designElem xmlns="" xmlns:p16="http://schemas.microsoft.com/office/powerpoint/2015/main" val="1"/>
+                  <p16:designElem xmlns:p16="http://schemas.microsoft.com/office/powerpoint/2015/main" xmlns="" val="1"/>
                 </p:ext>
               </p:extLst>
             </p:nvPr>
@@ -11078,10 +11078,10 @@
             <p:cNvPr id="4149" name="Freeform 11">
               <a:extLst>
                 <a:ext uri="{FF2B5EF4-FFF2-40B4-BE49-F238E27FC236}">
-                  <a16:creationId xmlns="" xmlns:a16="http://schemas.microsoft.com/office/drawing/2014/main" id="{4969707A-C75E-4F7F-A5C2-2991C6547550}"/>
+                  <a16:creationId xmlns:a16="http://schemas.microsoft.com/office/drawing/2014/main" xmlns="" id="{4969707A-C75E-4F7F-A5C2-2991C6547550}"/>
                 </a:ext>
                 <a:ext uri="{C183D7F6-B498-43B3-948B-1728B52AA6E4}">
-                  <adec:decorative xmlns="" xmlns:adec="http://schemas.microsoft.com/office/drawing/2017/decorative" val="1"/>
+                  <adec:decorative xmlns:adec="http://schemas.microsoft.com/office/drawing/2017/decorative" xmlns="" val="1"/>
                 </a:ext>
               </a:extLst>
             </p:cNvPr>
@@ -11091,7 +11091,7 @@
             <p:nvPr>
               <p:extLst>
                 <p:ext uri="{386F3935-93C4-4BCD-93E2-E3B085C9AB24}">
-                  <p16:designElem xmlns="" xmlns:p16="http://schemas.microsoft.com/office/powerpoint/2015/main" val="1"/>
+                  <p16:designElem xmlns:p16="http://schemas.microsoft.com/office/powerpoint/2015/main" xmlns="" val="1"/>
                 </p:ext>
               </p:extLst>
             </p:nvPr>
@@ -11171,10 +11171,10 @@
             <p:cNvPr id="4150" name="Freeform 12">
               <a:extLst>
                 <a:ext uri="{FF2B5EF4-FFF2-40B4-BE49-F238E27FC236}">
-                  <a16:creationId xmlns="" xmlns:a16="http://schemas.microsoft.com/office/drawing/2014/main" id="{0E293989-8389-48CD-85D3-CAEFD5E96370}"/>
+                  <a16:creationId xmlns:a16="http://schemas.microsoft.com/office/drawing/2014/main" xmlns="" id="{0E293989-8389-48CD-85D3-CAEFD5E96370}"/>
                 </a:ext>
                 <a:ext uri="{C183D7F6-B498-43B3-948B-1728B52AA6E4}">
-                  <adec:decorative xmlns="" xmlns:adec="http://schemas.microsoft.com/office/drawing/2017/decorative" val="1"/>
+                  <adec:decorative xmlns:adec="http://schemas.microsoft.com/office/drawing/2017/decorative" xmlns="" val="1"/>
                 </a:ext>
               </a:extLst>
             </p:cNvPr>
@@ -11184,7 +11184,7 @@
             <p:nvPr>
               <p:extLst>
                 <p:ext uri="{386F3935-93C4-4BCD-93E2-E3B085C9AB24}">
-                  <p16:designElem xmlns="" xmlns:p16="http://schemas.microsoft.com/office/powerpoint/2015/main" val="1"/>
+                  <p16:designElem xmlns:p16="http://schemas.microsoft.com/office/powerpoint/2015/main" xmlns="" val="1"/>
                 </p:ext>
               </p:extLst>
             </p:nvPr>
@@ -11264,10 +11264,10 @@
             <p:cNvPr id="4151" name="Freeform 13">
               <a:extLst>
                 <a:ext uri="{FF2B5EF4-FFF2-40B4-BE49-F238E27FC236}">
-                  <a16:creationId xmlns="" xmlns:a16="http://schemas.microsoft.com/office/drawing/2014/main" id="{8DCF1E8B-9247-45E2-8641-90DA9F7D5252}"/>
+                  <a16:creationId xmlns:a16="http://schemas.microsoft.com/office/drawing/2014/main" xmlns="" id="{8DCF1E8B-9247-45E2-8641-90DA9F7D5252}"/>
                 </a:ext>
                 <a:ext uri="{C183D7F6-B498-43B3-948B-1728B52AA6E4}">
-                  <adec:decorative xmlns="" xmlns:adec="http://schemas.microsoft.com/office/drawing/2017/decorative" val="1"/>
+                  <adec:decorative xmlns:adec="http://schemas.microsoft.com/office/drawing/2017/decorative" xmlns="" val="1"/>
                 </a:ext>
               </a:extLst>
             </p:cNvPr>
@@ -11277,7 +11277,7 @@
             <p:nvPr>
               <p:extLst>
                 <p:ext uri="{386F3935-93C4-4BCD-93E2-E3B085C9AB24}">
-                  <p16:designElem xmlns="" xmlns:p16="http://schemas.microsoft.com/office/powerpoint/2015/main" val="1"/>
+                  <p16:designElem xmlns:p16="http://schemas.microsoft.com/office/powerpoint/2015/main" xmlns="" val="1"/>
                 </p:ext>
               </p:extLst>
             </p:nvPr>
@@ -11357,10 +11357,10 @@
             <p:cNvPr id="4152" name="Freeform 14">
               <a:extLst>
                 <a:ext uri="{FF2B5EF4-FFF2-40B4-BE49-F238E27FC236}">
-                  <a16:creationId xmlns="" xmlns:a16="http://schemas.microsoft.com/office/drawing/2014/main" id="{48DF418F-91AD-4E55-AF3B-F28FF45961B4}"/>
+                  <a16:creationId xmlns:a16="http://schemas.microsoft.com/office/drawing/2014/main" xmlns="" id="{48DF418F-91AD-4E55-AF3B-F28FF45961B4}"/>
                 </a:ext>
                 <a:ext uri="{C183D7F6-B498-43B3-948B-1728B52AA6E4}">
-                  <adec:decorative xmlns="" xmlns:adec="http://schemas.microsoft.com/office/drawing/2017/decorative" val="1"/>
+                  <adec:decorative xmlns:adec="http://schemas.microsoft.com/office/drawing/2017/decorative" xmlns="" val="1"/>
                 </a:ext>
               </a:extLst>
             </p:cNvPr>
@@ -11370,7 +11370,7 @@
             <p:nvPr>
               <p:extLst>
                 <p:ext uri="{386F3935-93C4-4BCD-93E2-E3B085C9AB24}">
-                  <p16:designElem xmlns="" xmlns:p16="http://schemas.microsoft.com/office/powerpoint/2015/main" val="1"/>
+                  <p16:designElem xmlns:p16="http://schemas.microsoft.com/office/powerpoint/2015/main" xmlns="" val="1"/>
                 </p:ext>
               </p:extLst>
             </p:nvPr>
@@ -11450,10 +11450,10 @@
             <p:cNvPr id="4153" name="Freeform 15">
               <a:extLst>
                 <a:ext uri="{FF2B5EF4-FFF2-40B4-BE49-F238E27FC236}">
-                  <a16:creationId xmlns="" xmlns:a16="http://schemas.microsoft.com/office/drawing/2014/main" id="{EDBF35BD-D1DA-49B1-AE30-289189DACD51}"/>
+                  <a16:creationId xmlns:a16="http://schemas.microsoft.com/office/drawing/2014/main" xmlns="" id="{EDBF35BD-D1DA-49B1-AE30-289189DACD51}"/>
                 </a:ext>
                 <a:ext uri="{C183D7F6-B498-43B3-948B-1728B52AA6E4}">
-                  <adec:decorative xmlns="" xmlns:adec="http://schemas.microsoft.com/office/drawing/2017/decorative" val="1"/>
+                  <adec:decorative xmlns:adec="http://schemas.microsoft.com/office/drawing/2017/decorative" xmlns="" val="1"/>
                 </a:ext>
               </a:extLst>
             </p:cNvPr>
@@ -11463,7 +11463,7 @@
             <p:nvPr>
               <p:extLst>
                 <p:ext uri="{386F3935-93C4-4BCD-93E2-E3B085C9AB24}">
-                  <p16:designElem xmlns="" xmlns:p16="http://schemas.microsoft.com/office/powerpoint/2015/main" val="1"/>
+                  <p16:designElem xmlns:p16="http://schemas.microsoft.com/office/powerpoint/2015/main" xmlns="" val="1"/>
                 </p:ext>
               </p:extLst>
             </p:nvPr>
@@ -11543,10 +11543,10 @@
             <p:cNvPr id="4154" name="Freeform 16">
               <a:extLst>
                 <a:ext uri="{FF2B5EF4-FFF2-40B4-BE49-F238E27FC236}">
-                  <a16:creationId xmlns="" xmlns:a16="http://schemas.microsoft.com/office/drawing/2014/main" id="{69198BEC-A3B6-4562-AB0F-3E7760026C43}"/>
+                  <a16:creationId xmlns:a16="http://schemas.microsoft.com/office/drawing/2014/main" xmlns="" id="{69198BEC-A3B6-4562-AB0F-3E7760026C43}"/>
                 </a:ext>
                 <a:ext uri="{C183D7F6-B498-43B3-948B-1728B52AA6E4}">
-                  <adec:decorative xmlns="" xmlns:adec="http://schemas.microsoft.com/office/drawing/2017/decorative" val="1"/>
+                  <adec:decorative xmlns:adec="http://schemas.microsoft.com/office/drawing/2017/decorative" xmlns="" val="1"/>
                 </a:ext>
               </a:extLst>
             </p:cNvPr>
@@ -11556,7 +11556,7 @@
             <p:nvPr>
               <p:extLst>
                 <p:ext uri="{386F3935-93C4-4BCD-93E2-E3B085C9AB24}">
-                  <p16:designElem xmlns="" xmlns:p16="http://schemas.microsoft.com/office/powerpoint/2015/main" val="1"/>
+                  <p16:designElem xmlns:p16="http://schemas.microsoft.com/office/powerpoint/2015/main" xmlns="" val="1"/>
                 </p:ext>
               </p:extLst>
             </p:nvPr>
@@ -11636,10 +11636,10 @@
             <p:cNvPr id="4155" name="Freeform 17">
               <a:extLst>
                 <a:ext uri="{FF2B5EF4-FFF2-40B4-BE49-F238E27FC236}">
-                  <a16:creationId xmlns="" xmlns:a16="http://schemas.microsoft.com/office/drawing/2014/main" id="{9AB30D45-77AB-4323-83A2-1A637D07D54A}"/>
+                  <a16:creationId xmlns:a16="http://schemas.microsoft.com/office/drawing/2014/main" xmlns="" id="{9AB30D45-77AB-4323-83A2-1A637D07D54A}"/>
                 </a:ext>
                 <a:ext uri="{C183D7F6-B498-43B3-948B-1728B52AA6E4}">
-                  <adec:decorative xmlns="" xmlns:adec="http://schemas.microsoft.com/office/drawing/2017/decorative" val="1"/>
+                  <adec:decorative xmlns:adec="http://schemas.microsoft.com/office/drawing/2017/decorative" xmlns="" val="1"/>
                 </a:ext>
               </a:extLst>
             </p:cNvPr>
@@ -11649,7 +11649,7 @@
             <p:nvPr>
               <p:extLst>
                 <p:ext uri="{386F3935-93C4-4BCD-93E2-E3B085C9AB24}">
-                  <p16:designElem xmlns="" xmlns:p16="http://schemas.microsoft.com/office/powerpoint/2015/main" val="1"/>
+                  <p16:designElem xmlns:p16="http://schemas.microsoft.com/office/powerpoint/2015/main" xmlns="" val="1"/>
                 </p:ext>
               </p:extLst>
             </p:nvPr>
@@ -11729,10 +11729,10 @@
             <p:cNvPr id="4156" name="Freeform 18">
               <a:extLst>
                 <a:ext uri="{FF2B5EF4-FFF2-40B4-BE49-F238E27FC236}">
-                  <a16:creationId xmlns="" xmlns:a16="http://schemas.microsoft.com/office/drawing/2014/main" id="{D1AD137E-7B63-434C-9D0D-5A64BB496859}"/>
+                  <a16:creationId xmlns:a16="http://schemas.microsoft.com/office/drawing/2014/main" xmlns="" id="{D1AD137E-7B63-434C-9D0D-5A64BB496859}"/>
                 </a:ext>
                 <a:ext uri="{C183D7F6-B498-43B3-948B-1728B52AA6E4}">
-                  <adec:decorative xmlns="" xmlns:adec="http://schemas.microsoft.com/office/drawing/2017/decorative" val="1"/>
+                  <adec:decorative xmlns:adec="http://schemas.microsoft.com/office/drawing/2017/decorative" xmlns="" val="1"/>
                 </a:ext>
               </a:extLst>
             </p:cNvPr>
@@ -11742,7 +11742,7 @@
             <p:nvPr>
               <p:extLst>
                 <p:ext uri="{386F3935-93C4-4BCD-93E2-E3B085C9AB24}">
-                  <p16:designElem xmlns="" xmlns:p16="http://schemas.microsoft.com/office/powerpoint/2015/main" val="1"/>
+                  <p16:designElem xmlns:p16="http://schemas.microsoft.com/office/powerpoint/2015/main" xmlns="" val="1"/>
                 </p:ext>
               </p:extLst>
             </p:nvPr>
@@ -11822,10 +11822,10 @@
             <p:cNvPr id="4157" name="Freeform 19">
               <a:extLst>
                 <a:ext uri="{FF2B5EF4-FFF2-40B4-BE49-F238E27FC236}">
-                  <a16:creationId xmlns="" xmlns:a16="http://schemas.microsoft.com/office/drawing/2014/main" id="{8B32BE2D-36DC-4BD0-952E-8FE32A70DB88}"/>
+                  <a16:creationId xmlns:a16="http://schemas.microsoft.com/office/drawing/2014/main" xmlns="" id="{8B32BE2D-36DC-4BD0-952E-8FE32A70DB88}"/>
                 </a:ext>
                 <a:ext uri="{C183D7F6-B498-43B3-948B-1728B52AA6E4}">
-                  <adec:decorative xmlns="" xmlns:adec="http://schemas.microsoft.com/office/drawing/2017/decorative" val="1"/>
+                  <adec:decorative xmlns:adec="http://schemas.microsoft.com/office/drawing/2017/decorative" xmlns="" val="1"/>
                 </a:ext>
               </a:extLst>
             </p:cNvPr>
@@ -11835,7 +11835,7 @@
             <p:nvPr>
               <p:extLst>
                 <p:ext uri="{386F3935-93C4-4BCD-93E2-E3B085C9AB24}">
-                  <p16:designElem xmlns="" xmlns:p16="http://schemas.microsoft.com/office/powerpoint/2015/main" val="1"/>
+                  <p16:designElem xmlns:p16="http://schemas.microsoft.com/office/powerpoint/2015/main" xmlns="" val="1"/>
                 </p:ext>
               </p:extLst>
             </p:nvPr>
@@ -11915,10 +11915,10 @@
             <p:cNvPr id="4158" name="Freeform 20">
               <a:extLst>
                 <a:ext uri="{FF2B5EF4-FFF2-40B4-BE49-F238E27FC236}">
-                  <a16:creationId xmlns="" xmlns:a16="http://schemas.microsoft.com/office/drawing/2014/main" id="{930295E0-AD01-4DB0-9829-AD91BED608F7}"/>
+                  <a16:creationId xmlns:a16="http://schemas.microsoft.com/office/drawing/2014/main" xmlns="" id="{930295E0-AD01-4DB0-9829-AD91BED608F7}"/>
                 </a:ext>
                 <a:ext uri="{C183D7F6-B498-43B3-948B-1728B52AA6E4}">
-                  <adec:decorative xmlns="" xmlns:adec="http://schemas.microsoft.com/office/drawing/2017/decorative" val="1"/>
+                  <adec:decorative xmlns:adec="http://schemas.microsoft.com/office/drawing/2017/decorative" xmlns="" val="1"/>
                 </a:ext>
               </a:extLst>
             </p:cNvPr>
@@ -11928,7 +11928,7 @@
             <p:nvPr>
               <p:extLst>
                 <p:ext uri="{386F3935-93C4-4BCD-93E2-E3B085C9AB24}">
-                  <p16:designElem xmlns="" xmlns:p16="http://schemas.microsoft.com/office/powerpoint/2015/main" val="1"/>
+                  <p16:designElem xmlns:p16="http://schemas.microsoft.com/office/powerpoint/2015/main" xmlns="" val="1"/>
                 </p:ext>
               </p:extLst>
             </p:nvPr>
@@ -12008,10 +12008,10 @@
             <p:cNvPr id="4159" name="Freeform 21">
               <a:extLst>
                 <a:ext uri="{FF2B5EF4-FFF2-40B4-BE49-F238E27FC236}">
-                  <a16:creationId xmlns="" xmlns:a16="http://schemas.microsoft.com/office/drawing/2014/main" id="{29807E74-6BFD-4EA7-B3F3-92C0728A7D8A}"/>
+                  <a16:creationId xmlns:a16="http://schemas.microsoft.com/office/drawing/2014/main" xmlns="" id="{29807E74-6BFD-4EA7-B3F3-92C0728A7D8A}"/>
                 </a:ext>
                 <a:ext uri="{C183D7F6-B498-43B3-948B-1728B52AA6E4}">
-                  <adec:decorative xmlns="" xmlns:adec="http://schemas.microsoft.com/office/drawing/2017/decorative" val="1"/>
+                  <adec:decorative xmlns:adec="http://schemas.microsoft.com/office/drawing/2017/decorative" xmlns="" val="1"/>
                 </a:ext>
               </a:extLst>
             </p:cNvPr>
@@ -12021,7 +12021,7 @@
             <p:nvPr>
               <p:extLst>
                 <p:ext uri="{386F3935-93C4-4BCD-93E2-E3B085C9AB24}">
-                  <p16:designElem xmlns="" xmlns:p16="http://schemas.microsoft.com/office/powerpoint/2015/main" val="1"/>
+                  <p16:designElem xmlns:p16="http://schemas.microsoft.com/office/powerpoint/2015/main" xmlns="" val="1"/>
                 </p:ext>
               </p:extLst>
             </p:nvPr>
@@ -12101,10 +12101,10 @@
             <p:cNvPr id="4160" name="Freeform 22">
               <a:extLst>
                 <a:ext uri="{FF2B5EF4-FFF2-40B4-BE49-F238E27FC236}">
-                  <a16:creationId xmlns="" xmlns:a16="http://schemas.microsoft.com/office/drawing/2014/main" id="{C9EDBF49-4B87-4B6F-BEE6-DDC4A63CE60D}"/>
+                  <a16:creationId xmlns:a16="http://schemas.microsoft.com/office/drawing/2014/main" xmlns="" id="{C9EDBF49-4B87-4B6F-BEE6-DDC4A63CE60D}"/>
                 </a:ext>
                 <a:ext uri="{C183D7F6-B498-43B3-948B-1728B52AA6E4}">
-                  <adec:decorative xmlns="" xmlns:adec="http://schemas.microsoft.com/office/drawing/2017/decorative" val="1"/>
+                  <adec:decorative xmlns:adec="http://schemas.microsoft.com/office/drawing/2017/decorative" xmlns="" val="1"/>
                 </a:ext>
               </a:extLst>
             </p:cNvPr>
@@ -12114,7 +12114,7 @@
             <p:nvPr>
               <p:extLst>
                 <p:ext uri="{386F3935-93C4-4BCD-93E2-E3B085C9AB24}">
-                  <p16:designElem xmlns="" xmlns:p16="http://schemas.microsoft.com/office/powerpoint/2015/main" val="1"/>
+                  <p16:designElem xmlns:p16="http://schemas.microsoft.com/office/powerpoint/2015/main" xmlns="" val="1"/>
                 </p:ext>
               </p:extLst>
             </p:nvPr>
@@ -12194,10 +12194,10 @@
             <p:cNvPr id="4161" name="Freeform 23">
               <a:extLst>
                 <a:ext uri="{FF2B5EF4-FFF2-40B4-BE49-F238E27FC236}">
-                  <a16:creationId xmlns="" xmlns:a16="http://schemas.microsoft.com/office/drawing/2014/main" id="{7738C468-1405-4ED9-8392-F93FA995EE04}"/>
+                  <a16:creationId xmlns:a16="http://schemas.microsoft.com/office/drawing/2014/main" xmlns="" id="{7738C468-1405-4ED9-8392-F93FA995EE04}"/>
                 </a:ext>
                 <a:ext uri="{C183D7F6-B498-43B3-948B-1728B52AA6E4}">
-                  <adec:decorative xmlns="" xmlns:adec="http://schemas.microsoft.com/office/drawing/2017/decorative" val="1"/>
+                  <adec:decorative xmlns:adec="http://schemas.microsoft.com/office/drawing/2017/decorative" xmlns="" val="1"/>
                 </a:ext>
               </a:extLst>
             </p:cNvPr>
@@ -12207,7 +12207,7 @@
             <p:nvPr>
               <p:extLst>
                 <p:ext uri="{386F3935-93C4-4BCD-93E2-E3B085C9AB24}">
-                  <p16:designElem xmlns="" xmlns:p16="http://schemas.microsoft.com/office/powerpoint/2015/main" val="1"/>
+                  <p16:designElem xmlns:p16="http://schemas.microsoft.com/office/powerpoint/2015/main" xmlns="" val="1"/>
                 </p:ext>
               </p:extLst>
             </p:nvPr>
@@ -12287,10 +12287,10 @@
             <p:cNvPr id="4162" name="Freeform 24">
               <a:extLst>
                 <a:ext uri="{FF2B5EF4-FFF2-40B4-BE49-F238E27FC236}">
-                  <a16:creationId xmlns="" xmlns:a16="http://schemas.microsoft.com/office/drawing/2014/main" id="{F16402CF-F511-450A-8584-8C8A5B7E9D9A}"/>
+                  <a16:creationId xmlns:a16="http://schemas.microsoft.com/office/drawing/2014/main" xmlns="" id="{F16402CF-F511-450A-8584-8C8A5B7E9D9A}"/>
                 </a:ext>
                 <a:ext uri="{C183D7F6-B498-43B3-948B-1728B52AA6E4}">
-                  <adec:decorative xmlns="" xmlns:adec="http://schemas.microsoft.com/office/drawing/2017/decorative" val="1"/>
+                  <adec:decorative xmlns:adec="http://schemas.microsoft.com/office/drawing/2017/decorative" xmlns="" val="1"/>
                 </a:ext>
               </a:extLst>
             </p:cNvPr>
@@ -12300,7 +12300,7 @@
             <p:nvPr>
               <p:extLst>
                 <p:ext uri="{386F3935-93C4-4BCD-93E2-E3B085C9AB24}">
-                  <p16:designElem xmlns="" xmlns:p16="http://schemas.microsoft.com/office/powerpoint/2015/main" val="1"/>
+                  <p16:designElem xmlns:p16="http://schemas.microsoft.com/office/powerpoint/2015/main" xmlns="" val="1"/>
                 </p:ext>
               </p:extLst>
             </p:nvPr>
@@ -12380,10 +12380,10 @@
             <p:cNvPr id="4163" name="Freeform 25">
               <a:extLst>
                 <a:ext uri="{FF2B5EF4-FFF2-40B4-BE49-F238E27FC236}">
-                  <a16:creationId xmlns="" xmlns:a16="http://schemas.microsoft.com/office/drawing/2014/main" id="{85E5B49A-CFC2-4019-9BA6-528095F788CC}"/>
+                  <a16:creationId xmlns:a16="http://schemas.microsoft.com/office/drawing/2014/main" xmlns="" id="{85E5B49A-CFC2-4019-9BA6-528095F788CC}"/>
                 </a:ext>
                 <a:ext uri="{C183D7F6-B498-43B3-948B-1728B52AA6E4}">
-                  <adec:decorative xmlns="" xmlns:adec="http://schemas.microsoft.com/office/drawing/2017/decorative" val="1"/>
+                  <adec:decorative xmlns:adec="http://schemas.microsoft.com/office/drawing/2017/decorative" xmlns="" val="1"/>
                 </a:ext>
               </a:extLst>
             </p:cNvPr>
@@ -12393,7 +12393,7 @@
             <p:nvPr>
               <p:extLst>
                 <p:ext uri="{386F3935-93C4-4BCD-93E2-E3B085C9AB24}">
-                  <p16:designElem xmlns="" xmlns:p16="http://schemas.microsoft.com/office/powerpoint/2015/main" val="1"/>
+                  <p16:designElem xmlns:p16="http://schemas.microsoft.com/office/powerpoint/2015/main" xmlns="" val="1"/>
                 </p:ext>
               </p:extLst>
             </p:nvPr>
@@ -12474,7 +12474,7 @@
           <p:cNvPr id="74" name="TextBox 73">
             <a:extLst>
               <a:ext uri="{FF2B5EF4-FFF2-40B4-BE49-F238E27FC236}">
-                <a16:creationId xmlns="" xmlns:a16="http://schemas.microsoft.com/office/drawing/2014/main" id="{E46097D4-7816-E38C-47EC-C5B0B82B842A}"/>
+                <a16:creationId xmlns:a16="http://schemas.microsoft.com/office/drawing/2014/main" xmlns="" id="{E46097D4-7816-E38C-47EC-C5B0B82B842A}"/>
               </a:ext>
             </a:extLst>
           </p:cNvPr>
@@ -12564,6 +12564,18 @@
                 <a:sym typeface="Montserrat Light"/>
               </a:rPr>
               <a:t>EDA </a:t>
+            </a:r>
+            <a:r>
+              <a:rPr lang="en-US" sz="2400" dirty="0" smtClean="0">
+                <a:solidFill>
+                  <a:srgbClr val="434343"/>
+                </a:solidFill>
+                <a:latin typeface="Montserrat Light"/>
+                <a:ea typeface="Montserrat Light"/>
+                <a:cs typeface="Montserrat Light"/>
+                <a:sym typeface="Montserrat Light"/>
+              </a:rPr>
+              <a:t>(561 features &amp; 10000 events)</a:t>
             </a:r>
             <a:endParaRPr lang="en-US" sz="2400" dirty="0">
               <a:solidFill>
@@ -12907,10 +12919,10 @@
           <p:cNvPr id="4142" name="Group 4141">
             <a:extLst>
               <a:ext uri="{FF2B5EF4-FFF2-40B4-BE49-F238E27FC236}">
-                <a16:creationId xmlns="" xmlns:a16="http://schemas.microsoft.com/office/drawing/2014/main" id="{6C272060-BC98-4C91-A58F-4DFEC566CF7F}"/>
+                <a16:creationId xmlns:a16="http://schemas.microsoft.com/office/drawing/2014/main" xmlns="" id="{6C272060-BC98-4C91-A58F-4DFEC566CF7F}"/>
               </a:ext>
               <a:ext uri="{C183D7F6-B498-43B3-948B-1728B52AA6E4}">
-                <adec:decorative xmlns="" xmlns:adec="http://schemas.microsoft.com/office/drawing/2017/decorative" val="1"/>
+                <adec:decorative xmlns:adec="http://schemas.microsoft.com/office/drawing/2017/decorative" xmlns="" val="1"/>
               </a:ext>
             </a:extLst>
           </p:cNvPr>
@@ -12920,7 +12932,7 @@
           <p:nvPr>
             <p:extLst>
               <p:ext uri="{386F3935-93C4-4BCD-93E2-E3B085C9AB24}">
-                <p16:designElem xmlns="" xmlns:p16="http://schemas.microsoft.com/office/powerpoint/2015/main" val="1"/>
+                <p16:designElem xmlns:p16="http://schemas.microsoft.com/office/powerpoint/2015/main" xmlns="" val="1"/>
               </p:ext>
             </p:extLst>
           </p:nvPr>
@@ -12938,10 +12950,10 @@
             <p:cNvPr id="4143" name="Freeform 5">
               <a:extLst>
                 <a:ext uri="{FF2B5EF4-FFF2-40B4-BE49-F238E27FC236}">
-                  <a16:creationId xmlns="" xmlns:a16="http://schemas.microsoft.com/office/drawing/2014/main" id="{8BA2DCB9-0DC0-4109-B2A2-56896E35E664}"/>
+                  <a16:creationId xmlns:a16="http://schemas.microsoft.com/office/drawing/2014/main" xmlns="" id="{8BA2DCB9-0DC0-4109-B2A2-56896E35E664}"/>
                 </a:ext>
                 <a:ext uri="{C183D7F6-B498-43B3-948B-1728B52AA6E4}">
-                  <adec:decorative xmlns="" xmlns:adec="http://schemas.microsoft.com/office/drawing/2017/decorative" val="1"/>
+                  <adec:decorative xmlns:adec="http://schemas.microsoft.com/office/drawing/2017/decorative" xmlns="" val="1"/>
                 </a:ext>
               </a:extLst>
             </p:cNvPr>
@@ -12951,7 +12963,7 @@
             <p:nvPr>
               <p:extLst>
                 <p:ext uri="{386F3935-93C4-4BCD-93E2-E3B085C9AB24}">
-                  <p16:designElem xmlns="" xmlns:p16="http://schemas.microsoft.com/office/powerpoint/2015/main" val="1"/>
+                  <p16:designElem xmlns:p16="http://schemas.microsoft.com/office/powerpoint/2015/main" xmlns="" val="1"/>
                 </p:ext>
               </p:extLst>
             </p:nvPr>
@@ -13031,10 +13043,10 @@
             <p:cNvPr id="4144" name="Freeform 6">
               <a:extLst>
                 <a:ext uri="{FF2B5EF4-FFF2-40B4-BE49-F238E27FC236}">
-                  <a16:creationId xmlns="" xmlns:a16="http://schemas.microsoft.com/office/drawing/2014/main" id="{64A33555-1142-4AD7-8084-1A99422A1186}"/>
+                  <a16:creationId xmlns:a16="http://schemas.microsoft.com/office/drawing/2014/main" xmlns="" id="{64A33555-1142-4AD7-8084-1A99422A1186}"/>
                 </a:ext>
                 <a:ext uri="{C183D7F6-B498-43B3-948B-1728B52AA6E4}">
-                  <adec:decorative xmlns="" xmlns:adec="http://schemas.microsoft.com/office/drawing/2017/decorative" val="1"/>
+                  <adec:decorative xmlns:adec="http://schemas.microsoft.com/office/drawing/2017/decorative" xmlns="" val="1"/>
                 </a:ext>
               </a:extLst>
             </p:cNvPr>
@@ -13044,7 +13056,7 @@
             <p:nvPr>
               <p:extLst>
                 <p:ext uri="{386F3935-93C4-4BCD-93E2-E3B085C9AB24}">
-                  <p16:designElem xmlns="" xmlns:p16="http://schemas.microsoft.com/office/powerpoint/2015/main" val="1"/>
+                  <p16:designElem xmlns:p16="http://schemas.microsoft.com/office/powerpoint/2015/main" xmlns="" val="1"/>
                 </p:ext>
               </p:extLst>
             </p:nvPr>
@@ -13124,10 +13136,10 @@
             <p:cNvPr id="4145" name="Freeform 7">
               <a:extLst>
                 <a:ext uri="{FF2B5EF4-FFF2-40B4-BE49-F238E27FC236}">
-                  <a16:creationId xmlns="" xmlns:a16="http://schemas.microsoft.com/office/drawing/2014/main" id="{BC6E4081-1A88-453E-8CCF-B97B0CE20DF4}"/>
+                  <a16:creationId xmlns:a16="http://schemas.microsoft.com/office/drawing/2014/main" xmlns="" id="{BC6E4081-1A88-453E-8CCF-B97B0CE20DF4}"/>
                 </a:ext>
                 <a:ext uri="{C183D7F6-B498-43B3-948B-1728B52AA6E4}">
-                  <adec:decorative xmlns="" xmlns:adec="http://schemas.microsoft.com/office/drawing/2017/decorative" val="1"/>
+                  <adec:decorative xmlns:adec="http://schemas.microsoft.com/office/drawing/2017/decorative" xmlns="" val="1"/>
                 </a:ext>
               </a:extLst>
             </p:cNvPr>
@@ -13137,7 +13149,7 @@
             <p:nvPr>
               <p:extLst>
                 <p:ext uri="{386F3935-93C4-4BCD-93E2-E3B085C9AB24}">
-                  <p16:designElem xmlns="" xmlns:p16="http://schemas.microsoft.com/office/powerpoint/2015/main" val="1"/>
+                  <p16:designElem xmlns:p16="http://schemas.microsoft.com/office/powerpoint/2015/main" xmlns="" val="1"/>
                 </p:ext>
               </p:extLst>
             </p:nvPr>
@@ -13217,10 +13229,10 @@
             <p:cNvPr id="4146" name="Freeform 8">
               <a:extLst>
                 <a:ext uri="{FF2B5EF4-FFF2-40B4-BE49-F238E27FC236}">
-                  <a16:creationId xmlns="" xmlns:a16="http://schemas.microsoft.com/office/drawing/2014/main" id="{5B7E0935-6EE8-4C61-AED5-09B9A2A99AF0}"/>
+                  <a16:creationId xmlns:a16="http://schemas.microsoft.com/office/drawing/2014/main" xmlns="" id="{5B7E0935-6EE8-4C61-AED5-09B9A2A99AF0}"/>
                 </a:ext>
                 <a:ext uri="{C183D7F6-B498-43B3-948B-1728B52AA6E4}">
-                  <adec:decorative xmlns="" xmlns:adec="http://schemas.microsoft.com/office/drawing/2017/decorative" val="1"/>
+                  <adec:decorative xmlns:adec="http://schemas.microsoft.com/office/drawing/2017/decorative" xmlns="" val="1"/>
                 </a:ext>
               </a:extLst>
             </p:cNvPr>
@@ -13230,7 +13242,7 @@
             <p:nvPr>
               <p:extLst>
                 <p:ext uri="{386F3935-93C4-4BCD-93E2-E3B085C9AB24}">
-                  <p16:designElem xmlns="" xmlns:p16="http://schemas.microsoft.com/office/powerpoint/2015/main" val="1"/>
+                  <p16:designElem xmlns:p16="http://schemas.microsoft.com/office/powerpoint/2015/main" xmlns="" val="1"/>
                 </p:ext>
               </p:extLst>
             </p:nvPr>
@@ -13310,10 +13322,10 @@
             <p:cNvPr id="4147" name="Freeform 9">
               <a:extLst>
                 <a:ext uri="{FF2B5EF4-FFF2-40B4-BE49-F238E27FC236}">
-                  <a16:creationId xmlns="" xmlns:a16="http://schemas.microsoft.com/office/drawing/2014/main" id="{EB962BD6-C878-48FF-A75E-DCC7BDA3C33C}"/>
+                  <a16:creationId xmlns:a16="http://schemas.microsoft.com/office/drawing/2014/main" xmlns="" id="{EB962BD6-C878-48FF-A75E-DCC7BDA3C33C}"/>
                 </a:ext>
                 <a:ext uri="{C183D7F6-B498-43B3-948B-1728B52AA6E4}">
-                  <adec:decorative xmlns="" xmlns:adec="http://schemas.microsoft.com/office/drawing/2017/decorative" val="1"/>
+                  <adec:decorative xmlns:adec="http://schemas.microsoft.com/office/drawing/2017/decorative" xmlns="" val="1"/>
                 </a:ext>
               </a:extLst>
             </p:cNvPr>
@@ -13323,7 +13335,7 @@
             <p:nvPr>
               <p:extLst>
                 <p:ext uri="{386F3935-93C4-4BCD-93E2-E3B085C9AB24}">
-                  <p16:designElem xmlns="" xmlns:p16="http://schemas.microsoft.com/office/powerpoint/2015/main" val="1"/>
+                  <p16:designElem xmlns:p16="http://schemas.microsoft.com/office/powerpoint/2015/main" xmlns="" val="1"/>
                 </p:ext>
               </p:extLst>
             </p:nvPr>
@@ -13403,10 +13415,10 @@
             <p:cNvPr id="4148" name="Freeform 10">
               <a:extLst>
                 <a:ext uri="{FF2B5EF4-FFF2-40B4-BE49-F238E27FC236}">
-                  <a16:creationId xmlns="" xmlns:a16="http://schemas.microsoft.com/office/drawing/2014/main" id="{CABF3786-BDE1-4FE5-9967-F6B6131A2CF0}"/>
+                  <a16:creationId xmlns:a16="http://schemas.microsoft.com/office/drawing/2014/main" xmlns="" id="{CABF3786-BDE1-4FE5-9967-F6B6131A2CF0}"/>
                 </a:ext>
                 <a:ext uri="{C183D7F6-B498-43B3-948B-1728B52AA6E4}">
-                  <adec:decorative xmlns="" xmlns:adec="http://schemas.microsoft.com/office/drawing/2017/decorative" val="1"/>
+                  <adec:decorative xmlns:adec="http://schemas.microsoft.com/office/drawing/2017/decorative" xmlns="" val="1"/>
                 </a:ext>
               </a:extLst>
             </p:cNvPr>
@@ -13416,7 +13428,7 @@
             <p:nvPr>
               <p:extLst>
                 <p:ext uri="{386F3935-93C4-4BCD-93E2-E3B085C9AB24}">
-                  <p16:designElem xmlns="" xmlns:p16="http://schemas.microsoft.com/office/powerpoint/2015/main" val="1"/>
+                  <p16:designElem xmlns:p16="http://schemas.microsoft.com/office/powerpoint/2015/main" xmlns="" val="1"/>
                 </p:ext>
               </p:extLst>
             </p:nvPr>
@@ -13496,10 +13508,10 @@
             <p:cNvPr id="4149" name="Freeform 11">
               <a:extLst>
                 <a:ext uri="{FF2B5EF4-FFF2-40B4-BE49-F238E27FC236}">
-                  <a16:creationId xmlns="" xmlns:a16="http://schemas.microsoft.com/office/drawing/2014/main" id="{4969707A-C75E-4F7F-A5C2-2991C6547550}"/>
+                  <a16:creationId xmlns:a16="http://schemas.microsoft.com/office/drawing/2014/main" xmlns="" id="{4969707A-C75E-4F7F-A5C2-2991C6547550}"/>
                 </a:ext>
                 <a:ext uri="{C183D7F6-B498-43B3-948B-1728B52AA6E4}">
-                  <adec:decorative xmlns="" xmlns:adec="http://schemas.microsoft.com/office/drawing/2017/decorative" val="1"/>
+                  <adec:decorative xmlns:adec="http://schemas.microsoft.com/office/drawing/2017/decorative" xmlns="" val="1"/>
                 </a:ext>
               </a:extLst>
             </p:cNvPr>
@@ -13509,7 +13521,7 @@
             <p:nvPr>
               <p:extLst>
                 <p:ext uri="{386F3935-93C4-4BCD-93E2-E3B085C9AB24}">
-                  <p16:designElem xmlns="" xmlns:p16="http://schemas.microsoft.com/office/powerpoint/2015/main" val="1"/>
+                  <p16:designElem xmlns:p16="http://schemas.microsoft.com/office/powerpoint/2015/main" xmlns="" val="1"/>
                 </p:ext>
               </p:extLst>
             </p:nvPr>
@@ -13589,10 +13601,10 @@
             <p:cNvPr id="4150" name="Freeform 12">
               <a:extLst>
                 <a:ext uri="{FF2B5EF4-FFF2-40B4-BE49-F238E27FC236}">
-                  <a16:creationId xmlns="" xmlns:a16="http://schemas.microsoft.com/office/drawing/2014/main" id="{0E293989-8389-48CD-85D3-CAEFD5E96370}"/>
+                  <a16:creationId xmlns:a16="http://schemas.microsoft.com/office/drawing/2014/main" xmlns="" id="{0E293989-8389-48CD-85D3-CAEFD5E96370}"/>
                 </a:ext>
                 <a:ext uri="{C183D7F6-B498-43B3-948B-1728B52AA6E4}">
-                  <adec:decorative xmlns="" xmlns:adec="http://schemas.microsoft.com/office/drawing/2017/decorative" val="1"/>
+                  <adec:decorative xmlns:adec="http://schemas.microsoft.com/office/drawing/2017/decorative" xmlns="" val="1"/>
                 </a:ext>
               </a:extLst>
             </p:cNvPr>
@@ -13602,7 +13614,7 @@
             <p:nvPr>
               <p:extLst>
                 <p:ext uri="{386F3935-93C4-4BCD-93E2-E3B085C9AB24}">
-                  <p16:designElem xmlns="" xmlns:p16="http://schemas.microsoft.com/office/powerpoint/2015/main" val="1"/>
+                  <p16:designElem xmlns:p16="http://schemas.microsoft.com/office/powerpoint/2015/main" xmlns="" val="1"/>
                 </p:ext>
               </p:extLst>
             </p:nvPr>
@@ -13682,10 +13694,10 @@
             <p:cNvPr id="4151" name="Freeform 13">
               <a:extLst>
                 <a:ext uri="{FF2B5EF4-FFF2-40B4-BE49-F238E27FC236}">
-                  <a16:creationId xmlns="" xmlns:a16="http://schemas.microsoft.com/office/drawing/2014/main" id="{8DCF1E8B-9247-45E2-8641-90DA9F7D5252}"/>
+                  <a16:creationId xmlns:a16="http://schemas.microsoft.com/office/drawing/2014/main" xmlns="" id="{8DCF1E8B-9247-45E2-8641-90DA9F7D5252}"/>
                 </a:ext>
                 <a:ext uri="{C183D7F6-B498-43B3-948B-1728B52AA6E4}">
-                  <adec:decorative xmlns="" xmlns:adec="http://schemas.microsoft.com/office/drawing/2017/decorative" val="1"/>
+                  <adec:decorative xmlns:adec="http://schemas.microsoft.com/office/drawing/2017/decorative" xmlns="" val="1"/>
                 </a:ext>
               </a:extLst>
             </p:cNvPr>
@@ -13695,7 +13707,7 @@
             <p:nvPr>
               <p:extLst>
                 <p:ext uri="{386F3935-93C4-4BCD-93E2-E3B085C9AB24}">
-                  <p16:designElem xmlns="" xmlns:p16="http://schemas.microsoft.com/office/powerpoint/2015/main" val="1"/>
+                  <p16:designElem xmlns:p16="http://schemas.microsoft.com/office/powerpoint/2015/main" xmlns="" val="1"/>
                 </p:ext>
               </p:extLst>
             </p:nvPr>
@@ -13775,10 +13787,10 @@
             <p:cNvPr id="4152" name="Freeform 14">
               <a:extLst>
                 <a:ext uri="{FF2B5EF4-FFF2-40B4-BE49-F238E27FC236}">
-                  <a16:creationId xmlns="" xmlns:a16="http://schemas.microsoft.com/office/drawing/2014/main" id="{48DF418F-91AD-4E55-AF3B-F28FF45961B4}"/>
+                  <a16:creationId xmlns:a16="http://schemas.microsoft.com/office/drawing/2014/main" xmlns="" id="{48DF418F-91AD-4E55-AF3B-F28FF45961B4}"/>
                 </a:ext>
                 <a:ext uri="{C183D7F6-B498-43B3-948B-1728B52AA6E4}">
-                  <adec:decorative xmlns="" xmlns:adec="http://schemas.microsoft.com/office/drawing/2017/decorative" val="1"/>
+                  <adec:decorative xmlns:adec="http://schemas.microsoft.com/office/drawing/2017/decorative" xmlns="" val="1"/>
                 </a:ext>
               </a:extLst>
             </p:cNvPr>
@@ -13788,7 +13800,7 @@
             <p:nvPr>
               <p:extLst>
                 <p:ext uri="{386F3935-93C4-4BCD-93E2-E3B085C9AB24}">
-                  <p16:designElem xmlns="" xmlns:p16="http://schemas.microsoft.com/office/powerpoint/2015/main" val="1"/>
+                  <p16:designElem xmlns:p16="http://schemas.microsoft.com/office/powerpoint/2015/main" xmlns="" val="1"/>
                 </p:ext>
               </p:extLst>
             </p:nvPr>
@@ -13868,10 +13880,10 @@
             <p:cNvPr id="4153" name="Freeform 15">
               <a:extLst>
                 <a:ext uri="{FF2B5EF4-FFF2-40B4-BE49-F238E27FC236}">
-                  <a16:creationId xmlns="" xmlns:a16="http://schemas.microsoft.com/office/drawing/2014/main" id="{EDBF35BD-D1DA-49B1-AE30-289189DACD51}"/>
+                  <a16:creationId xmlns:a16="http://schemas.microsoft.com/office/drawing/2014/main" xmlns="" id="{EDBF35BD-D1DA-49B1-AE30-289189DACD51}"/>
                 </a:ext>
                 <a:ext uri="{C183D7F6-B498-43B3-948B-1728B52AA6E4}">
-                  <adec:decorative xmlns="" xmlns:adec="http://schemas.microsoft.com/office/drawing/2017/decorative" val="1"/>
+                  <adec:decorative xmlns:adec="http://schemas.microsoft.com/office/drawing/2017/decorative" xmlns="" val="1"/>
                 </a:ext>
               </a:extLst>
             </p:cNvPr>
@@ -13881,7 +13893,7 @@
             <p:nvPr>
               <p:extLst>
                 <p:ext uri="{386F3935-93C4-4BCD-93E2-E3B085C9AB24}">
-                  <p16:designElem xmlns="" xmlns:p16="http://schemas.microsoft.com/office/powerpoint/2015/main" val="1"/>
+                  <p16:designElem xmlns:p16="http://schemas.microsoft.com/office/powerpoint/2015/main" xmlns="" val="1"/>
                 </p:ext>
               </p:extLst>
             </p:nvPr>
@@ -13961,10 +13973,10 @@
             <p:cNvPr id="4154" name="Freeform 16">
               <a:extLst>
                 <a:ext uri="{FF2B5EF4-FFF2-40B4-BE49-F238E27FC236}">
-                  <a16:creationId xmlns="" xmlns:a16="http://schemas.microsoft.com/office/drawing/2014/main" id="{69198BEC-A3B6-4562-AB0F-3E7760026C43}"/>
+                  <a16:creationId xmlns:a16="http://schemas.microsoft.com/office/drawing/2014/main" xmlns="" id="{69198BEC-A3B6-4562-AB0F-3E7760026C43}"/>
                 </a:ext>
                 <a:ext uri="{C183D7F6-B498-43B3-948B-1728B52AA6E4}">
-                  <adec:decorative xmlns="" xmlns:adec="http://schemas.microsoft.com/office/drawing/2017/decorative" val="1"/>
+                  <adec:decorative xmlns:adec="http://schemas.microsoft.com/office/drawing/2017/decorative" xmlns="" val="1"/>
                 </a:ext>
               </a:extLst>
             </p:cNvPr>
@@ -13974,7 +13986,7 @@
             <p:nvPr>
               <p:extLst>
                 <p:ext uri="{386F3935-93C4-4BCD-93E2-E3B085C9AB24}">
-                  <p16:designElem xmlns="" xmlns:p16="http://schemas.microsoft.com/office/powerpoint/2015/main" val="1"/>
+                  <p16:designElem xmlns:p16="http://schemas.microsoft.com/office/powerpoint/2015/main" xmlns="" val="1"/>
                 </p:ext>
               </p:extLst>
             </p:nvPr>
@@ -14054,10 +14066,10 @@
             <p:cNvPr id="4155" name="Freeform 17">
               <a:extLst>
                 <a:ext uri="{FF2B5EF4-FFF2-40B4-BE49-F238E27FC236}">
-                  <a16:creationId xmlns="" xmlns:a16="http://schemas.microsoft.com/office/drawing/2014/main" id="{9AB30D45-77AB-4323-83A2-1A637D07D54A}"/>
+                  <a16:creationId xmlns:a16="http://schemas.microsoft.com/office/drawing/2014/main" xmlns="" id="{9AB30D45-77AB-4323-83A2-1A637D07D54A}"/>
                 </a:ext>
                 <a:ext uri="{C183D7F6-B498-43B3-948B-1728B52AA6E4}">
-                  <adec:decorative xmlns="" xmlns:adec="http://schemas.microsoft.com/office/drawing/2017/decorative" val="1"/>
+                  <adec:decorative xmlns:adec="http://schemas.microsoft.com/office/drawing/2017/decorative" xmlns="" val="1"/>
                 </a:ext>
               </a:extLst>
             </p:cNvPr>
@@ -14067,7 +14079,7 @@
             <p:nvPr>
               <p:extLst>
                 <p:ext uri="{386F3935-93C4-4BCD-93E2-E3B085C9AB24}">
-                  <p16:designElem xmlns="" xmlns:p16="http://schemas.microsoft.com/office/powerpoint/2015/main" val="1"/>
+                  <p16:designElem xmlns:p16="http://schemas.microsoft.com/office/powerpoint/2015/main" xmlns="" val="1"/>
                 </p:ext>
               </p:extLst>
             </p:nvPr>
@@ -14147,10 +14159,10 @@
             <p:cNvPr id="4156" name="Freeform 18">
               <a:extLst>
                 <a:ext uri="{FF2B5EF4-FFF2-40B4-BE49-F238E27FC236}">
-                  <a16:creationId xmlns="" xmlns:a16="http://schemas.microsoft.com/office/drawing/2014/main" id="{D1AD137E-7B63-434C-9D0D-5A64BB496859}"/>
+                  <a16:creationId xmlns:a16="http://schemas.microsoft.com/office/drawing/2014/main" xmlns="" id="{D1AD137E-7B63-434C-9D0D-5A64BB496859}"/>
                 </a:ext>
                 <a:ext uri="{C183D7F6-B498-43B3-948B-1728B52AA6E4}">
-                  <adec:decorative xmlns="" xmlns:adec="http://schemas.microsoft.com/office/drawing/2017/decorative" val="1"/>
+                  <adec:decorative xmlns:adec="http://schemas.microsoft.com/office/drawing/2017/decorative" xmlns="" val="1"/>
                 </a:ext>
               </a:extLst>
             </p:cNvPr>
@@ -14160,7 +14172,7 @@
             <p:nvPr>
               <p:extLst>
                 <p:ext uri="{386F3935-93C4-4BCD-93E2-E3B085C9AB24}">
-                  <p16:designElem xmlns="" xmlns:p16="http://schemas.microsoft.com/office/powerpoint/2015/main" val="1"/>
+                  <p16:designElem xmlns:p16="http://schemas.microsoft.com/office/powerpoint/2015/main" xmlns="" val="1"/>
                 </p:ext>
               </p:extLst>
             </p:nvPr>
@@ -14240,10 +14252,10 @@
             <p:cNvPr id="4157" name="Freeform 19">
               <a:extLst>
                 <a:ext uri="{FF2B5EF4-FFF2-40B4-BE49-F238E27FC236}">
-                  <a16:creationId xmlns="" xmlns:a16="http://schemas.microsoft.com/office/drawing/2014/main" id="{8B32BE2D-36DC-4BD0-952E-8FE32A70DB88}"/>
+                  <a16:creationId xmlns:a16="http://schemas.microsoft.com/office/drawing/2014/main" xmlns="" id="{8B32BE2D-36DC-4BD0-952E-8FE32A70DB88}"/>
                 </a:ext>
                 <a:ext uri="{C183D7F6-B498-43B3-948B-1728B52AA6E4}">
-                  <adec:decorative xmlns="" xmlns:adec="http://schemas.microsoft.com/office/drawing/2017/decorative" val="1"/>
+                  <adec:decorative xmlns:adec="http://schemas.microsoft.com/office/drawing/2017/decorative" xmlns="" val="1"/>
                 </a:ext>
               </a:extLst>
             </p:cNvPr>
@@ -14253,7 +14265,7 @@
             <p:nvPr>
               <p:extLst>
                 <p:ext uri="{386F3935-93C4-4BCD-93E2-E3B085C9AB24}">
-                  <p16:designElem xmlns="" xmlns:p16="http://schemas.microsoft.com/office/powerpoint/2015/main" val="1"/>
+                  <p16:designElem xmlns:p16="http://schemas.microsoft.com/office/powerpoint/2015/main" xmlns="" val="1"/>
                 </p:ext>
               </p:extLst>
             </p:nvPr>
@@ -14333,10 +14345,10 @@
             <p:cNvPr id="4158" name="Freeform 20">
               <a:extLst>
                 <a:ext uri="{FF2B5EF4-FFF2-40B4-BE49-F238E27FC236}">
-                  <a16:creationId xmlns="" xmlns:a16="http://schemas.microsoft.com/office/drawing/2014/main" id="{930295E0-AD01-4DB0-9829-AD91BED608F7}"/>
+                  <a16:creationId xmlns:a16="http://schemas.microsoft.com/office/drawing/2014/main" xmlns="" id="{930295E0-AD01-4DB0-9829-AD91BED608F7}"/>
                 </a:ext>
                 <a:ext uri="{C183D7F6-B498-43B3-948B-1728B52AA6E4}">
-                  <adec:decorative xmlns="" xmlns:adec="http://schemas.microsoft.com/office/drawing/2017/decorative" val="1"/>
+                  <adec:decorative xmlns:adec="http://schemas.microsoft.com/office/drawing/2017/decorative" xmlns="" val="1"/>
                 </a:ext>
               </a:extLst>
             </p:cNvPr>
@@ -14346,7 +14358,7 @@
             <p:nvPr>
               <p:extLst>
                 <p:ext uri="{386F3935-93C4-4BCD-93E2-E3B085C9AB24}">
-                  <p16:designElem xmlns="" xmlns:p16="http://schemas.microsoft.com/office/powerpoint/2015/main" val="1"/>
+                  <p16:designElem xmlns:p16="http://schemas.microsoft.com/office/powerpoint/2015/main" xmlns="" val="1"/>
                 </p:ext>
               </p:extLst>
             </p:nvPr>
@@ -14426,10 +14438,10 @@
             <p:cNvPr id="4159" name="Freeform 21">
               <a:extLst>
                 <a:ext uri="{FF2B5EF4-FFF2-40B4-BE49-F238E27FC236}">
-                  <a16:creationId xmlns="" xmlns:a16="http://schemas.microsoft.com/office/drawing/2014/main" id="{29807E74-6BFD-4EA7-B3F3-92C0728A7D8A}"/>
+                  <a16:creationId xmlns:a16="http://schemas.microsoft.com/office/drawing/2014/main" xmlns="" id="{29807E74-6BFD-4EA7-B3F3-92C0728A7D8A}"/>
                 </a:ext>
                 <a:ext uri="{C183D7F6-B498-43B3-948B-1728B52AA6E4}">
-                  <adec:decorative xmlns="" xmlns:adec="http://schemas.microsoft.com/office/drawing/2017/decorative" val="1"/>
+                  <adec:decorative xmlns:adec="http://schemas.microsoft.com/office/drawing/2017/decorative" xmlns="" val="1"/>
                 </a:ext>
               </a:extLst>
             </p:cNvPr>
@@ -14439,7 +14451,7 @@
             <p:nvPr>
               <p:extLst>
                 <p:ext uri="{386F3935-93C4-4BCD-93E2-E3B085C9AB24}">
-                  <p16:designElem xmlns="" xmlns:p16="http://schemas.microsoft.com/office/powerpoint/2015/main" val="1"/>
+                  <p16:designElem xmlns:p16="http://schemas.microsoft.com/office/powerpoint/2015/main" xmlns="" val="1"/>
                 </p:ext>
               </p:extLst>
             </p:nvPr>
@@ -14519,10 +14531,10 @@
             <p:cNvPr id="4160" name="Freeform 22">
               <a:extLst>
                 <a:ext uri="{FF2B5EF4-FFF2-40B4-BE49-F238E27FC236}">
-                  <a16:creationId xmlns="" xmlns:a16="http://schemas.microsoft.com/office/drawing/2014/main" id="{C9EDBF49-4B87-4B6F-BEE6-DDC4A63CE60D}"/>
+                  <a16:creationId xmlns:a16="http://schemas.microsoft.com/office/drawing/2014/main" xmlns="" id="{C9EDBF49-4B87-4B6F-BEE6-DDC4A63CE60D}"/>
                 </a:ext>
                 <a:ext uri="{C183D7F6-B498-43B3-948B-1728B52AA6E4}">
-                  <adec:decorative xmlns="" xmlns:adec="http://schemas.microsoft.com/office/drawing/2017/decorative" val="1"/>
+                  <adec:decorative xmlns:adec="http://schemas.microsoft.com/office/drawing/2017/decorative" xmlns="" val="1"/>
                 </a:ext>
               </a:extLst>
             </p:cNvPr>
@@ -14532,7 +14544,7 @@
             <p:nvPr>
               <p:extLst>
                 <p:ext uri="{386F3935-93C4-4BCD-93E2-E3B085C9AB24}">
-                  <p16:designElem xmlns="" xmlns:p16="http://schemas.microsoft.com/office/powerpoint/2015/main" val="1"/>
+                  <p16:designElem xmlns:p16="http://schemas.microsoft.com/office/powerpoint/2015/main" xmlns="" val="1"/>
                 </p:ext>
               </p:extLst>
             </p:nvPr>
@@ -14612,10 +14624,10 @@
             <p:cNvPr id="4161" name="Freeform 23">
               <a:extLst>
                 <a:ext uri="{FF2B5EF4-FFF2-40B4-BE49-F238E27FC236}">
-                  <a16:creationId xmlns="" xmlns:a16="http://schemas.microsoft.com/office/drawing/2014/main" id="{7738C468-1405-4ED9-8392-F93FA995EE04}"/>
+                  <a16:creationId xmlns:a16="http://schemas.microsoft.com/office/drawing/2014/main" xmlns="" id="{7738C468-1405-4ED9-8392-F93FA995EE04}"/>
                 </a:ext>
                 <a:ext uri="{C183D7F6-B498-43B3-948B-1728B52AA6E4}">
-                  <adec:decorative xmlns="" xmlns:adec="http://schemas.microsoft.com/office/drawing/2017/decorative" val="1"/>
+                  <adec:decorative xmlns:adec="http://schemas.microsoft.com/office/drawing/2017/decorative" xmlns="" val="1"/>
                 </a:ext>
               </a:extLst>
             </p:cNvPr>
@@ -14625,7 +14637,7 @@
             <p:nvPr>
               <p:extLst>
                 <p:ext uri="{386F3935-93C4-4BCD-93E2-E3B085C9AB24}">
-                  <p16:designElem xmlns="" xmlns:p16="http://schemas.microsoft.com/office/powerpoint/2015/main" val="1"/>
+                  <p16:designElem xmlns:p16="http://schemas.microsoft.com/office/powerpoint/2015/main" xmlns="" val="1"/>
                 </p:ext>
               </p:extLst>
             </p:nvPr>
@@ -14705,10 +14717,10 @@
             <p:cNvPr id="4162" name="Freeform 24">
               <a:extLst>
                 <a:ext uri="{FF2B5EF4-FFF2-40B4-BE49-F238E27FC236}">
-                  <a16:creationId xmlns="" xmlns:a16="http://schemas.microsoft.com/office/drawing/2014/main" id="{F16402CF-F511-450A-8584-8C8A5B7E9D9A}"/>
+                  <a16:creationId xmlns:a16="http://schemas.microsoft.com/office/drawing/2014/main" xmlns="" id="{F16402CF-F511-450A-8584-8C8A5B7E9D9A}"/>
                 </a:ext>
                 <a:ext uri="{C183D7F6-B498-43B3-948B-1728B52AA6E4}">
-                  <adec:decorative xmlns="" xmlns:adec="http://schemas.microsoft.com/office/drawing/2017/decorative" val="1"/>
+                  <adec:decorative xmlns:adec="http://schemas.microsoft.com/office/drawing/2017/decorative" xmlns="" val="1"/>
                 </a:ext>
               </a:extLst>
             </p:cNvPr>
@@ -14718,7 +14730,7 @@
             <p:nvPr>
               <p:extLst>
                 <p:ext uri="{386F3935-93C4-4BCD-93E2-E3B085C9AB24}">
-                  <p16:designElem xmlns="" xmlns:p16="http://schemas.microsoft.com/office/powerpoint/2015/main" val="1"/>
+                  <p16:designElem xmlns:p16="http://schemas.microsoft.com/office/powerpoint/2015/main" xmlns="" val="1"/>
                 </p:ext>
               </p:extLst>
             </p:nvPr>
@@ -14798,10 +14810,10 @@
             <p:cNvPr id="4163" name="Freeform 25">
               <a:extLst>
                 <a:ext uri="{FF2B5EF4-FFF2-40B4-BE49-F238E27FC236}">
-                  <a16:creationId xmlns="" xmlns:a16="http://schemas.microsoft.com/office/drawing/2014/main" id="{85E5B49A-CFC2-4019-9BA6-528095F788CC}"/>
+                  <a16:creationId xmlns:a16="http://schemas.microsoft.com/office/drawing/2014/main" xmlns="" id="{85E5B49A-CFC2-4019-9BA6-528095F788CC}"/>
                 </a:ext>
                 <a:ext uri="{C183D7F6-B498-43B3-948B-1728B52AA6E4}">
-                  <adec:decorative xmlns="" xmlns:adec="http://schemas.microsoft.com/office/drawing/2017/decorative" val="1"/>
+                  <adec:decorative xmlns:adec="http://schemas.microsoft.com/office/drawing/2017/decorative" xmlns="" val="1"/>
                 </a:ext>
               </a:extLst>
             </p:cNvPr>
@@ -14811,7 +14823,7 @@
             <p:nvPr>
               <p:extLst>
                 <p:ext uri="{386F3935-93C4-4BCD-93E2-E3B085C9AB24}">
-                  <p16:designElem xmlns="" xmlns:p16="http://schemas.microsoft.com/office/powerpoint/2015/main" val="1"/>
+                  <p16:designElem xmlns:p16="http://schemas.microsoft.com/office/powerpoint/2015/main" xmlns="" val="1"/>
                 </p:ext>
               </p:extLst>
             </p:nvPr>
@@ -14892,7 +14904,7 @@
           <p:cNvPr id="74" name="TextBox 73">
             <a:extLst>
               <a:ext uri="{FF2B5EF4-FFF2-40B4-BE49-F238E27FC236}">
-                <a16:creationId xmlns="" xmlns:a16="http://schemas.microsoft.com/office/drawing/2014/main" id="{E46097D4-7816-E38C-47EC-C5B0B82B842A}"/>
+                <a16:creationId xmlns:a16="http://schemas.microsoft.com/office/drawing/2014/main" xmlns="" id="{E46097D4-7816-E38C-47EC-C5B0B82B842A}"/>
               </a:ext>
             </a:extLst>
           </p:cNvPr>
@@ -15199,10 +15211,10 @@
           <p:cNvPr id="4142" name="Group 4141">
             <a:extLst>
               <a:ext uri="{FF2B5EF4-FFF2-40B4-BE49-F238E27FC236}">
-                <a16:creationId xmlns="" xmlns:a16="http://schemas.microsoft.com/office/drawing/2014/main" id="{6C272060-BC98-4C91-A58F-4DFEC566CF7F}"/>
+                <a16:creationId xmlns:a16="http://schemas.microsoft.com/office/drawing/2014/main" xmlns="" id="{6C272060-BC98-4C91-A58F-4DFEC566CF7F}"/>
               </a:ext>
               <a:ext uri="{C183D7F6-B498-43B3-948B-1728B52AA6E4}">
-                <adec:decorative xmlns="" xmlns:adec="http://schemas.microsoft.com/office/drawing/2017/decorative" val="1"/>
+                <adec:decorative xmlns:adec="http://schemas.microsoft.com/office/drawing/2017/decorative" xmlns="" val="1"/>
               </a:ext>
             </a:extLst>
           </p:cNvPr>
@@ -15212,7 +15224,7 @@
           <p:nvPr>
             <p:extLst>
               <p:ext uri="{386F3935-93C4-4BCD-93E2-E3B085C9AB24}">
-                <p16:designElem xmlns="" xmlns:p16="http://schemas.microsoft.com/office/powerpoint/2015/main" val="1"/>
+                <p16:designElem xmlns:p16="http://schemas.microsoft.com/office/powerpoint/2015/main" xmlns="" val="1"/>
               </p:ext>
             </p:extLst>
           </p:nvPr>
@@ -15230,10 +15242,10 @@
             <p:cNvPr id="4143" name="Freeform 5">
               <a:extLst>
                 <a:ext uri="{FF2B5EF4-FFF2-40B4-BE49-F238E27FC236}">
-                  <a16:creationId xmlns="" xmlns:a16="http://schemas.microsoft.com/office/drawing/2014/main" id="{8BA2DCB9-0DC0-4109-B2A2-56896E35E664}"/>
+                  <a16:creationId xmlns:a16="http://schemas.microsoft.com/office/drawing/2014/main" xmlns="" id="{8BA2DCB9-0DC0-4109-B2A2-56896E35E664}"/>
                 </a:ext>
                 <a:ext uri="{C183D7F6-B498-43B3-948B-1728B52AA6E4}">
-                  <adec:decorative xmlns="" xmlns:adec="http://schemas.microsoft.com/office/drawing/2017/decorative" val="1"/>
+                  <adec:decorative xmlns:adec="http://schemas.microsoft.com/office/drawing/2017/decorative" xmlns="" val="1"/>
                 </a:ext>
               </a:extLst>
             </p:cNvPr>
@@ -15243,7 +15255,7 @@
             <p:nvPr>
               <p:extLst>
                 <p:ext uri="{386F3935-93C4-4BCD-93E2-E3B085C9AB24}">
-                  <p16:designElem xmlns="" xmlns:p16="http://schemas.microsoft.com/office/powerpoint/2015/main" val="1"/>
+                  <p16:designElem xmlns:p16="http://schemas.microsoft.com/office/powerpoint/2015/main" xmlns="" val="1"/>
                 </p:ext>
               </p:extLst>
             </p:nvPr>
@@ -15323,10 +15335,10 @@
             <p:cNvPr id="4144" name="Freeform 6">
               <a:extLst>
                 <a:ext uri="{FF2B5EF4-FFF2-40B4-BE49-F238E27FC236}">
-                  <a16:creationId xmlns="" xmlns:a16="http://schemas.microsoft.com/office/drawing/2014/main" id="{64A33555-1142-4AD7-8084-1A99422A1186}"/>
+                  <a16:creationId xmlns:a16="http://schemas.microsoft.com/office/drawing/2014/main" xmlns="" id="{64A33555-1142-4AD7-8084-1A99422A1186}"/>
                 </a:ext>
                 <a:ext uri="{C183D7F6-B498-43B3-948B-1728B52AA6E4}">
-                  <adec:decorative xmlns="" xmlns:adec="http://schemas.microsoft.com/office/drawing/2017/decorative" val="1"/>
+                  <adec:decorative xmlns:adec="http://schemas.microsoft.com/office/drawing/2017/decorative" xmlns="" val="1"/>
                 </a:ext>
               </a:extLst>
             </p:cNvPr>
@@ -15336,7 +15348,7 @@
             <p:nvPr>
               <p:extLst>
                 <p:ext uri="{386F3935-93C4-4BCD-93E2-E3B085C9AB24}">
-                  <p16:designElem xmlns="" xmlns:p16="http://schemas.microsoft.com/office/powerpoint/2015/main" val="1"/>
+                  <p16:designElem xmlns:p16="http://schemas.microsoft.com/office/powerpoint/2015/main" xmlns="" val="1"/>
                 </p:ext>
               </p:extLst>
             </p:nvPr>
@@ -15416,10 +15428,10 @@
             <p:cNvPr id="4145" name="Freeform 7">
               <a:extLst>
                 <a:ext uri="{FF2B5EF4-FFF2-40B4-BE49-F238E27FC236}">
-                  <a16:creationId xmlns="" xmlns:a16="http://schemas.microsoft.com/office/drawing/2014/main" id="{BC6E4081-1A88-453E-8CCF-B97B0CE20DF4}"/>
+                  <a16:creationId xmlns:a16="http://schemas.microsoft.com/office/drawing/2014/main" xmlns="" id="{BC6E4081-1A88-453E-8CCF-B97B0CE20DF4}"/>
                 </a:ext>
                 <a:ext uri="{C183D7F6-B498-43B3-948B-1728B52AA6E4}">
-                  <adec:decorative xmlns="" xmlns:adec="http://schemas.microsoft.com/office/drawing/2017/decorative" val="1"/>
+                  <adec:decorative xmlns:adec="http://schemas.microsoft.com/office/drawing/2017/decorative" xmlns="" val="1"/>
                 </a:ext>
               </a:extLst>
             </p:cNvPr>
@@ -15429,7 +15441,7 @@
             <p:nvPr>
               <p:extLst>
                 <p:ext uri="{386F3935-93C4-4BCD-93E2-E3B085C9AB24}">
-                  <p16:designElem xmlns="" xmlns:p16="http://schemas.microsoft.com/office/powerpoint/2015/main" val="1"/>
+                  <p16:designElem xmlns:p16="http://schemas.microsoft.com/office/powerpoint/2015/main" xmlns="" val="1"/>
                 </p:ext>
               </p:extLst>
             </p:nvPr>
@@ -15509,10 +15521,10 @@
             <p:cNvPr id="4146" name="Freeform 8">
               <a:extLst>
                 <a:ext uri="{FF2B5EF4-FFF2-40B4-BE49-F238E27FC236}">
-                  <a16:creationId xmlns="" xmlns:a16="http://schemas.microsoft.com/office/drawing/2014/main" id="{5B7E0935-6EE8-4C61-AED5-09B9A2A99AF0}"/>
+                  <a16:creationId xmlns:a16="http://schemas.microsoft.com/office/drawing/2014/main" xmlns="" id="{5B7E0935-6EE8-4C61-AED5-09B9A2A99AF0}"/>
                 </a:ext>
                 <a:ext uri="{C183D7F6-B498-43B3-948B-1728B52AA6E4}">
-                  <adec:decorative xmlns="" xmlns:adec="http://schemas.microsoft.com/office/drawing/2017/decorative" val="1"/>
+                  <adec:decorative xmlns:adec="http://schemas.microsoft.com/office/drawing/2017/decorative" xmlns="" val="1"/>
                 </a:ext>
               </a:extLst>
             </p:cNvPr>
@@ -15522,7 +15534,7 @@
             <p:nvPr>
               <p:extLst>
                 <p:ext uri="{386F3935-93C4-4BCD-93E2-E3B085C9AB24}">
-                  <p16:designElem xmlns="" xmlns:p16="http://schemas.microsoft.com/office/powerpoint/2015/main" val="1"/>
+                  <p16:designElem xmlns:p16="http://schemas.microsoft.com/office/powerpoint/2015/main" xmlns="" val="1"/>
                 </p:ext>
               </p:extLst>
             </p:nvPr>
@@ -15602,10 +15614,10 @@
             <p:cNvPr id="4147" name="Freeform 9">
               <a:extLst>
                 <a:ext uri="{FF2B5EF4-FFF2-40B4-BE49-F238E27FC236}">
-                  <a16:creationId xmlns="" xmlns:a16="http://schemas.microsoft.com/office/drawing/2014/main" id="{EB962BD6-C878-48FF-A75E-DCC7BDA3C33C}"/>
+                  <a16:creationId xmlns:a16="http://schemas.microsoft.com/office/drawing/2014/main" xmlns="" id="{EB962BD6-C878-48FF-A75E-DCC7BDA3C33C}"/>
                 </a:ext>
                 <a:ext uri="{C183D7F6-B498-43B3-948B-1728B52AA6E4}">
-                  <adec:decorative xmlns="" xmlns:adec="http://schemas.microsoft.com/office/drawing/2017/decorative" val="1"/>
+                  <adec:decorative xmlns:adec="http://schemas.microsoft.com/office/drawing/2017/decorative" xmlns="" val="1"/>
                 </a:ext>
               </a:extLst>
             </p:cNvPr>
@@ -15615,7 +15627,7 @@
             <p:nvPr>
               <p:extLst>
                 <p:ext uri="{386F3935-93C4-4BCD-93E2-E3B085C9AB24}">
-                  <p16:designElem xmlns="" xmlns:p16="http://schemas.microsoft.com/office/powerpoint/2015/main" val="1"/>
+                  <p16:designElem xmlns:p16="http://schemas.microsoft.com/office/powerpoint/2015/main" xmlns="" val="1"/>
                 </p:ext>
               </p:extLst>
             </p:nvPr>
@@ -15695,10 +15707,10 @@
             <p:cNvPr id="4148" name="Freeform 10">
               <a:extLst>
                 <a:ext uri="{FF2B5EF4-FFF2-40B4-BE49-F238E27FC236}">
-                  <a16:creationId xmlns="" xmlns:a16="http://schemas.microsoft.com/office/drawing/2014/main" id="{CABF3786-BDE1-4FE5-9967-F6B6131A2CF0}"/>
+                  <a16:creationId xmlns:a16="http://schemas.microsoft.com/office/drawing/2014/main" xmlns="" id="{CABF3786-BDE1-4FE5-9967-F6B6131A2CF0}"/>
                 </a:ext>
                 <a:ext uri="{C183D7F6-B498-43B3-948B-1728B52AA6E4}">
-                  <adec:decorative xmlns="" xmlns:adec="http://schemas.microsoft.com/office/drawing/2017/decorative" val="1"/>
+                  <adec:decorative xmlns:adec="http://schemas.microsoft.com/office/drawing/2017/decorative" xmlns="" val="1"/>
                 </a:ext>
               </a:extLst>
             </p:cNvPr>
@@ -15708,7 +15720,7 @@
             <p:nvPr>
               <p:extLst>
                 <p:ext uri="{386F3935-93C4-4BCD-93E2-E3B085C9AB24}">
-                  <p16:designElem xmlns="" xmlns:p16="http://schemas.microsoft.com/office/powerpoint/2015/main" val="1"/>
+                  <p16:designElem xmlns:p16="http://schemas.microsoft.com/office/powerpoint/2015/main" xmlns="" val="1"/>
                 </p:ext>
               </p:extLst>
             </p:nvPr>
@@ -15788,10 +15800,10 @@
             <p:cNvPr id="4149" name="Freeform 11">
               <a:extLst>
                 <a:ext uri="{FF2B5EF4-FFF2-40B4-BE49-F238E27FC236}">
-                  <a16:creationId xmlns="" xmlns:a16="http://schemas.microsoft.com/office/drawing/2014/main" id="{4969707A-C75E-4F7F-A5C2-2991C6547550}"/>
+                  <a16:creationId xmlns:a16="http://schemas.microsoft.com/office/drawing/2014/main" xmlns="" id="{4969707A-C75E-4F7F-A5C2-2991C6547550}"/>
                 </a:ext>
                 <a:ext uri="{C183D7F6-B498-43B3-948B-1728B52AA6E4}">
-                  <adec:decorative xmlns="" xmlns:adec="http://schemas.microsoft.com/office/drawing/2017/decorative" val="1"/>
+                  <adec:decorative xmlns:adec="http://schemas.microsoft.com/office/drawing/2017/decorative" xmlns="" val="1"/>
                 </a:ext>
               </a:extLst>
             </p:cNvPr>
@@ -15801,7 +15813,7 @@
             <p:nvPr>
               <p:extLst>
                 <p:ext uri="{386F3935-93C4-4BCD-93E2-E3B085C9AB24}">
-                  <p16:designElem xmlns="" xmlns:p16="http://schemas.microsoft.com/office/powerpoint/2015/main" val="1"/>
+                  <p16:designElem xmlns:p16="http://schemas.microsoft.com/office/powerpoint/2015/main" xmlns="" val="1"/>
                 </p:ext>
               </p:extLst>
             </p:nvPr>
@@ -15881,10 +15893,10 @@
             <p:cNvPr id="4150" name="Freeform 12">
               <a:extLst>
                 <a:ext uri="{FF2B5EF4-FFF2-40B4-BE49-F238E27FC236}">
-                  <a16:creationId xmlns="" xmlns:a16="http://schemas.microsoft.com/office/drawing/2014/main" id="{0E293989-8389-48CD-85D3-CAEFD5E96370}"/>
+                  <a16:creationId xmlns:a16="http://schemas.microsoft.com/office/drawing/2014/main" xmlns="" id="{0E293989-8389-48CD-85D3-CAEFD5E96370}"/>
                 </a:ext>
                 <a:ext uri="{C183D7F6-B498-43B3-948B-1728B52AA6E4}">
-                  <adec:decorative xmlns="" xmlns:adec="http://schemas.microsoft.com/office/drawing/2017/decorative" val="1"/>
+                  <adec:decorative xmlns:adec="http://schemas.microsoft.com/office/drawing/2017/decorative" xmlns="" val="1"/>
                 </a:ext>
               </a:extLst>
             </p:cNvPr>
@@ -15894,7 +15906,7 @@
             <p:nvPr>
               <p:extLst>
                 <p:ext uri="{386F3935-93C4-4BCD-93E2-E3B085C9AB24}">
-                  <p16:designElem xmlns="" xmlns:p16="http://schemas.microsoft.com/office/powerpoint/2015/main" val="1"/>
+                  <p16:designElem xmlns:p16="http://schemas.microsoft.com/office/powerpoint/2015/main" xmlns="" val="1"/>
                 </p:ext>
               </p:extLst>
             </p:nvPr>
@@ -15974,10 +15986,10 @@
             <p:cNvPr id="4151" name="Freeform 13">
               <a:extLst>
                 <a:ext uri="{FF2B5EF4-FFF2-40B4-BE49-F238E27FC236}">
-                  <a16:creationId xmlns="" xmlns:a16="http://schemas.microsoft.com/office/drawing/2014/main" id="{8DCF1E8B-9247-45E2-8641-90DA9F7D5252}"/>
+                  <a16:creationId xmlns:a16="http://schemas.microsoft.com/office/drawing/2014/main" xmlns="" id="{8DCF1E8B-9247-45E2-8641-90DA9F7D5252}"/>
                 </a:ext>
                 <a:ext uri="{C183D7F6-B498-43B3-948B-1728B52AA6E4}">
-                  <adec:decorative xmlns="" xmlns:adec="http://schemas.microsoft.com/office/drawing/2017/decorative" val="1"/>
+                  <adec:decorative xmlns:adec="http://schemas.microsoft.com/office/drawing/2017/decorative" xmlns="" val="1"/>
                 </a:ext>
               </a:extLst>
             </p:cNvPr>
@@ -15987,7 +15999,7 @@
             <p:nvPr>
               <p:extLst>
                 <p:ext uri="{386F3935-93C4-4BCD-93E2-E3B085C9AB24}">
-                  <p16:designElem xmlns="" xmlns:p16="http://schemas.microsoft.com/office/powerpoint/2015/main" val="1"/>
+                  <p16:designElem xmlns:p16="http://schemas.microsoft.com/office/powerpoint/2015/main" xmlns="" val="1"/>
                 </p:ext>
               </p:extLst>
             </p:nvPr>
@@ -16067,10 +16079,10 @@
             <p:cNvPr id="4152" name="Freeform 14">
               <a:extLst>
                 <a:ext uri="{FF2B5EF4-FFF2-40B4-BE49-F238E27FC236}">
-                  <a16:creationId xmlns="" xmlns:a16="http://schemas.microsoft.com/office/drawing/2014/main" id="{48DF418F-91AD-4E55-AF3B-F28FF45961B4}"/>
+                  <a16:creationId xmlns:a16="http://schemas.microsoft.com/office/drawing/2014/main" xmlns="" id="{48DF418F-91AD-4E55-AF3B-F28FF45961B4}"/>
                 </a:ext>
                 <a:ext uri="{C183D7F6-B498-43B3-948B-1728B52AA6E4}">
-                  <adec:decorative xmlns="" xmlns:adec="http://schemas.microsoft.com/office/drawing/2017/decorative" val="1"/>
+                  <adec:decorative xmlns:adec="http://schemas.microsoft.com/office/drawing/2017/decorative" xmlns="" val="1"/>
                 </a:ext>
               </a:extLst>
             </p:cNvPr>
@@ -16080,7 +16092,7 @@
             <p:nvPr>
               <p:extLst>
                 <p:ext uri="{386F3935-93C4-4BCD-93E2-E3B085C9AB24}">
-                  <p16:designElem xmlns="" xmlns:p16="http://schemas.microsoft.com/office/powerpoint/2015/main" val="1"/>
+                  <p16:designElem xmlns:p16="http://schemas.microsoft.com/office/powerpoint/2015/main" xmlns="" val="1"/>
                 </p:ext>
               </p:extLst>
             </p:nvPr>
@@ -16160,10 +16172,10 @@
             <p:cNvPr id="4153" name="Freeform 15">
               <a:extLst>
                 <a:ext uri="{FF2B5EF4-FFF2-40B4-BE49-F238E27FC236}">
-                  <a16:creationId xmlns="" xmlns:a16="http://schemas.microsoft.com/office/drawing/2014/main" id="{EDBF35BD-D1DA-49B1-AE30-289189DACD51}"/>
+                  <a16:creationId xmlns:a16="http://schemas.microsoft.com/office/drawing/2014/main" xmlns="" id="{EDBF35BD-D1DA-49B1-AE30-289189DACD51}"/>
                 </a:ext>
                 <a:ext uri="{C183D7F6-B498-43B3-948B-1728B52AA6E4}">
-                  <adec:decorative xmlns="" xmlns:adec="http://schemas.microsoft.com/office/drawing/2017/decorative" val="1"/>
+                  <adec:decorative xmlns:adec="http://schemas.microsoft.com/office/drawing/2017/decorative" xmlns="" val="1"/>
                 </a:ext>
               </a:extLst>
             </p:cNvPr>
@@ -16173,7 +16185,7 @@
             <p:nvPr>
               <p:extLst>
                 <p:ext uri="{386F3935-93C4-4BCD-93E2-E3B085C9AB24}">
-                  <p16:designElem xmlns="" xmlns:p16="http://schemas.microsoft.com/office/powerpoint/2015/main" val="1"/>
+                  <p16:designElem xmlns:p16="http://schemas.microsoft.com/office/powerpoint/2015/main" xmlns="" val="1"/>
                 </p:ext>
               </p:extLst>
             </p:nvPr>
@@ -16253,10 +16265,10 @@
             <p:cNvPr id="4154" name="Freeform 16">
               <a:extLst>
                 <a:ext uri="{FF2B5EF4-FFF2-40B4-BE49-F238E27FC236}">
-                  <a16:creationId xmlns="" xmlns:a16="http://schemas.microsoft.com/office/drawing/2014/main" id="{69198BEC-A3B6-4562-AB0F-3E7760026C43}"/>
+                  <a16:creationId xmlns:a16="http://schemas.microsoft.com/office/drawing/2014/main" xmlns="" id="{69198BEC-A3B6-4562-AB0F-3E7760026C43}"/>
                 </a:ext>
                 <a:ext uri="{C183D7F6-B498-43B3-948B-1728B52AA6E4}">
-                  <adec:decorative xmlns="" xmlns:adec="http://schemas.microsoft.com/office/drawing/2017/decorative" val="1"/>
+                  <adec:decorative xmlns:adec="http://schemas.microsoft.com/office/drawing/2017/decorative" xmlns="" val="1"/>
                 </a:ext>
               </a:extLst>
             </p:cNvPr>
@@ -16266,7 +16278,7 @@
             <p:nvPr>
               <p:extLst>
                 <p:ext uri="{386F3935-93C4-4BCD-93E2-E3B085C9AB24}">
-                  <p16:designElem xmlns="" xmlns:p16="http://schemas.microsoft.com/office/powerpoint/2015/main" val="1"/>
+                  <p16:designElem xmlns:p16="http://schemas.microsoft.com/office/powerpoint/2015/main" xmlns="" val="1"/>
                 </p:ext>
               </p:extLst>
             </p:nvPr>
@@ -16346,10 +16358,10 @@
             <p:cNvPr id="4155" name="Freeform 17">
               <a:extLst>
                 <a:ext uri="{FF2B5EF4-FFF2-40B4-BE49-F238E27FC236}">
-                  <a16:creationId xmlns="" xmlns:a16="http://schemas.microsoft.com/office/drawing/2014/main" id="{9AB30D45-77AB-4323-83A2-1A637D07D54A}"/>
+                  <a16:creationId xmlns:a16="http://schemas.microsoft.com/office/drawing/2014/main" xmlns="" id="{9AB30D45-77AB-4323-83A2-1A637D07D54A}"/>
                 </a:ext>
                 <a:ext uri="{C183D7F6-B498-43B3-948B-1728B52AA6E4}">
-                  <adec:decorative xmlns="" xmlns:adec="http://schemas.microsoft.com/office/drawing/2017/decorative" val="1"/>
+                  <adec:decorative xmlns:adec="http://schemas.microsoft.com/office/drawing/2017/decorative" xmlns="" val="1"/>
                 </a:ext>
               </a:extLst>
             </p:cNvPr>
@@ -16359,7 +16371,7 @@
             <p:nvPr>
               <p:extLst>
                 <p:ext uri="{386F3935-93C4-4BCD-93E2-E3B085C9AB24}">
-                  <p16:designElem xmlns="" xmlns:p16="http://schemas.microsoft.com/office/powerpoint/2015/main" val="1"/>
+                  <p16:designElem xmlns:p16="http://schemas.microsoft.com/office/powerpoint/2015/main" xmlns="" val="1"/>
                 </p:ext>
               </p:extLst>
             </p:nvPr>
@@ -16439,10 +16451,10 @@
             <p:cNvPr id="4156" name="Freeform 18">
               <a:extLst>
                 <a:ext uri="{FF2B5EF4-FFF2-40B4-BE49-F238E27FC236}">
-                  <a16:creationId xmlns="" xmlns:a16="http://schemas.microsoft.com/office/drawing/2014/main" id="{D1AD137E-7B63-434C-9D0D-5A64BB496859}"/>
+                  <a16:creationId xmlns:a16="http://schemas.microsoft.com/office/drawing/2014/main" xmlns="" id="{D1AD137E-7B63-434C-9D0D-5A64BB496859}"/>
                 </a:ext>
                 <a:ext uri="{C183D7F6-B498-43B3-948B-1728B52AA6E4}">
-                  <adec:decorative xmlns="" xmlns:adec="http://schemas.microsoft.com/office/drawing/2017/decorative" val="1"/>
+                  <adec:decorative xmlns:adec="http://schemas.microsoft.com/office/drawing/2017/decorative" xmlns="" val="1"/>
                 </a:ext>
               </a:extLst>
             </p:cNvPr>
@@ -16452,7 +16464,7 @@
             <p:nvPr>
               <p:extLst>
                 <p:ext uri="{386F3935-93C4-4BCD-93E2-E3B085C9AB24}">
-                  <p16:designElem xmlns="" xmlns:p16="http://schemas.microsoft.com/office/powerpoint/2015/main" val="1"/>
+                  <p16:designElem xmlns:p16="http://schemas.microsoft.com/office/powerpoint/2015/main" xmlns="" val="1"/>
                 </p:ext>
               </p:extLst>
             </p:nvPr>
@@ -16532,10 +16544,10 @@
             <p:cNvPr id="4157" name="Freeform 19">
               <a:extLst>
                 <a:ext uri="{FF2B5EF4-FFF2-40B4-BE49-F238E27FC236}">
-                  <a16:creationId xmlns="" xmlns:a16="http://schemas.microsoft.com/office/drawing/2014/main" id="{8B32BE2D-36DC-4BD0-952E-8FE32A70DB88}"/>
+                  <a16:creationId xmlns:a16="http://schemas.microsoft.com/office/drawing/2014/main" xmlns="" id="{8B32BE2D-36DC-4BD0-952E-8FE32A70DB88}"/>
                 </a:ext>
                 <a:ext uri="{C183D7F6-B498-43B3-948B-1728B52AA6E4}">
-                  <adec:decorative xmlns="" xmlns:adec="http://schemas.microsoft.com/office/drawing/2017/decorative" val="1"/>
+                  <adec:decorative xmlns:adec="http://schemas.microsoft.com/office/drawing/2017/decorative" xmlns="" val="1"/>
                 </a:ext>
               </a:extLst>
             </p:cNvPr>
@@ -16545,7 +16557,7 @@
             <p:nvPr>
               <p:extLst>
                 <p:ext uri="{386F3935-93C4-4BCD-93E2-E3B085C9AB24}">
-                  <p16:designElem xmlns="" xmlns:p16="http://schemas.microsoft.com/office/powerpoint/2015/main" val="1"/>
+                  <p16:designElem xmlns:p16="http://schemas.microsoft.com/office/powerpoint/2015/main" xmlns="" val="1"/>
                 </p:ext>
               </p:extLst>
             </p:nvPr>
@@ -16625,10 +16637,10 @@
             <p:cNvPr id="4158" name="Freeform 20">
               <a:extLst>
                 <a:ext uri="{FF2B5EF4-FFF2-40B4-BE49-F238E27FC236}">
-                  <a16:creationId xmlns="" xmlns:a16="http://schemas.microsoft.com/office/drawing/2014/main" id="{930295E0-AD01-4DB0-9829-AD91BED608F7}"/>
+                  <a16:creationId xmlns:a16="http://schemas.microsoft.com/office/drawing/2014/main" xmlns="" id="{930295E0-AD01-4DB0-9829-AD91BED608F7}"/>
                 </a:ext>
                 <a:ext uri="{C183D7F6-B498-43B3-948B-1728B52AA6E4}">
-                  <adec:decorative xmlns="" xmlns:adec="http://schemas.microsoft.com/office/drawing/2017/decorative" val="1"/>
+                  <adec:decorative xmlns:adec="http://schemas.microsoft.com/office/drawing/2017/decorative" xmlns="" val="1"/>
                 </a:ext>
               </a:extLst>
             </p:cNvPr>
@@ -16638,7 +16650,7 @@
             <p:nvPr>
               <p:extLst>
                 <p:ext uri="{386F3935-93C4-4BCD-93E2-E3B085C9AB24}">
-                  <p16:designElem xmlns="" xmlns:p16="http://schemas.microsoft.com/office/powerpoint/2015/main" val="1"/>
+                  <p16:designElem xmlns:p16="http://schemas.microsoft.com/office/powerpoint/2015/main" xmlns="" val="1"/>
                 </p:ext>
               </p:extLst>
             </p:nvPr>
@@ -16718,10 +16730,10 @@
             <p:cNvPr id="4159" name="Freeform 21">
               <a:extLst>
                 <a:ext uri="{FF2B5EF4-FFF2-40B4-BE49-F238E27FC236}">
-                  <a16:creationId xmlns="" xmlns:a16="http://schemas.microsoft.com/office/drawing/2014/main" id="{29807E74-6BFD-4EA7-B3F3-92C0728A7D8A}"/>
+                  <a16:creationId xmlns:a16="http://schemas.microsoft.com/office/drawing/2014/main" xmlns="" id="{29807E74-6BFD-4EA7-B3F3-92C0728A7D8A}"/>
                 </a:ext>
                 <a:ext uri="{C183D7F6-B498-43B3-948B-1728B52AA6E4}">
-                  <adec:decorative xmlns="" xmlns:adec="http://schemas.microsoft.com/office/drawing/2017/decorative" val="1"/>
+                  <adec:decorative xmlns:adec="http://schemas.microsoft.com/office/drawing/2017/decorative" xmlns="" val="1"/>
                 </a:ext>
               </a:extLst>
             </p:cNvPr>
@@ -16731,7 +16743,7 @@
             <p:nvPr>
               <p:extLst>
                 <p:ext uri="{386F3935-93C4-4BCD-93E2-E3B085C9AB24}">
-                  <p16:designElem xmlns="" xmlns:p16="http://schemas.microsoft.com/office/powerpoint/2015/main" val="1"/>
+                  <p16:designElem xmlns:p16="http://schemas.microsoft.com/office/powerpoint/2015/main" xmlns="" val="1"/>
                 </p:ext>
               </p:extLst>
             </p:nvPr>
@@ -16811,10 +16823,10 @@
             <p:cNvPr id="4160" name="Freeform 22">
               <a:extLst>
                 <a:ext uri="{FF2B5EF4-FFF2-40B4-BE49-F238E27FC236}">
-                  <a16:creationId xmlns="" xmlns:a16="http://schemas.microsoft.com/office/drawing/2014/main" id="{C9EDBF49-4B87-4B6F-BEE6-DDC4A63CE60D}"/>
+                  <a16:creationId xmlns:a16="http://schemas.microsoft.com/office/drawing/2014/main" xmlns="" id="{C9EDBF49-4B87-4B6F-BEE6-DDC4A63CE60D}"/>
                 </a:ext>
                 <a:ext uri="{C183D7F6-B498-43B3-948B-1728B52AA6E4}">
-                  <adec:decorative xmlns="" xmlns:adec="http://schemas.microsoft.com/office/drawing/2017/decorative" val="1"/>
+                  <adec:decorative xmlns:adec="http://schemas.microsoft.com/office/drawing/2017/decorative" xmlns="" val="1"/>
                 </a:ext>
               </a:extLst>
             </p:cNvPr>
@@ -16824,7 +16836,7 @@
             <p:nvPr>
               <p:extLst>
                 <p:ext uri="{386F3935-93C4-4BCD-93E2-E3B085C9AB24}">
-                  <p16:designElem xmlns="" xmlns:p16="http://schemas.microsoft.com/office/powerpoint/2015/main" val="1"/>
+                  <p16:designElem xmlns:p16="http://schemas.microsoft.com/office/powerpoint/2015/main" xmlns="" val="1"/>
                 </p:ext>
               </p:extLst>
             </p:nvPr>
@@ -16904,10 +16916,10 @@
             <p:cNvPr id="4161" name="Freeform 23">
               <a:extLst>
                 <a:ext uri="{FF2B5EF4-FFF2-40B4-BE49-F238E27FC236}">
-                  <a16:creationId xmlns="" xmlns:a16="http://schemas.microsoft.com/office/drawing/2014/main" id="{7738C468-1405-4ED9-8392-F93FA995EE04}"/>
+                  <a16:creationId xmlns:a16="http://schemas.microsoft.com/office/drawing/2014/main" xmlns="" id="{7738C468-1405-4ED9-8392-F93FA995EE04}"/>
                 </a:ext>
                 <a:ext uri="{C183D7F6-B498-43B3-948B-1728B52AA6E4}">
-                  <adec:decorative xmlns="" xmlns:adec="http://schemas.microsoft.com/office/drawing/2017/decorative" val="1"/>
+                  <adec:decorative xmlns:adec="http://schemas.microsoft.com/office/drawing/2017/decorative" xmlns="" val="1"/>
                 </a:ext>
               </a:extLst>
             </p:cNvPr>
@@ -16917,7 +16929,7 @@
             <p:nvPr>
               <p:extLst>
                 <p:ext uri="{386F3935-93C4-4BCD-93E2-E3B085C9AB24}">
-                  <p16:designElem xmlns="" xmlns:p16="http://schemas.microsoft.com/office/powerpoint/2015/main" val="1"/>
+                  <p16:designElem xmlns:p16="http://schemas.microsoft.com/office/powerpoint/2015/main" xmlns="" val="1"/>
                 </p:ext>
               </p:extLst>
             </p:nvPr>
@@ -16997,10 +17009,10 @@
             <p:cNvPr id="4162" name="Freeform 24">
               <a:extLst>
                 <a:ext uri="{FF2B5EF4-FFF2-40B4-BE49-F238E27FC236}">
-                  <a16:creationId xmlns="" xmlns:a16="http://schemas.microsoft.com/office/drawing/2014/main" id="{F16402CF-F511-450A-8584-8C8A5B7E9D9A}"/>
+                  <a16:creationId xmlns:a16="http://schemas.microsoft.com/office/drawing/2014/main" xmlns="" id="{F16402CF-F511-450A-8584-8C8A5B7E9D9A}"/>
                 </a:ext>
                 <a:ext uri="{C183D7F6-B498-43B3-948B-1728B52AA6E4}">
-                  <adec:decorative xmlns="" xmlns:adec="http://schemas.microsoft.com/office/drawing/2017/decorative" val="1"/>
+                  <adec:decorative xmlns:adec="http://schemas.microsoft.com/office/drawing/2017/decorative" xmlns="" val="1"/>
                 </a:ext>
               </a:extLst>
             </p:cNvPr>
@@ -17010,7 +17022,7 @@
             <p:nvPr>
               <p:extLst>
                 <p:ext uri="{386F3935-93C4-4BCD-93E2-E3B085C9AB24}">
-                  <p16:designElem xmlns="" xmlns:p16="http://schemas.microsoft.com/office/powerpoint/2015/main" val="1"/>
+                  <p16:designElem xmlns:p16="http://schemas.microsoft.com/office/powerpoint/2015/main" xmlns="" val="1"/>
                 </p:ext>
               </p:extLst>
             </p:nvPr>
@@ -17090,10 +17102,10 @@
             <p:cNvPr id="4163" name="Freeform 25">
               <a:extLst>
                 <a:ext uri="{FF2B5EF4-FFF2-40B4-BE49-F238E27FC236}">
-                  <a16:creationId xmlns="" xmlns:a16="http://schemas.microsoft.com/office/drawing/2014/main" id="{85E5B49A-CFC2-4019-9BA6-528095F788CC}"/>
+                  <a16:creationId xmlns:a16="http://schemas.microsoft.com/office/drawing/2014/main" xmlns="" id="{85E5B49A-CFC2-4019-9BA6-528095F788CC}"/>
                 </a:ext>
                 <a:ext uri="{C183D7F6-B498-43B3-948B-1728B52AA6E4}">
-                  <adec:decorative xmlns="" xmlns:adec="http://schemas.microsoft.com/office/drawing/2017/decorative" val="1"/>
+                  <adec:decorative xmlns:adec="http://schemas.microsoft.com/office/drawing/2017/decorative" xmlns="" val="1"/>
                 </a:ext>
               </a:extLst>
             </p:cNvPr>
@@ -17103,7 +17115,7 @@
             <p:nvPr>
               <p:extLst>
                 <p:ext uri="{386F3935-93C4-4BCD-93E2-E3B085C9AB24}">
-                  <p16:designElem xmlns="" xmlns:p16="http://schemas.microsoft.com/office/powerpoint/2015/main" val="1"/>
+                  <p16:designElem xmlns:p16="http://schemas.microsoft.com/office/powerpoint/2015/main" xmlns="" val="1"/>
                 </p:ext>
               </p:extLst>
             </p:nvPr>
@@ -17184,7 +17196,7 @@
           <p:cNvPr id="74" name="TextBox 73">
             <a:extLst>
               <a:ext uri="{FF2B5EF4-FFF2-40B4-BE49-F238E27FC236}">
-                <a16:creationId xmlns="" xmlns:a16="http://schemas.microsoft.com/office/drawing/2014/main" id="{E46097D4-7816-E38C-47EC-C5B0B82B842A}"/>
+                <a16:creationId xmlns:a16="http://schemas.microsoft.com/office/drawing/2014/main" xmlns="" id="{E46097D4-7816-E38C-47EC-C5B0B82B842A}"/>
               </a:ext>
             </a:extLst>
           </p:cNvPr>
@@ -17496,10 +17508,10 @@
           <p:cNvPr id="4142" name="Group 4141">
             <a:extLst>
               <a:ext uri="{FF2B5EF4-FFF2-40B4-BE49-F238E27FC236}">
-                <a16:creationId xmlns="" xmlns:a16="http://schemas.microsoft.com/office/drawing/2014/main" id="{6C272060-BC98-4C91-A58F-4DFEC566CF7F}"/>
+                <a16:creationId xmlns:a16="http://schemas.microsoft.com/office/drawing/2014/main" xmlns="" id="{6C272060-BC98-4C91-A58F-4DFEC566CF7F}"/>
               </a:ext>
               <a:ext uri="{C183D7F6-B498-43B3-948B-1728B52AA6E4}">
-                <adec:decorative xmlns="" xmlns:adec="http://schemas.microsoft.com/office/drawing/2017/decorative" val="1"/>
+                <adec:decorative xmlns:adec="http://schemas.microsoft.com/office/drawing/2017/decorative" xmlns="" val="1"/>
               </a:ext>
             </a:extLst>
           </p:cNvPr>
@@ -17509,7 +17521,7 @@
           <p:nvPr>
             <p:extLst>
               <p:ext uri="{386F3935-93C4-4BCD-93E2-E3B085C9AB24}">
-                <p16:designElem xmlns="" xmlns:p16="http://schemas.microsoft.com/office/powerpoint/2015/main" val="1"/>
+                <p16:designElem xmlns:p16="http://schemas.microsoft.com/office/powerpoint/2015/main" xmlns="" val="1"/>
               </p:ext>
             </p:extLst>
           </p:nvPr>
@@ -17527,10 +17539,10 @@
             <p:cNvPr id="4143" name="Freeform 5">
               <a:extLst>
                 <a:ext uri="{FF2B5EF4-FFF2-40B4-BE49-F238E27FC236}">
-                  <a16:creationId xmlns="" xmlns:a16="http://schemas.microsoft.com/office/drawing/2014/main" id="{8BA2DCB9-0DC0-4109-B2A2-56896E35E664}"/>
+                  <a16:creationId xmlns:a16="http://schemas.microsoft.com/office/drawing/2014/main" xmlns="" id="{8BA2DCB9-0DC0-4109-B2A2-56896E35E664}"/>
                 </a:ext>
                 <a:ext uri="{C183D7F6-B498-43B3-948B-1728B52AA6E4}">
-                  <adec:decorative xmlns="" xmlns:adec="http://schemas.microsoft.com/office/drawing/2017/decorative" val="1"/>
+                  <adec:decorative xmlns:adec="http://schemas.microsoft.com/office/drawing/2017/decorative" xmlns="" val="1"/>
                 </a:ext>
               </a:extLst>
             </p:cNvPr>
@@ -17540,7 +17552,7 @@
             <p:nvPr>
               <p:extLst>
                 <p:ext uri="{386F3935-93C4-4BCD-93E2-E3B085C9AB24}">
-                  <p16:designElem xmlns="" xmlns:p16="http://schemas.microsoft.com/office/powerpoint/2015/main" val="1"/>
+                  <p16:designElem xmlns:p16="http://schemas.microsoft.com/office/powerpoint/2015/main" xmlns="" val="1"/>
                 </p:ext>
               </p:extLst>
             </p:nvPr>
@@ -17620,10 +17632,10 @@
             <p:cNvPr id="4144" name="Freeform 6">
               <a:extLst>
                 <a:ext uri="{FF2B5EF4-FFF2-40B4-BE49-F238E27FC236}">
-                  <a16:creationId xmlns="" xmlns:a16="http://schemas.microsoft.com/office/drawing/2014/main" id="{64A33555-1142-4AD7-8084-1A99422A1186}"/>
+                  <a16:creationId xmlns:a16="http://schemas.microsoft.com/office/drawing/2014/main" xmlns="" id="{64A33555-1142-4AD7-8084-1A99422A1186}"/>
                 </a:ext>
                 <a:ext uri="{C183D7F6-B498-43B3-948B-1728B52AA6E4}">
-                  <adec:decorative xmlns="" xmlns:adec="http://schemas.microsoft.com/office/drawing/2017/decorative" val="1"/>
+                  <adec:decorative xmlns:adec="http://schemas.microsoft.com/office/drawing/2017/decorative" xmlns="" val="1"/>
                 </a:ext>
               </a:extLst>
             </p:cNvPr>
@@ -17633,7 +17645,7 @@
             <p:nvPr>
               <p:extLst>
                 <p:ext uri="{386F3935-93C4-4BCD-93E2-E3B085C9AB24}">
-                  <p16:designElem xmlns="" xmlns:p16="http://schemas.microsoft.com/office/powerpoint/2015/main" val="1"/>
+                  <p16:designElem xmlns:p16="http://schemas.microsoft.com/office/powerpoint/2015/main" xmlns="" val="1"/>
                 </p:ext>
               </p:extLst>
             </p:nvPr>
@@ -17713,10 +17725,10 @@
             <p:cNvPr id="4145" name="Freeform 7">
               <a:extLst>
                 <a:ext uri="{FF2B5EF4-FFF2-40B4-BE49-F238E27FC236}">
-                  <a16:creationId xmlns="" xmlns:a16="http://schemas.microsoft.com/office/drawing/2014/main" id="{BC6E4081-1A88-453E-8CCF-B97B0CE20DF4}"/>
+                  <a16:creationId xmlns:a16="http://schemas.microsoft.com/office/drawing/2014/main" xmlns="" id="{BC6E4081-1A88-453E-8CCF-B97B0CE20DF4}"/>
                 </a:ext>
                 <a:ext uri="{C183D7F6-B498-43B3-948B-1728B52AA6E4}">
-                  <adec:decorative xmlns="" xmlns:adec="http://schemas.microsoft.com/office/drawing/2017/decorative" val="1"/>
+                  <adec:decorative xmlns:adec="http://schemas.microsoft.com/office/drawing/2017/decorative" xmlns="" val="1"/>
                 </a:ext>
               </a:extLst>
             </p:cNvPr>
@@ -17726,7 +17738,7 @@
             <p:nvPr>
               <p:extLst>
                 <p:ext uri="{386F3935-93C4-4BCD-93E2-E3B085C9AB24}">
-                  <p16:designElem xmlns="" xmlns:p16="http://schemas.microsoft.com/office/powerpoint/2015/main" val="1"/>
+                  <p16:designElem xmlns:p16="http://schemas.microsoft.com/office/powerpoint/2015/main" xmlns="" val="1"/>
                 </p:ext>
               </p:extLst>
             </p:nvPr>
@@ -17806,10 +17818,10 @@
             <p:cNvPr id="4146" name="Freeform 8">
               <a:extLst>
                 <a:ext uri="{FF2B5EF4-FFF2-40B4-BE49-F238E27FC236}">
-                  <a16:creationId xmlns="" xmlns:a16="http://schemas.microsoft.com/office/drawing/2014/main" id="{5B7E0935-6EE8-4C61-AED5-09B9A2A99AF0}"/>
+                  <a16:creationId xmlns:a16="http://schemas.microsoft.com/office/drawing/2014/main" xmlns="" id="{5B7E0935-6EE8-4C61-AED5-09B9A2A99AF0}"/>
                 </a:ext>
                 <a:ext uri="{C183D7F6-B498-43B3-948B-1728B52AA6E4}">
-                  <adec:decorative xmlns="" xmlns:adec="http://schemas.microsoft.com/office/drawing/2017/decorative" val="1"/>
+                  <adec:decorative xmlns:adec="http://schemas.microsoft.com/office/drawing/2017/decorative" xmlns="" val="1"/>
                 </a:ext>
               </a:extLst>
             </p:cNvPr>
@@ -17819,7 +17831,7 @@
             <p:nvPr>
               <p:extLst>
                 <p:ext uri="{386F3935-93C4-4BCD-93E2-E3B085C9AB24}">
-                  <p16:designElem xmlns="" xmlns:p16="http://schemas.microsoft.com/office/powerpoint/2015/main" val="1"/>
+                  <p16:designElem xmlns:p16="http://schemas.microsoft.com/office/powerpoint/2015/main" xmlns="" val="1"/>
                 </p:ext>
               </p:extLst>
             </p:nvPr>
@@ -17899,10 +17911,10 @@
             <p:cNvPr id="4147" name="Freeform 9">
               <a:extLst>
                 <a:ext uri="{FF2B5EF4-FFF2-40B4-BE49-F238E27FC236}">
-                  <a16:creationId xmlns="" xmlns:a16="http://schemas.microsoft.com/office/drawing/2014/main" id="{EB962BD6-C878-48FF-A75E-DCC7BDA3C33C}"/>
+                  <a16:creationId xmlns:a16="http://schemas.microsoft.com/office/drawing/2014/main" xmlns="" id="{EB962BD6-C878-48FF-A75E-DCC7BDA3C33C}"/>
                 </a:ext>
                 <a:ext uri="{C183D7F6-B498-43B3-948B-1728B52AA6E4}">
-                  <adec:decorative xmlns="" xmlns:adec="http://schemas.microsoft.com/office/drawing/2017/decorative" val="1"/>
+                  <adec:decorative xmlns:adec="http://schemas.microsoft.com/office/drawing/2017/decorative" xmlns="" val="1"/>
                 </a:ext>
               </a:extLst>
             </p:cNvPr>
@@ -17912,7 +17924,7 @@
             <p:nvPr>
               <p:extLst>
                 <p:ext uri="{386F3935-93C4-4BCD-93E2-E3B085C9AB24}">
-                  <p16:designElem xmlns="" xmlns:p16="http://schemas.microsoft.com/office/powerpoint/2015/main" val="1"/>
+                  <p16:designElem xmlns:p16="http://schemas.microsoft.com/office/powerpoint/2015/main" xmlns="" val="1"/>
                 </p:ext>
               </p:extLst>
             </p:nvPr>
@@ -17992,10 +18004,10 @@
             <p:cNvPr id="4148" name="Freeform 10">
               <a:extLst>
                 <a:ext uri="{FF2B5EF4-FFF2-40B4-BE49-F238E27FC236}">
-                  <a16:creationId xmlns="" xmlns:a16="http://schemas.microsoft.com/office/drawing/2014/main" id="{CABF3786-BDE1-4FE5-9967-F6B6131A2CF0}"/>
+                  <a16:creationId xmlns:a16="http://schemas.microsoft.com/office/drawing/2014/main" xmlns="" id="{CABF3786-BDE1-4FE5-9967-F6B6131A2CF0}"/>
                 </a:ext>
                 <a:ext uri="{C183D7F6-B498-43B3-948B-1728B52AA6E4}">
-                  <adec:decorative xmlns="" xmlns:adec="http://schemas.microsoft.com/office/drawing/2017/decorative" val="1"/>
+                  <adec:decorative xmlns:adec="http://schemas.microsoft.com/office/drawing/2017/decorative" xmlns="" val="1"/>
                 </a:ext>
               </a:extLst>
             </p:cNvPr>
@@ -18005,7 +18017,7 @@
             <p:nvPr>
               <p:extLst>
                 <p:ext uri="{386F3935-93C4-4BCD-93E2-E3B085C9AB24}">
-                  <p16:designElem xmlns="" xmlns:p16="http://schemas.microsoft.com/office/powerpoint/2015/main" val="1"/>
+                  <p16:designElem xmlns:p16="http://schemas.microsoft.com/office/powerpoint/2015/main" xmlns="" val="1"/>
                 </p:ext>
               </p:extLst>
             </p:nvPr>
@@ -18085,10 +18097,10 @@
             <p:cNvPr id="4149" name="Freeform 11">
               <a:extLst>
                 <a:ext uri="{FF2B5EF4-FFF2-40B4-BE49-F238E27FC236}">
-                  <a16:creationId xmlns="" xmlns:a16="http://schemas.microsoft.com/office/drawing/2014/main" id="{4969707A-C75E-4F7F-A5C2-2991C6547550}"/>
+                  <a16:creationId xmlns:a16="http://schemas.microsoft.com/office/drawing/2014/main" xmlns="" id="{4969707A-C75E-4F7F-A5C2-2991C6547550}"/>
                 </a:ext>
                 <a:ext uri="{C183D7F6-B498-43B3-948B-1728B52AA6E4}">
-                  <adec:decorative xmlns="" xmlns:adec="http://schemas.microsoft.com/office/drawing/2017/decorative" val="1"/>
+                  <adec:decorative xmlns:adec="http://schemas.microsoft.com/office/drawing/2017/decorative" xmlns="" val="1"/>
                 </a:ext>
               </a:extLst>
             </p:cNvPr>
@@ -18098,7 +18110,7 @@
             <p:nvPr>
               <p:extLst>
                 <p:ext uri="{386F3935-93C4-4BCD-93E2-E3B085C9AB24}">
-                  <p16:designElem xmlns="" xmlns:p16="http://schemas.microsoft.com/office/powerpoint/2015/main" val="1"/>
+                  <p16:designElem xmlns:p16="http://schemas.microsoft.com/office/powerpoint/2015/main" xmlns="" val="1"/>
                 </p:ext>
               </p:extLst>
             </p:nvPr>
@@ -18178,10 +18190,10 @@
             <p:cNvPr id="4150" name="Freeform 12">
               <a:extLst>
                 <a:ext uri="{FF2B5EF4-FFF2-40B4-BE49-F238E27FC236}">
-                  <a16:creationId xmlns="" xmlns:a16="http://schemas.microsoft.com/office/drawing/2014/main" id="{0E293989-8389-48CD-85D3-CAEFD5E96370}"/>
+                  <a16:creationId xmlns:a16="http://schemas.microsoft.com/office/drawing/2014/main" xmlns="" id="{0E293989-8389-48CD-85D3-CAEFD5E96370}"/>
                 </a:ext>
                 <a:ext uri="{C183D7F6-B498-43B3-948B-1728B52AA6E4}">
-                  <adec:decorative xmlns="" xmlns:adec="http://schemas.microsoft.com/office/drawing/2017/decorative" val="1"/>
+                  <adec:decorative xmlns:adec="http://schemas.microsoft.com/office/drawing/2017/decorative" xmlns="" val="1"/>
                 </a:ext>
               </a:extLst>
             </p:cNvPr>
@@ -18191,7 +18203,7 @@
             <p:nvPr>
               <p:extLst>
                 <p:ext uri="{386F3935-93C4-4BCD-93E2-E3B085C9AB24}">
-                  <p16:designElem xmlns="" xmlns:p16="http://schemas.microsoft.com/office/powerpoint/2015/main" val="1"/>
+                  <p16:designElem xmlns:p16="http://schemas.microsoft.com/office/powerpoint/2015/main" xmlns="" val="1"/>
                 </p:ext>
               </p:extLst>
             </p:nvPr>
@@ -18271,10 +18283,10 @@
             <p:cNvPr id="4151" name="Freeform 13">
               <a:extLst>
                 <a:ext uri="{FF2B5EF4-FFF2-40B4-BE49-F238E27FC236}">
-                  <a16:creationId xmlns="" xmlns:a16="http://schemas.microsoft.com/office/drawing/2014/main" id="{8DCF1E8B-9247-45E2-8641-90DA9F7D5252}"/>
+                  <a16:creationId xmlns:a16="http://schemas.microsoft.com/office/drawing/2014/main" xmlns="" id="{8DCF1E8B-9247-45E2-8641-90DA9F7D5252}"/>
                 </a:ext>
                 <a:ext uri="{C183D7F6-B498-43B3-948B-1728B52AA6E4}">
-                  <adec:decorative xmlns="" xmlns:adec="http://schemas.microsoft.com/office/drawing/2017/decorative" val="1"/>
+                  <adec:decorative xmlns:adec="http://schemas.microsoft.com/office/drawing/2017/decorative" xmlns="" val="1"/>
                 </a:ext>
               </a:extLst>
             </p:cNvPr>
@@ -18284,7 +18296,7 @@
             <p:nvPr>
               <p:extLst>
                 <p:ext uri="{386F3935-93C4-4BCD-93E2-E3B085C9AB24}">
-                  <p16:designElem xmlns="" xmlns:p16="http://schemas.microsoft.com/office/powerpoint/2015/main" val="1"/>
+                  <p16:designElem xmlns:p16="http://schemas.microsoft.com/office/powerpoint/2015/main" xmlns="" val="1"/>
                 </p:ext>
               </p:extLst>
             </p:nvPr>
@@ -18364,10 +18376,10 @@
             <p:cNvPr id="4152" name="Freeform 14">
               <a:extLst>
                 <a:ext uri="{FF2B5EF4-FFF2-40B4-BE49-F238E27FC236}">
-                  <a16:creationId xmlns="" xmlns:a16="http://schemas.microsoft.com/office/drawing/2014/main" id="{48DF418F-91AD-4E55-AF3B-F28FF45961B4}"/>
+                  <a16:creationId xmlns:a16="http://schemas.microsoft.com/office/drawing/2014/main" xmlns="" id="{48DF418F-91AD-4E55-AF3B-F28FF45961B4}"/>
                 </a:ext>
                 <a:ext uri="{C183D7F6-B498-43B3-948B-1728B52AA6E4}">
-                  <adec:decorative xmlns="" xmlns:adec="http://schemas.microsoft.com/office/drawing/2017/decorative" val="1"/>
+                  <adec:decorative xmlns:adec="http://schemas.microsoft.com/office/drawing/2017/decorative" xmlns="" val="1"/>
                 </a:ext>
               </a:extLst>
             </p:cNvPr>
@@ -18377,7 +18389,7 @@
             <p:nvPr>
               <p:extLst>
                 <p:ext uri="{386F3935-93C4-4BCD-93E2-E3B085C9AB24}">
-                  <p16:designElem xmlns="" xmlns:p16="http://schemas.microsoft.com/office/powerpoint/2015/main" val="1"/>
+                  <p16:designElem xmlns:p16="http://schemas.microsoft.com/office/powerpoint/2015/main" xmlns="" val="1"/>
                 </p:ext>
               </p:extLst>
             </p:nvPr>
@@ -18457,10 +18469,10 @@
             <p:cNvPr id="4153" name="Freeform 15">
               <a:extLst>
                 <a:ext uri="{FF2B5EF4-FFF2-40B4-BE49-F238E27FC236}">
-                  <a16:creationId xmlns="" xmlns:a16="http://schemas.microsoft.com/office/drawing/2014/main" id="{EDBF35BD-D1DA-49B1-AE30-289189DACD51}"/>
+                  <a16:creationId xmlns:a16="http://schemas.microsoft.com/office/drawing/2014/main" xmlns="" id="{EDBF35BD-D1DA-49B1-AE30-289189DACD51}"/>
                 </a:ext>
                 <a:ext uri="{C183D7F6-B498-43B3-948B-1728B52AA6E4}">
-                  <adec:decorative xmlns="" xmlns:adec="http://schemas.microsoft.com/office/drawing/2017/decorative" val="1"/>
+                  <adec:decorative xmlns:adec="http://schemas.microsoft.com/office/drawing/2017/decorative" xmlns="" val="1"/>
                 </a:ext>
               </a:extLst>
             </p:cNvPr>
@@ -18470,7 +18482,7 @@
             <p:nvPr>
               <p:extLst>
                 <p:ext uri="{386F3935-93C4-4BCD-93E2-E3B085C9AB24}">
-                  <p16:designElem xmlns="" xmlns:p16="http://schemas.microsoft.com/office/powerpoint/2015/main" val="1"/>
+                  <p16:designElem xmlns:p16="http://schemas.microsoft.com/office/powerpoint/2015/main" xmlns="" val="1"/>
                 </p:ext>
               </p:extLst>
             </p:nvPr>
@@ -18550,10 +18562,10 @@
             <p:cNvPr id="4154" name="Freeform 16">
               <a:extLst>
                 <a:ext uri="{FF2B5EF4-FFF2-40B4-BE49-F238E27FC236}">
-                  <a16:creationId xmlns="" xmlns:a16="http://schemas.microsoft.com/office/drawing/2014/main" id="{69198BEC-A3B6-4562-AB0F-3E7760026C43}"/>
+                  <a16:creationId xmlns:a16="http://schemas.microsoft.com/office/drawing/2014/main" xmlns="" id="{69198BEC-A3B6-4562-AB0F-3E7760026C43}"/>
                 </a:ext>
                 <a:ext uri="{C183D7F6-B498-43B3-948B-1728B52AA6E4}">
-                  <adec:decorative xmlns="" xmlns:adec="http://schemas.microsoft.com/office/drawing/2017/decorative" val="1"/>
+                  <adec:decorative xmlns:adec="http://schemas.microsoft.com/office/drawing/2017/decorative" xmlns="" val="1"/>
                 </a:ext>
               </a:extLst>
             </p:cNvPr>
@@ -18563,7 +18575,7 @@
             <p:nvPr>
               <p:extLst>
                 <p:ext uri="{386F3935-93C4-4BCD-93E2-E3B085C9AB24}">
-                  <p16:designElem xmlns="" xmlns:p16="http://schemas.microsoft.com/office/powerpoint/2015/main" val="1"/>
+                  <p16:designElem xmlns:p16="http://schemas.microsoft.com/office/powerpoint/2015/main" xmlns="" val="1"/>
                 </p:ext>
               </p:extLst>
             </p:nvPr>
@@ -18643,10 +18655,10 @@
             <p:cNvPr id="4155" name="Freeform 17">
               <a:extLst>
                 <a:ext uri="{FF2B5EF4-FFF2-40B4-BE49-F238E27FC236}">
-                  <a16:creationId xmlns="" xmlns:a16="http://schemas.microsoft.com/office/drawing/2014/main" id="{9AB30D45-77AB-4323-83A2-1A637D07D54A}"/>
+                  <a16:creationId xmlns:a16="http://schemas.microsoft.com/office/drawing/2014/main" xmlns="" id="{9AB30D45-77AB-4323-83A2-1A637D07D54A}"/>
                 </a:ext>
                 <a:ext uri="{C183D7F6-B498-43B3-948B-1728B52AA6E4}">
-                  <adec:decorative xmlns="" xmlns:adec="http://schemas.microsoft.com/office/drawing/2017/decorative" val="1"/>
+                  <adec:decorative xmlns:adec="http://schemas.microsoft.com/office/drawing/2017/decorative" xmlns="" val="1"/>
                 </a:ext>
               </a:extLst>
             </p:cNvPr>
@@ -18656,7 +18668,7 @@
             <p:nvPr>
               <p:extLst>
                 <p:ext uri="{386F3935-93C4-4BCD-93E2-E3B085C9AB24}">
-                  <p16:designElem xmlns="" xmlns:p16="http://schemas.microsoft.com/office/powerpoint/2015/main" val="1"/>
+                  <p16:designElem xmlns:p16="http://schemas.microsoft.com/office/powerpoint/2015/main" xmlns="" val="1"/>
                 </p:ext>
               </p:extLst>
             </p:nvPr>
@@ -18736,10 +18748,10 @@
             <p:cNvPr id="4156" name="Freeform 18">
               <a:extLst>
                 <a:ext uri="{FF2B5EF4-FFF2-40B4-BE49-F238E27FC236}">
-                  <a16:creationId xmlns="" xmlns:a16="http://schemas.microsoft.com/office/drawing/2014/main" id="{D1AD137E-7B63-434C-9D0D-5A64BB496859}"/>
+                  <a16:creationId xmlns:a16="http://schemas.microsoft.com/office/drawing/2014/main" xmlns="" id="{D1AD137E-7B63-434C-9D0D-5A64BB496859}"/>
                 </a:ext>
                 <a:ext uri="{C183D7F6-B498-43B3-948B-1728B52AA6E4}">
-                  <adec:decorative xmlns="" xmlns:adec="http://schemas.microsoft.com/office/drawing/2017/decorative" val="1"/>
+                  <adec:decorative xmlns:adec="http://schemas.microsoft.com/office/drawing/2017/decorative" xmlns="" val="1"/>
                 </a:ext>
               </a:extLst>
             </p:cNvPr>
@@ -18749,7 +18761,7 @@
             <p:nvPr>
               <p:extLst>
                 <p:ext uri="{386F3935-93C4-4BCD-93E2-E3B085C9AB24}">
-                  <p16:designElem xmlns="" xmlns:p16="http://schemas.microsoft.com/office/powerpoint/2015/main" val="1"/>
+                  <p16:designElem xmlns:p16="http://schemas.microsoft.com/office/powerpoint/2015/main" xmlns="" val="1"/>
                 </p:ext>
               </p:extLst>
             </p:nvPr>
@@ -18829,10 +18841,10 @@
             <p:cNvPr id="4157" name="Freeform 19">
               <a:extLst>
                 <a:ext uri="{FF2B5EF4-FFF2-40B4-BE49-F238E27FC236}">
-                  <a16:creationId xmlns="" xmlns:a16="http://schemas.microsoft.com/office/drawing/2014/main" id="{8B32BE2D-36DC-4BD0-952E-8FE32A70DB88}"/>
+                  <a16:creationId xmlns:a16="http://schemas.microsoft.com/office/drawing/2014/main" xmlns="" id="{8B32BE2D-36DC-4BD0-952E-8FE32A70DB88}"/>
                 </a:ext>
                 <a:ext uri="{C183D7F6-B498-43B3-948B-1728B52AA6E4}">
-                  <adec:decorative xmlns="" xmlns:adec="http://schemas.microsoft.com/office/drawing/2017/decorative" val="1"/>
+                  <adec:decorative xmlns:adec="http://schemas.microsoft.com/office/drawing/2017/decorative" xmlns="" val="1"/>
                 </a:ext>
               </a:extLst>
             </p:cNvPr>
@@ -18842,7 +18854,7 @@
             <p:nvPr>
               <p:extLst>
                 <p:ext uri="{386F3935-93C4-4BCD-93E2-E3B085C9AB24}">
-                  <p16:designElem xmlns="" xmlns:p16="http://schemas.microsoft.com/office/powerpoint/2015/main" val="1"/>
+                  <p16:designElem xmlns:p16="http://schemas.microsoft.com/office/powerpoint/2015/main" xmlns="" val="1"/>
                 </p:ext>
               </p:extLst>
             </p:nvPr>
@@ -18922,10 +18934,10 @@
             <p:cNvPr id="4158" name="Freeform 20">
               <a:extLst>
                 <a:ext uri="{FF2B5EF4-FFF2-40B4-BE49-F238E27FC236}">
-                  <a16:creationId xmlns="" xmlns:a16="http://schemas.microsoft.com/office/drawing/2014/main" id="{930295E0-AD01-4DB0-9829-AD91BED608F7}"/>
+                  <a16:creationId xmlns:a16="http://schemas.microsoft.com/office/drawing/2014/main" xmlns="" id="{930295E0-AD01-4DB0-9829-AD91BED608F7}"/>
                 </a:ext>
                 <a:ext uri="{C183D7F6-B498-43B3-948B-1728B52AA6E4}">
-                  <adec:decorative xmlns="" xmlns:adec="http://schemas.microsoft.com/office/drawing/2017/decorative" val="1"/>
+                  <adec:decorative xmlns:adec="http://schemas.microsoft.com/office/drawing/2017/decorative" xmlns="" val="1"/>
                 </a:ext>
               </a:extLst>
             </p:cNvPr>
@@ -18935,7 +18947,7 @@
             <p:nvPr>
               <p:extLst>
                 <p:ext uri="{386F3935-93C4-4BCD-93E2-E3B085C9AB24}">
-                  <p16:designElem xmlns="" xmlns:p16="http://schemas.microsoft.com/office/powerpoint/2015/main" val="1"/>
+                  <p16:designElem xmlns:p16="http://schemas.microsoft.com/office/powerpoint/2015/main" xmlns="" val="1"/>
                 </p:ext>
               </p:extLst>
             </p:nvPr>
@@ -19015,10 +19027,10 @@
             <p:cNvPr id="4159" name="Freeform 21">
               <a:extLst>
                 <a:ext uri="{FF2B5EF4-FFF2-40B4-BE49-F238E27FC236}">
-                  <a16:creationId xmlns="" xmlns:a16="http://schemas.microsoft.com/office/drawing/2014/main" id="{29807E74-6BFD-4EA7-B3F3-92C0728A7D8A}"/>
+                  <a16:creationId xmlns:a16="http://schemas.microsoft.com/office/drawing/2014/main" xmlns="" id="{29807E74-6BFD-4EA7-B3F3-92C0728A7D8A}"/>
                 </a:ext>
                 <a:ext uri="{C183D7F6-B498-43B3-948B-1728B52AA6E4}">
-                  <adec:decorative xmlns="" xmlns:adec="http://schemas.microsoft.com/office/drawing/2017/decorative" val="1"/>
+                  <adec:decorative xmlns:adec="http://schemas.microsoft.com/office/drawing/2017/decorative" xmlns="" val="1"/>
                 </a:ext>
               </a:extLst>
             </p:cNvPr>
@@ -19028,7 +19040,7 @@
             <p:nvPr>
               <p:extLst>
                 <p:ext uri="{386F3935-93C4-4BCD-93E2-E3B085C9AB24}">
-                  <p16:designElem xmlns="" xmlns:p16="http://schemas.microsoft.com/office/powerpoint/2015/main" val="1"/>
+                  <p16:designElem xmlns:p16="http://schemas.microsoft.com/office/powerpoint/2015/main" xmlns="" val="1"/>
                 </p:ext>
               </p:extLst>
             </p:nvPr>
@@ -19108,10 +19120,10 @@
             <p:cNvPr id="4160" name="Freeform 22">
               <a:extLst>
                 <a:ext uri="{FF2B5EF4-FFF2-40B4-BE49-F238E27FC236}">
-                  <a16:creationId xmlns="" xmlns:a16="http://schemas.microsoft.com/office/drawing/2014/main" id="{C9EDBF49-4B87-4B6F-BEE6-DDC4A63CE60D}"/>
+                  <a16:creationId xmlns:a16="http://schemas.microsoft.com/office/drawing/2014/main" xmlns="" id="{C9EDBF49-4B87-4B6F-BEE6-DDC4A63CE60D}"/>
                 </a:ext>
                 <a:ext uri="{C183D7F6-B498-43B3-948B-1728B52AA6E4}">
-                  <adec:decorative xmlns="" xmlns:adec="http://schemas.microsoft.com/office/drawing/2017/decorative" val="1"/>
+                  <adec:decorative xmlns:adec="http://schemas.microsoft.com/office/drawing/2017/decorative" xmlns="" val="1"/>
                 </a:ext>
               </a:extLst>
             </p:cNvPr>
@@ -19121,7 +19133,7 @@
             <p:nvPr>
               <p:extLst>
                 <p:ext uri="{386F3935-93C4-4BCD-93E2-E3B085C9AB24}">
-                  <p16:designElem xmlns="" xmlns:p16="http://schemas.microsoft.com/office/powerpoint/2015/main" val="1"/>
+                  <p16:designElem xmlns:p16="http://schemas.microsoft.com/office/powerpoint/2015/main" xmlns="" val="1"/>
                 </p:ext>
               </p:extLst>
             </p:nvPr>
@@ -19201,10 +19213,10 @@
             <p:cNvPr id="4161" name="Freeform 23">
               <a:extLst>
                 <a:ext uri="{FF2B5EF4-FFF2-40B4-BE49-F238E27FC236}">
-                  <a16:creationId xmlns="" xmlns:a16="http://schemas.microsoft.com/office/drawing/2014/main" id="{7738C468-1405-4ED9-8392-F93FA995EE04}"/>
+                  <a16:creationId xmlns:a16="http://schemas.microsoft.com/office/drawing/2014/main" xmlns="" id="{7738C468-1405-4ED9-8392-F93FA995EE04}"/>
                 </a:ext>
                 <a:ext uri="{C183D7F6-B498-43B3-948B-1728B52AA6E4}">
-                  <adec:decorative xmlns="" xmlns:adec="http://schemas.microsoft.com/office/drawing/2017/decorative" val="1"/>
+                  <adec:decorative xmlns:adec="http://schemas.microsoft.com/office/drawing/2017/decorative" xmlns="" val="1"/>
                 </a:ext>
               </a:extLst>
             </p:cNvPr>
@@ -19214,7 +19226,7 @@
             <p:nvPr>
               <p:extLst>
                 <p:ext uri="{386F3935-93C4-4BCD-93E2-E3B085C9AB24}">
-                  <p16:designElem xmlns="" xmlns:p16="http://schemas.microsoft.com/office/powerpoint/2015/main" val="1"/>
+                  <p16:designElem xmlns:p16="http://schemas.microsoft.com/office/powerpoint/2015/main" xmlns="" val="1"/>
                 </p:ext>
               </p:extLst>
             </p:nvPr>
@@ -19294,10 +19306,10 @@
             <p:cNvPr id="4162" name="Freeform 24">
               <a:extLst>
                 <a:ext uri="{FF2B5EF4-FFF2-40B4-BE49-F238E27FC236}">
-                  <a16:creationId xmlns="" xmlns:a16="http://schemas.microsoft.com/office/drawing/2014/main" id="{F16402CF-F511-450A-8584-8C8A5B7E9D9A}"/>
+                  <a16:creationId xmlns:a16="http://schemas.microsoft.com/office/drawing/2014/main" xmlns="" id="{F16402CF-F511-450A-8584-8C8A5B7E9D9A}"/>
                 </a:ext>
                 <a:ext uri="{C183D7F6-B498-43B3-948B-1728B52AA6E4}">
-                  <adec:decorative xmlns="" xmlns:adec="http://schemas.microsoft.com/office/drawing/2017/decorative" val="1"/>
+                  <adec:decorative xmlns:adec="http://schemas.microsoft.com/office/drawing/2017/decorative" xmlns="" val="1"/>
                 </a:ext>
               </a:extLst>
             </p:cNvPr>
@@ -19307,7 +19319,7 @@
             <p:nvPr>
               <p:extLst>
                 <p:ext uri="{386F3935-93C4-4BCD-93E2-E3B085C9AB24}">
-                  <p16:designElem xmlns="" xmlns:p16="http://schemas.microsoft.com/office/powerpoint/2015/main" val="1"/>
+                  <p16:designElem xmlns:p16="http://schemas.microsoft.com/office/powerpoint/2015/main" xmlns="" val="1"/>
                 </p:ext>
               </p:extLst>
             </p:nvPr>
@@ -19387,10 +19399,10 @@
             <p:cNvPr id="4163" name="Freeform 25">
               <a:extLst>
                 <a:ext uri="{FF2B5EF4-FFF2-40B4-BE49-F238E27FC236}">
-                  <a16:creationId xmlns="" xmlns:a16="http://schemas.microsoft.com/office/drawing/2014/main" id="{85E5B49A-CFC2-4019-9BA6-528095F788CC}"/>
+                  <a16:creationId xmlns:a16="http://schemas.microsoft.com/office/drawing/2014/main" xmlns="" id="{85E5B49A-CFC2-4019-9BA6-528095F788CC}"/>
                 </a:ext>
                 <a:ext uri="{C183D7F6-B498-43B3-948B-1728B52AA6E4}">
-                  <adec:decorative xmlns="" xmlns:adec="http://schemas.microsoft.com/office/drawing/2017/decorative" val="1"/>
+                  <adec:decorative xmlns:adec="http://schemas.microsoft.com/office/drawing/2017/decorative" xmlns="" val="1"/>
                 </a:ext>
               </a:extLst>
             </p:cNvPr>
@@ -19400,7 +19412,7 @@
             <p:nvPr>
               <p:extLst>
                 <p:ext uri="{386F3935-93C4-4BCD-93E2-E3B085C9AB24}">
-                  <p16:designElem xmlns="" xmlns:p16="http://schemas.microsoft.com/office/powerpoint/2015/main" val="1"/>
+                  <p16:designElem xmlns:p16="http://schemas.microsoft.com/office/powerpoint/2015/main" xmlns="" val="1"/>
                 </p:ext>
               </p:extLst>
             </p:nvPr>
@@ -19481,7 +19493,7 @@
           <p:cNvPr id="74" name="TextBox 73">
             <a:extLst>
               <a:ext uri="{FF2B5EF4-FFF2-40B4-BE49-F238E27FC236}">
-                <a16:creationId xmlns="" xmlns:a16="http://schemas.microsoft.com/office/drawing/2014/main" id="{E46097D4-7816-E38C-47EC-C5B0B82B842A}"/>
+                <a16:creationId xmlns:a16="http://schemas.microsoft.com/office/drawing/2014/main" xmlns="" id="{E46097D4-7816-E38C-47EC-C5B0B82B842A}"/>
               </a:ext>
             </a:extLst>
           </p:cNvPr>
@@ -19523,19 +19535,7 @@
                 <a:cs typeface="Montserrat"/>
                 <a:sym typeface="Montserrat"/>
               </a:rPr>
-              <a:t>Model </a:t>
-            </a:r>
-            <a:r>
-              <a:rPr lang="en-US" sz="4400" b="1" dirty="0" smtClean="0">
-                <a:solidFill>
-                  <a:srgbClr val="2DC5FA"/>
-                </a:solidFill>
-                <a:latin typeface="Montserrat"/>
-                <a:ea typeface="Montserrat"/>
-                <a:cs typeface="Montserrat"/>
-                <a:sym typeface="Montserrat"/>
-              </a:rPr>
-              <a:t>comparison(</a:t>
+              <a:t>Model comparison(</a:t>
             </a:r>
             <a:r>
               <a:rPr lang="en-US" sz="2400" b="1" dirty="0" smtClean="0">
@@ -19559,19 +19559,7 @@
                 <a:cs typeface="Montserrat"/>
                 <a:sym typeface="Montserrat"/>
               </a:rPr>
-              <a:t>)- </a:t>
-            </a:r>
-            <a:r>
-              <a:rPr lang="en-US" sz="4400" b="1" dirty="0" smtClean="0">
-                <a:solidFill>
-                  <a:srgbClr val="2DC5FA"/>
-                </a:solidFill>
-                <a:latin typeface="Montserrat"/>
-                <a:ea typeface="Montserrat"/>
-                <a:cs typeface="Montserrat"/>
-                <a:sym typeface="Montserrat"/>
-              </a:rPr>
-              <a:t>winner: XGB HP </a:t>
+              <a:t>)- winner: XGB HP </a:t>
             </a:r>
             <a:endParaRPr lang="en-US" sz="4400" b="1" dirty="0">
               <a:solidFill>
@@ -19835,10 +19823,10 @@
           <p:cNvPr id="4142" name="Group 4141">
             <a:extLst>
               <a:ext uri="{FF2B5EF4-FFF2-40B4-BE49-F238E27FC236}">
-                <a16:creationId xmlns="" xmlns:a16="http://schemas.microsoft.com/office/drawing/2014/main" id="{6C272060-BC98-4C91-A58F-4DFEC566CF7F}"/>
+                <a16:creationId xmlns:a16="http://schemas.microsoft.com/office/drawing/2014/main" xmlns="" id="{6C272060-BC98-4C91-A58F-4DFEC566CF7F}"/>
               </a:ext>
               <a:ext uri="{C183D7F6-B498-43B3-948B-1728B52AA6E4}">
-                <adec:decorative xmlns="" xmlns:adec="http://schemas.microsoft.com/office/drawing/2017/decorative" val="1"/>
+                <adec:decorative xmlns:adec="http://schemas.microsoft.com/office/drawing/2017/decorative" xmlns="" val="1"/>
               </a:ext>
             </a:extLst>
           </p:cNvPr>
@@ -19848,7 +19836,7 @@
           <p:nvPr>
             <p:extLst>
               <p:ext uri="{386F3935-93C4-4BCD-93E2-E3B085C9AB24}">
-                <p16:designElem xmlns="" xmlns:p16="http://schemas.microsoft.com/office/powerpoint/2015/main" val="1"/>
+                <p16:designElem xmlns:p16="http://schemas.microsoft.com/office/powerpoint/2015/main" xmlns="" val="1"/>
               </p:ext>
             </p:extLst>
           </p:nvPr>
@@ -19866,10 +19854,10 @@
             <p:cNvPr id="4143" name="Freeform 5">
               <a:extLst>
                 <a:ext uri="{FF2B5EF4-FFF2-40B4-BE49-F238E27FC236}">
-                  <a16:creationId xmlns="" xmlns:a16="http://schemas.microsoft.com/office/drawing/2014/main" id="{8BA2DCB9-0DC0-4109-B2A2-56896E35E664}"/>
+                  <a16:creationId xmlns:a16="http://schemas.microsoft.com/office/drawing/2014/main" xmlns="" id="{8BA2DCB9-0DC0-4109-B2A2-56896E35E664}"/>
                 </a:ext>
                 <a:ext uri="{C183D7F6-B498-43B3-948B-1728B52AA6E4}">
-                  <adec:decorative xmlns="" xmlns:adec="http://schemas.microsoft.com/office/drawing/2017/decorative" val="1"/>
+                  <adec:decorative xmlns:adec="http://schemas.microsoft.com/office/drawing/2017/decorative" xmlns="" val="1"/>
                 </a:ext>
               </a:extLst>
             </p:cNvPr>
@@ -19879,7 +19867,7 @@
             <p:nvPr>
               <p:extLst>
                 <p:ext uri="{386F3935-93C4-4BCD-93E2-E3B085C9AB24}">
-                  <p16:designElem xmlns="" xmlns:p16="http://schemas.microsoft.com/office/powerpoint/2015/main" val="1"/>
+                  <p16:designElem xmlns:p16="http://schemas.microsoft.com/office/powerpoint/2015/main" xmlns="" val="1"/>
                 </p:ext>
               </p:extLst>
             </p:nvPr>
@@ -19959,10 +19947,10 @@
             <p:cNvPr id="4144" name="Freeform 6">
               <a:extLst>
                 <a:ext uri="{FF2B5EF4-FFF2-40B4-BE49-F238E27FC236}">
-                  <a16:creationId xmlns="" xmlns:a16="http://schemas.microsoft.com/office/drawing/2014/main" id="{64A33555-1142-4AD7-8084-1A99422A1186}"/>
+                  <a16:creationId xmlns:a16="http://schemas.microsoft.com/office/drawing/2014/main" xmlns="" id="{64A33555-1142-4AD7-8084-1A99422A1186}"/>
                 </a:ext>
                 <a:ext uri="{C183D7F6-B498-43B3-948B-1728B52AA6E4}">
-                  <adec:decorative xmlns="" xmlns:adec="http://schemas.microsoft.com/office/drawing/2017/decorative" val="1"/>
+                  <adec:decorative xmlns:adec="http://schemas.microsoft.com/office/drawing/2017/decorative" xmlns="" val="1"/>
                 </a:ext>
               </a:extLst>
             </p:cNvPr>
@@ -19972,7 +19960,7 @@
             <p:nvPr>
               <p:extLst>
                 <p:ext uri="{386F3935-93C4-4BCD-93E2-E3B085C9AB24}">
-                  <p16:designElem xmlns="" xmlns:p16="http://schemas.microsoft.com/office/powerpoint/2015/main" val="1"/>
+                  <p16:designElem xmlns:p16="http://schemas.microsoft.com/office/powerpoint/2015/main" xmlns="" val="1"/>
                 </p:ext>
               </p:extLst>
             </p:nvPr>
@@ -20052,10 +20040,10 @@
             <p:cNvPr id="4145" name="Freeform 7">
               <a:extLst>
                 <a:ext uri="{FF2B5EF4-FFF2-40B4-BE49-F238E27FC236}">
-                  <a16:creationId xmlns="" xmlns:a16="http://schemas.microsoft.com/office/drawing/2014/main" id="{BC6E4081-1A88-453E-8CCF-B97B0CE20DF4}"/>
+                  <a16:creationId xmlns:a16="http://schemas.microsoft.com/office/drawing/2014/main" xmlns="" id="{BC6E4081-1A88-453E-8CCF-B97B0CE20DF4}"/>
                 </a:ext>
                 <a:ext uri="{C183D7F6-B498-43B3-948B-1728B52AA6E4}">
-                  <adec:decorative xmlns="" xmlns:adec="http://schemas.microsoft.com/office/drawing/2017/decorative" val="1"/>
+                  <adec:decorative xmlns:adec="http://schemas.microsoft.com/office/drawing/2017/decorative" xmlns="" val="1"/>
                 </a:ext>
               </a:extLst>
             </p:cNvPr>
@@ -20065,7 +20053,7 @@
             <p:nvPr>
               <p:extLst>
                 <p:ext uri="{386F3935-93C4-4BCD-93E2-E3B085C9AB24}">
-                  <p16:designElem xmlns="" xmlns:p16="http://schemas.microsoft.com/office/powerpoint/2015/main" val="1"/>
+                  <p16:designElem xmlns:p16="http://schemas.microsoft.com/office/powerpoint/2015/main" xmlns="" val="1"/>
                 </p:ext>
               </p:extLst>
             </p:nvPr>
@@ -20145,10 +20133,10 @@
             <p:cNvPr id="4146" name="Freeform 8">
               <a:extLst>
                 <a:ext uri="{FF2B5EF4-FFF2-40B4-BE49-F238E27FC236}">
-                  <a16:creationId xmlns="" xmlns:a16="http://schemas.microsoft.com/office/drawing/2014/main" id="{5B7E0935-6EE8-4C61-AED5-09B9A2A99AF0}"/>
+                  <a16:creationId xmlns:a16="http://schemas.microsoft.com/office/drawing/2014/main" xmlns="" id="{5B7E0935-6EE8-4C61-AED5-09B9A2A99AF0}"/>
                 </a:ext>
                 <a:ext uri="{C183D7F6-B498-43B3-948B-1728B52AA6E4}">
-                  <adec:decorative xmlns="" xmlns:adec="http://schemas.microsoft.com/office/drawing/2017/decorative" val="1"/>
+                  <adec:decorative xmlns:adec="http://schemas.microsoft.com/office/drawing/2017/decorative" xmlns="" val="1"/>
                 </a:ext>
               </a:extLst>
             </p:cNvPr>
@@ -20158,7 +20146,7 @@
             <p:nvPr>
               <p:extLst>
                 <p:ext uri="{386F3935-93C4-4BCD-93E2-E3B085C9AB24}">
-                  <p16:designElem xmlns="" xmlns:p16="http://schemas.microsoft.com/office/powerpoint/2015/main" val="1"/>
+                  <p16:designElem xmlns:p16="http://schemas.microsoft.com/office/powerpoint/2015/main" xmlns="" val="1"/>
                 </p:ext>
               </p:extLst>
             </p:nvPr>
@@ -20238,10 +20226,10 @@
             <p:cNvPr id="4147" name="Freeform 9">
               <a:extLst>
                 <a:ext uri="{FF2B5EF4-FFF2-40B4-BE49-F238E27FC236}">
-                  <a16:creationId xmlns="" xmlns:a16="http://schemas.microsoft.com/office/drawing/2014/main" id="{EB962BD6-C878-48FF-A75E-DCC7BDA3C33C}"/>
+                  <a16:creationId xmlns:a16="http://schemas.microsoft.com/office/drawing/2014/main" xmlns="" id="{EB962BD6-C878-48FF-A75E-DCC7BDA3C33C}"/>
                 </a:ext>
                 <a:ext uri="{C183D7F6-B498-43B3-948B-1728B52AA6E4}">
-                  <adec:decorative xmlns="" xmlns:adec="http://schemas.microsoft.com/office/drawing/2017/decorative" val="1"/>
+                  <adec:decorative xmlns:adec="http://schemas.microsoft.com/office/drawing/2017/decorative" xmlns="" val="1"/>
                 </a:ext>
               </a:extLst>
             </p:cNvPr>
@@ -20251,7 +20239,7 @@
             <p:nvPr>
               <p:extLst>
                 <p:ext uri="{386F3935-93C4-4BCD-93E2-E3B085C9AB24}">
-                  <p16:designElem xmlns="" xmlns:p16="http://schemas.microsoft.com/office/powerpoint/2015/main" val="1"/>
+                  <p16:designElem xmlns:p16="http://schemas.microsoft.com/office/powerpoint/2015/main" xmlns="" val="1"/>
                 </p:ext>
               </p:extLst>
             </p:nvPr>
@@ -20331,10 +20319,10 @@
             <p:cNvPr id="4148" name="Freeform 10">
               <a:extLst>
                 <a:ext uri="{FF2B5EF4-FFF2-40B4-BE49-F238E27FC236}">
-                  <a16:creationId xmlns="" xmlns:a16="http://schemas.microsoft.com/office/drawing/2014/main" id="{CABF3786-BDE1-4FE5-9967-F6B6131A2CF0}"/>
+                  <a16:creationId xmlns:a16="http://schemas.microsoft.com/office/drawing/2014/main" xmlns="" id="{CABF3786-BDE1-4FE5-9967-F6B6131A2CF0}"/>
                 </a:ext>
                 <a:ext uri="{C183D7F6-B498-43B3-948B-1728B52AA6E4}">
-                  <adec:decorative xmlns="" xmlns:adec="http://schemas.microsoft.com/office/drawing/2017/decorative" val="1"/>
+                  <adec:decorative xmlns:adec="http://schemas.microsoft.com/office/drawing/2017/decorative" xmlns="" val="1"/>
                 </a:ext>
               </a:extLst>
             </p:cNvPr>
@@ -20344,7 +20332,7 @@
             <p:nvPr>
               <p:extLst>
                 <p:ext uri="{386F3935-93C4-4BCD-93E2-E3B085C9AB24}">
-                  <p16:designElem xmlns="" xmlns:p16="http://schemas.microsoft.com/office/powerpoint/2015/main" val="1"/>
+                  <p16:designElem xmlns:p16="http://schemas.microsoft.com/office/powerpoint/2015/main" xmlns="" val="1"/>
                 </p:ext>
               </p:extLst>
             </p:nvPr>
@@ -20424,10 +20412,10 @@
             <p:cNvPr id="4149" name="Freeform 11">
               <a:extLst>
                 <a:ext uri="{FF2B5EF4-FFF2-40B4-BE49-F238E27FC236}">
-                  <a16:creationId xmlns="" xmlns:a16="http://schemas.microsoft.com/office/drawing/2014/main" id="{4969707A-C75E-4F7F-A5C2-2991C6547550}"/>
+                  <a16:creationId xmlns:a16="http://schemas.microsoft.com/office/drawing/2014/main" xmlns="" id="{4969707A-C75E-4F7F-A5C2-2991C6547550}"/>
                 </a:ext>
                 <a:ext uri="{C183D7F6-B498-43B3-948B-1728B52AA6E4}">
-                  <adec:decorative xmlns="" xmlns:adec="http://schemas.microsoft.com/office/drawing/2017/decorative" val="1"/>
+                  <adec:decorative xmlns:adec="http://schemas.microsoft.com/office/drawing/2017/decorative" xmlns="" val="1"/>
                 </a:ext>
               </a:extLst>
             </p:cNvPr>
@@ -20437,7 +20425,7 @@
             <p:nvPr>
               <p:extLst>
                 <p:ext uri="{386F3935-93C4-4BCD-93E2-E3B085C9AB24}">
-                  <p16:designElem xmlns="" xmlns:p16="http://schemas.microsoft.com/office/powerpoint/2015/main" val="1"/>
+                  <p16:designElem xmlns:p16="http://schemas.microsoft.com/office/powerpoint/2015/main" xmlns="" val="1"/>
                 </p:ext>
               </p:extLst>
             </p:nvPr>
@@ -20517,10 +20505,10 @@
             <p:cNvPr id="4150" name="Freeform 12">
               <a:extLst>
                 <a:ext uri="{FF2B5EF4-FFF2-40B4-BE49-F238E27FC236}">
-                  <a16:creationId xmlns="" xmlns:a16="http://schemas.microsoft.com/office/drawing/2014/main" id="{0E293989-8389-48CD-85D3-CAEFD5E96370}"/>
+                  <a16:creationId xmlns:a16="http://schemas.microsoft.com/office/drawing/2014/main" xmlns="" id="{0E293989-8389-48CD-85D3-CAEFD5E96370}"/>
                 </a:ext>
                 <a:ext uri="{C183D7F6-B498-43B3-948B-1728B52AA6E4}">
-                  <adec:decorative xmlns="" xmlns:adec="http://schemas.microsoft.com/office/drawing/2017/decorative" val="1"/>
+                  <adec:decorative xmlns:adec="http://schemas.microsoft.com/office/drawing/2017/decorative" xmlns="" val="1"/>
                 </a:ext>
               </a:extLst>
             </p:cNvPr>
@@ -20530,7 +20518,7 @@
             <p:nvPr>
               <p:extLst>
                 <p:ext uri="{386F3935-93C4-4BCD-93E2-E3B085C9AB24}">
-                  <p16:designElem xmlns="" xmlns:p16="http://schemas.microsoft.com/office/powerpoint/2015/main" val="1"/>
+                  <p16:designElem xmlns:p16="http://schemas.microsoft.com/office/powerpoint/2015/main" xmlns="" val="1"/>
                 </p:ext>
               </p:extLst>
             </p:nvPr>
@@ -20610,10 +20598,10 @@
             <p:cNvPr id="4151" name="Freeform 13">
               <a:extLst>
                 <a:ext uri="{FF2B5EF4-FFF2-40B4-BE49-F238E27FC236}">
-                  <a16:creationId xmlns="" xmlns:a16="http://schemas.microsoft.com/office/drawing/2014/main" id="{8DCF1E8B-9247-45E2-8641-90DA9F7D5252}"/>
+                  <a16:creationId xmlns:a16="http://schemas.microsoft.com/office/drawing/2014/main" xmlns="" id="{8DCF1E8B-9247-45E2-8641-90DA9F7D5252}"/>
                 </a:ext>
                 <a:ext uri="{C183D7F6-B498-43B3-948B-1728B52AA6E4}">
-                  <adec:decorative xmlns="" xmlns:adec="http://schemas.microsoft.com/office/drawing/2017/decorative" val="1"/>
+                  <adec:decorative xmlns:adec="http://schemas.microsoft.com/office/drawing/2017/decorative" xmlns="" val="1"/>
                 </a:ext>
               </a:extLst>
             </p:cNvPr>
@@ -20623,7 +20611,7 @@
             <p:nvPr>
               <p:extLst>
                 <p:ext uri="{386F3935-93C4-4BCD-93E2-E3B085C9AB24}">
-                  <p16:designElem xmlns="" xmlns:p16="http://schemas.microsoft.com/office/powerpoint/2015/main" val="1"/>
+                  <p16:designElem xmlns:p16="http://schemas.microsoft.com/office/powerpoint/2015/main" xmlns="" val="1"/>
                 </p:ext>
               </p:extLst>
             </p:nvPr>
@@ -20703,10 +20691,10 @@
             <p:cNvPr id="4152" name="Freeform 14">
               <a:extLst>
                 <a:ext uri="{FF2B5EF4-FFF2-40B4-BE49-F238E27FC236}">
-                  <a16:creationId xmlns="" xmlns:a16="http://schemas.microsoft.com/office/drawing/2014/main" id="{48DF418F-91AD-4E55-AF3B-F28FF45961B4}"/>
+                  <a16:creationId xmlns:a16="http://schemas.microsoft.com/office/drawing/2014/main" xmlns="" id="{48DF418F-91AD-4E55-AF3B-F28FF45961B4}"/>
                 </a:ext>
                 <a:ext uri="{C183D7F6-B498-43B3-948B-1728B52AA6E4}">
-                  <adec:decorative xmlns="" xmlns:adec="http://schemas.microsoft.com/office/drawing/2017/decorative" val="1"/>
+                  <adec:decorative xmlns:adec="http://schemas.microsoft.com/office/drawing/2017/decorative" xmlns="" val="1"/>
                 </a:ext>
               </a:extLst>
             </p:cNvPr>
@@ -20716,7 +20704,7 @@
             <p:nvPr>
               <p:extLst>
                 <p:ext uri="{386F3935-93C4-4BCD-93E2-E3B085C9AB24}">
-                  <p16:designElem xmlns="" xmlns:p16="http://schemas.microsoft.com/office/powerpoint/2015/main" val="1"/>
+                  <p16:designElem xmlns:p16="http://schemas.microsoft.com/office/powerpoint/2015/main" xmlns="" val="1"/>
                 </p:ext>
               </p:extLst>
             </p:nvPr>
@@ -20796,10 +20784,10 @@
             <p:cNvPr id="4153" name="Freeform 15">
               <a:extLst>
                 <a:ext uri="{FF2B5EF4-FFF2-40B4-BE49-F238E27FC236}">
-                  <a16:creationId xmlns="" xmlns:a16="http://schemas.microsoft.com/office/drawing/2014/main" id="{EDBF35BD-D1DA-49B1-AE30-289189DACD51}"/>
+                  <a16:creationId xmlns:a16="http://schemas.microsoft.com/office/drawing/2014/main" xmlns="" id="{EDBF35BD-D1DA-49B1-AE30-289189DACD51}"/>
                 </a:ext>
                 <a:ext uri="{C183D7F6-B498-43B3-948B-1728B52AA6E4}">
-                  <adec:decorative xmlns="" xmlns:adec="http://schemas.microsoft.com/office/drawing/2017/decorative" val="1"/>
+                  <adec:decorative xmlns:adec="http://schemas.microsoft.com/office/drawing/2017/decorative" xmlns="" val="1"/>
                 </a:ext>
               </a:extLst>
             </p:cNvPr>
@@ -20809,7 +20797,7 @@
             <p:nvPr>
               <p:extLst>
                 <p:ext uri="{386F3935-93C4-4BCD-93E2-E3B085C9AB24}">
-                  <p16:designElem xmlns="" xmlns:p16="http://schemas.microsoft.com/office/powerpoint/2015/main" val="1"/>
+                  <p16:designElem xmlns:p16="http://schemas.microsoft.com/office/powerpoint/2015/main" xmlns="" val="1"/>
                 </p:ext>
               </p:extLst>
             </p:nvPr>
@@ -20889,10 +20877,10 @@
             <p:cNvPr id="4154" name="Freeform 16">
               <a:extLst>
                 <a:ext uri="{FF2B5EF4-FFF2-40B4-BE49-F238E27FC236}">
-                  <a16:creationId xmlns="" xmlns:a16="http://schemas.microsoft.com/office/drawing/2014/main" id="{69198BEC-A3B6-4562-AB0F-3E7760026C43}"/>
+                  <a16:creationId xmlns:a16="http://schemas.microsoft.com/office/drawing/2014/main" xmlns="" id="{69198BEC-A3B6-4562-AB0F-3E7760026C43}"/>
                 </a:ext>
                 <a:ext uri="{C183D7F6-B498-43B3-948B-1728B52AA6E4}">
-                  <adec:decorative xmlns="" xmlns:adec="http://schemas.microsoft.com/office/drawing/2017/decorative" val="1"/>
+                  <adec:decorative xmlns:adec="http://schemas.microsoft.com/office/drawing/2017/decorative" xmlns="" val="1"/>
                 </a:ext>
               </a:extLst>
             </p:cNvPr>
@@ -20902,7 +20890,7 @@
             <p:nvPr>
               <p:extLst>
                 <p:ext uri="{386F3935-93C4-4BCD-93E2-E3B085C9AB24}">
-                  <p16:designElem xmlns="" xmlns:p16="http://schemas.microsoft.com/office/powerpoint/2015/main" val="1"/>
+                  <p16:designElem xmlns:p16="http://schemas.microsoft.com/office/powerpoint/2015/main" xmlns="" val="1"/>
                 </p:ext>
               </p:extLst>
             </p:nvPr>
@@ -20982,10 +20970,10 @@
             <p:cNvPr id="4155" name="Freeform 17">
               <a:extLst>
                 <a:ext uri="{FF2B5EF4-FFF2-40B4-BE49-F238E27FC236}">
-                  <a16:creationId xmlns="" xmlns:a16="http://schemas.microsoft.com/office/drawing/2014/main" id="{9AB30D45-77AB-4323-83A2-1A637D07D54A}"/>
+                  <a16:creationId xmlns:a16="http://schemas.microsoft.com/office/drawing/2014/main" xmlns="" id="{9AB30D45-77AB-4323-83A2-1A637D07D54A}"/>
                 </a:ext>
                 <a:ext uri="{C183D7F6-B498-43B3-948B-1728B52AA6E4}">
-                  <adec:decorative xmlns="" xmlns:adec="http://schemas.microsoft.com/office/drawing/2017/decorative" val="1"/>
+                  <adec:decorative xmlns:adec="http://schemas.microsoft.com/office/drawing/2017/decorative" xmlns="" val="1"/>
                 </a:ext>
               </a:extLst>
             </p:cNvPr>
@@ -20995,7 +20983,7 @@
             <p:nvPr>
               <p:extLst>
                 <p:ext uri="{386F3935-93C4-4BCD-93E2-E3B085C9AB24}">
-                  <p16:designElem xmlns="" xmlns:p16="http://schemas.microsoft.com/office/powerpoint/2015/main" val="1"/>
+                  <p16:designElem xmlns:p16="http://schemas.microsoft.com/office/powerpoint/2015/main" xmlns="" val="1"/>
                 </p:ext>
               </p:extLst>
             </p:nvPr>
@@ -21075,10 +21063,10 @@
             <p:cNvPr id="4156" name="Freeform 18">
               <a:extLst>
                 <a:ext uri="{FF2B5EF4-FFF2-40B4-BE49-F238E27FC236}">
-                  <a16:creationId xmlns="" xmlns:a16="http://schemas.microsoft.com/office/drawing/2014/main" id="{D1AD137E-7B63-434C-9D0D-5A64BB496859}"/>
+                  <a16:creationId xmlns:a16="http://schemas.microsoft.com/office/drawing/2014/main" xmlns="" id="{D1AD137E-7B63-434C-9D0D-5A64BB496859}"/>
                 </a:ext>
                 <a:ext uri="{C183D7F6-B498-43B3-948B-1728B52AA6E4}">
-                  <adec:decorative xmlns="" xmlns:adec="http://schemas.microsoft.com/office/drawing/2017/decorative" val="1"/>
+                  <adec:decorative xmlns:adec="http://schemas.microsoft.com/office/drawing/2017/decorative" xmlns="" val="1"/>
                 </a:ext>
               </a:extLst>
             </p:cNvPr>
@@ -21088,7 +21076,7 @@
             <p:nvPr>
               <p:extLst>
                 <p:ext uri="{386F3935-93C4-4BCD-93E2-E3B085C9AB24}">
-                  <p16:designElem xmlns="" xmlns:p16="http://schemas.microsoft.com/office/powerpoint/2015/main" val="1"/>
+                  <p16:designElem xmlns:p16="http://schemas.microsoft.com/office/powerpoint/2015/main" xmlns="" val="1"/>
                 </p:ext>
               </p:extLst>
             </p:nvPr>
@@ -21168,10 +21156,10 @@
             <p:cNvPr id="4157" name="Freeform 19">
               <a:extLst>
                 <a:ext uri="{FF2B5EF4-FFF2-40B4-BE49-F238E27FC236}">
-                  <a16:creationId xmlns="" xmlns:a16="http://schemas.microsoft.com/office/drawing/2014/main" id="{8B32BE2D-36DC-4BD0-952E-8FE32A70DB88}"/>
+                  <a16:creationId xmlns:a16="http://schemas.microsoft.com/office/drawing/2014/main" xmlns="" id="{8B32BE2D-36DC-4BD0-952E-8FE32A70DB88}"/>
                 </a:ext>
                 <a:ext uri="{C183D7F6-B498-43B3-948B-1728B52AA6E4}">
-                  <adec:decorative xmlns="" xmlns:adec="http://schemas.microsoft.com/office/drawing/2017/decorative" val="1"/>
+                  <adec:decorative xmlns:adec="http://schemas.microsoft.com/office/drawing/2017/decorative" xmlns="" val="1"/>
                 </a:ext>
               </a:extLst>
             </p:cNvPr>
@@ -21181,7 +21169,7 @@
             <p:nvPr>
               <p:extLst>
                 <p:ext uri="{386F3935-93C4-4BCD-93E2-E3B085C9AB24}">
-                  <p16:designElem xmlns="" xmlns:p16="http://schemas.microsoft.com/office/powerpoint/2015/main" val="1"/>
+                  <p16:designElem xmlns:p16="http://schemas.microsoft.com/office/powerpoint/2015/main" xmlns="" val="1"/>
                 </p:ext>
               </p:extLst>
             </p:nvPr>
@@ -21261,10 +21249,10 @@
             <p:cNvPr id="4158" name="Freeform 20">
               <a:extLst>
                 <a:ext uri="{FF2B5EF4-FFF2-40B4-BE49-F238E27FC236}">
-                  <a16:creationId xmlns="" xmlns:a16="http://schemas.microsoft.com/office/drawing/2014/main" id="{930295E0-AD01-4DB0-9829-AD91BED608F7}"/>
+                  <a16:creationId xmlns:a16="http://schemas.microsoft.com/office/drawing/2014/main" xmlns="" id="{930295E0-AD01-4DB0-9829-AD91BED608F7}"/>
                 </a:ext>
                 <a:ext uri="{C183D7F6-B498-43B3-948B-1728B52AA6E4}">
-                  <adec:decorative xmlns="" xmlns:adec="http://schemas.microsoft.com/office/drawing/2017/decorative" val="1"/>
+                  <adec:decorative xmlns:adec="http://schemas.microsoft.com/office/drawing/2017/decorative" xmlns="" val="1"/>
                 </a:ext>
               </a:extLst>
             </p:cNvPr>
@@ -21274,7 +21262,7 @@
             <p:nvPr>
               <p:extLst>
                 <p:ext uri="{386F3935-93C4-4BCD-93E2-E3B085C9AB24}">
-                  <p16:designElem xmlns="" xmlns:p16="http://schemas.microsoft.com/office/powerpoint/2015/main" val="1"/>
+                  <p16:designElem xmlns:p16="http://schemas.microsoft.com/office/powerpoint/2015/main" xmlns="" val="1"/>
                 </p:ext>
               </p:extLst>
             </p:nvPr>
@@ -21354,10 +21342,10 @@
             <p:cNvPr id="4159" name="Freeform 21">
               <a:extLst>
                 <a:ext uri="{FF2B5EF4-FFF2-40B4-BE49-F238E27FC236}">
-                  <a16:creationId xmlns="" xmlns:a16="http://schemas.microsoft.com/office/drawing/2014/main" id="{29807E74-6BFD-4EA7-B3F3-92C0728A7D8A}"/>
+                  <a16:creationId xmlns:a16="http://schemas.microsoft.com/office/drawing/2014/main" xmlns="" id="{29807E74-6BFD-4EA7-B3F3-92C0728A7D8A}"/>
                 </a:ext>
                 <a:ext uri="{C183D7F6-B498-43B3-948B-1728B52AA6E4}">
-                  <adec:decorative xmlns="" xmlns:adec="http://schemas.microsoft.com/office/drawing/2017/decorative" val="1"/>
+                  <adec:decorative xmlns:adec="http://schemas.microsoft.com/office/drawing/2017/decorative" xmlns="" val="1"/>
                 </a:ext>
               </a:extLst>
             </p:cNvPr>
@@ -21367,7 +21355,7 @@
             <p:nvPr>
               <p:extLst>
                 <p:ext uri="{386F3935-93C4-4BCD-93E2-E3B085C9AB24}">
-                  <p16:designElem xmlns="" xmlns:p16="http://schemas.microsoft.com/office/powerpoint/2015/main" val="1"/>
+                  <p16:designElem xmlns:p16="http://schemas.microsoft.com/office/powerpoint/2015/main" xmlns="" val="1"/>
                 </p:ext>
               </p:extLst>
             </p:nvPr>
@@ -21447,10 +21435,10 @@
             <p:cNvPr id="4160" name="Freeform 22">
               <a:extLst>
                 <a:ext uri="{FF2B5EF4-FFF2-40B4-BE49-F238E27FC236}">
-                  <a16:creationId xmlns="" xmlns:a16="http://schemas.microsoft.com/office/drawing/2014/main" id="{C9EDBF49-4B87-4B6F-BEE6-DDC4A63CE60D}"/>
+                  <a16:creationId xmlns:a16="http://schemas.microsoft.com/office/drawing/2014/main" xmlns="" id="{C9EDBF49-4B87-4B6F-BEE6-DDC4A63CE60D}"/>
                 </a:ext>
                 <a:ext uri="{C183D7F6-B498-43B3-948B-1728B52AA6E4}">
-                  <adec:decorative xmlns="" xmlns:adec="http://schemas.microsoft.com/office/drawing/2017/decorative" val="1"/>
+                  <adec:decorative xmlns:adec="http://schemas.microsoft.com/office/drawing/2017/decorative" xmlns="" val="1"/>
                 </a:ext>
               </a:extLst>
             </p:cNvPr>
@@ -21460,7 +21448,7 @@
             <p:nvPr>
               <p:extLst>
                 <p:ext uri="{386F3935-93C4-4BCD-93E2-E3B085C9AB24}">
-                  <p16:designElem xmlns="" xmlns:p16="http://schemas.microsoft.com/office/powerpoint/2015/main" val="1"/>
+                  <p16:designElem xmlns:p16="http://schemas.microsoft.com/office/powerpoint/2015/main" xmlns="" val="1"/>
                 </p:ext>
               </p:extLst>
             </p:nvPr>
@@ -21540,10 +21528,10 @@
             <p:cNvPr id="4161" name="Freeform 23">
               <a:extLst>
                 <a:ext uri="{FF2B5EF4-FFF2-40B4-BE49-F238E27FC236}">
-                  <a16:creationId xmlns="" xmlns:a16="http://schemas.microsoft.com/office/drawing/2014/main" id="{7738C468-1405-4ED9-8392-F93FA995EE04}"/>
+                  <a16:creationId xmlns:a16="http://schemas.microsoft.com/office/drawing/2014/main" xmlns="" id="{7738C468-1405-4ED9-8392-F93FA995EE04}"/>
                 </a:ext>
                 <a:ext uri="{C183D7F6-B498-43B3-948B-1728B52AA6E4}">
-                  <adec:decorative xmlns="" xmlns:adec="http://schemas.microsoft.com/office/drawing/2017/decorative" val="1"/>
+                  <adec:decorative xmlns:adec="http://schemas.microsoft.com/office/drawing/2017/decorative" xmlns="" val="1"/>
                 </a:ext>
               </a:extLst>
             </p:cNvPr>
@@ -21553,7 +21541,7 @@
             <p:nvPr>
               <p:extLst>
                 <p:ext uri="{386F3935-93C4-4BCD-93E2-E3B085C9AB24}">
-                  <p16:designElem xmlns="" xmlns:p16="http://schemas.microsoft.com/office/powerpoint/2015/main" val="1"/>
+                  <p16:designElem xmlns:p16="http://schemas.microsoft.com/office/powerpoint/2015/main" xmlns="" val="1"/>
                 </p:ext>
               </p:extLst>
             </p:nvPr>
@@ -21633,10 +21621,10 @@
             <p:cNvPr id="4162" name="Freeform 24">
               <a:extLst>
                 <a:ext uri="{FF2B5EF4-FFF2-40B4-BE49-F238E27FC236}">
-                  <a16:creationId xmlns="" xmlns:a16="http://schemas.microsoft.com/office/drawing/2014/main" id="{F16402CF-F511-450A-8584-8C8A5B7E9D9A}"/>
+                  <a16:creationId xmlns:a16="http://schemas.microsoft.com/office/drawing/2014/main" xmlns="" id="{F16402CF-F511-450A-8584-8C8A5B7E9D9A}"/>
                 </a:ext>
                 <a:ext uri="{C183D7F6-B498-43B3-948B-1728B52AA6E4}">
-                  <adec:decorative xmlns="" xmlns:adec="http://schemas.microsoft.com/office/drawing/2017/decorative" val="1"/>
+                  <adec:decorative xmlns:adec="http://schemas.microsoft.com/office/drawing/2017/decorative" xmlns="" val="1"/>
                 </a:ext>
               </a:extLst>
             </p:cNvPr>
@@ -21646,7 +21634,7 @@
             <p:nvPr>
               <p:extLst>
                 <p:ext uri="{386F3935-93C4-4BCD-93E2-E3B085C9AB24}">
-                  <p16:designElem xmlns="" xmlns:p16="http://schemas.microsoft.com/office/powerpoint/2015/main" val="1"/>
+                  <p16:designElem xmlns:p16="http://schemas.microsoft.com/office/powerpoint/2015/main" xmlns="" val="1"/>
                 </p:ext>
               </p:extLst>
             </p:nvPr>
@@ -21726,10 +21714,10 @@
             <p:cNvPr id="4163" name="Freeform 25">
               <a:extLst>
                 <a:ext uri="{FF2B5EF4-FFF2-40B4-BE49-F238E27FC236}">
-                  <a16:creationId xmlns="" xmlns:a16="http://schemas.microsoft.com/office/drawing/2014/main" id="{85E5B49A-CFC2-4019-9BA6-528095F788CC}"/>
+                  <a16:creationId xmlns:a16="http://schemas.microsoft.com/office/drawing/2014/main" xmlns="" id="{85E5B49A-CFC2-4019-9BA6-528095F788CC}"/>
                 </a:ext>
                 <a:ext uri="{C183D7F6-B498-43B3-948B-1728B52AA6E4}">
-                  <adec:decorative xmlns="" xmlns:adec="http://schemas.microsoft.com/office/drawing/2017/decorative" val="1"/>
+                  <adec:decorative xmlns:adec="http://schemas.microsoft.com/office/drawing/2017/decorative" xmlns="" val="1"/>
                 </a:ext>
               </a:extLst>
             </p:cNvPr>
@@ -21739,7 +21727,7 @@
             <p:nvPr>
               <p:extLst>
                 <p:ext uri="{386F3935-93C4-4BCD-93E2-E3B085C9AB24}">
-                  <p16:designElem xmlns="" xmlns:p16="http://schemas.microsoft.com/office/powerpoint/2015/main" val="1"/>
+                  <p16:designElem xmlns:p16="http://schemas.microsoft.com/office/powerpoint/2015/main" xmlns="" val="1"/>
                 </p:ext>
               </p:extLst>
             </p:nvPr>
@@ -21820,7 +21808,7 @@
           <p:cNvPr id="74" name="TextBox 73">
             <a:extLst>
               <a:ext uri="{FF2B5EF4-FFF2-40B4-BE49-F238E27FC236}">
-                <a16:creationId xmlns="" xmlns:a16="http://schemas.microsoft.com/office/drawing/2014/main" id="{E46097D4-7816-E38C-47EC-C5B0B82B842A}"/>
+                <a16:creationId xmlns:a16="http://schemas.microsoft.com/office/drawing/2014/main" xmlns="" id="{E46097D4-7816-E38C-47EC-C5B0B82B842A}"/>
               </a:ext>
             </a:extLst>
           </p:cNvPr>
@@ -21928,7 +21916,23 @@
                   <a:srgbClr val="FF0000"/>
                 </a:solidFill>
               </a:rPr>
-              <a:t>XGB (70 F) 23.3 performance </a:t>
+              <a:t>XGB (70 F) </a:t>
+            </a:r>
+            <a:r>
+              <a:rPr lang="en-US" b="1" dirty="0" smtClean="0">
+                <a:solidFill>
+                  <a:srgbClr val="FF0000"/>
+                </a:solidFill>
+              </a:rPr>
+              <a:t>23.3 % </a:t>
+            </a:r>
+            <a:r>
+              <a:rPr lang="en-US" b="1" dirty="0" smtClean="0">
+                <a:solidFill>
+                  <a:srgbClr val="FF0000"/>
+                </a:solidFill>
+              </a:rPr>
+              <a:t>performance </a:t>
             </a:r>
             <a:r>
               <a:rPr lang="en-US" b="1" dirty="0">
@@ -22003,7 +22007,7 @@
         </p:blipFill>
         <p:spPr>
           <a:xfrm>
-            <a:off x="14288" y="1314844"/>
+            <a:off x="0" y="1429794"/>
             <a:ext cx="12488928" cy="5623325"/>
           </a:xfrm>
           <a:prstGeom prst="rect">
@@ -22161,10 +22165,10 @@
           <p:cNvPr id="4142" name="Group 4141">
             <a:extLst>
               <a:ext uri="{FF2B5EF4-FFF2-40B4-BE49-F238E27FC236}">
-                <a16:creationId xmlns="" xmlns:a16="http://schemas.microsoft.com/office/drawing/2014/main" id="{6C272060-BC98-4C91-A58F-4DFEC566CF7F}"/>
+                <a16:creationId xmlns:a16="http://schemas.microsoft.com/office/drawing/2014/main" xmlns="" id="{6C272060-BC98-4C91-A58F-4DFEC566CF7F}"/>
               </a:ext>
               <a:ext uri="{C183D7F6-B498-43B3-948B-1728B52AA6E4}">
-                <adec:decorative xmlns="" xmlns:adec="http://schemas.microsoft.com/office/drawing/2017/decorative" val="1"/>
+                <adec:decorative xmlns:adec="http://schemas.microsoft.com/office/drawing/2017/decorative" xmlns="" val="1"/>
               </a:ext>
             </a:extLst>
           </p:cNvPr>
@@ -22174,17 +22178,17 @@
           <p:nvPr>
             <p:extLst>
               <p:ext uri="{386F3935-93C4-4BCD-93E2-E3B085C9AB24}">
-                <p16:designElem xmlns="" xmlns:p16="http://schemas.microsoft.com/office/powerpoint/2015/main" val="1"/>
+                <p16:designElem xmlns:p16="http://schemas.microsoft.com/office/powerpoint/2015/main" xmlns="" val="1"/>
               </p:ext>
             </p:extLst>
           </p:nvPr>
         </p:nvGrpSpPr>
         <p:grpSpPr>
           <a:xfrm>
-            <a:off x="-417513" y="0"/>
-            <a:ext cx="12584114" cy="6853238"/>
-            <a:chOff x="-417513" y="0"/>
-            <a:chExt cx="12584114" cy="6853238"/>
+            <a:off x="4763" y="0"/>
+            <a:ext cx="12161838" cy="6853238"/>
+            <a:chOff x="4763" y="0"/>
+            <a:chExt cx="12161838" cy="6853238"/>
           </a:xfrm>
         </p:grpSpPr>
         <p:sp>
@@ -22192,10 +22196,10 @@
             <p:cNvPr id="4143" name="Freeform 5">
               <a:extLst>
                 <a:ext uri="{FF2B5EF4-FFF2-40B4-BE49-F238E27FC236}">
-                  <a16:creationId xmlns="" xmlns:a16="http://schemas.microsoft.com/office/drawing/2014/main" id="{8BA2DCB9-0DC0-4109-B2A2-56896E35E664}"/>
+                  <a16:creationId xmlns:a16="http://schemas.microsoft.com/office/drawing/2014/main" xmlns="" id="{8BA2DCB9-0DC0-4109-B2A2-56896E35E664}"/>
                 </a:ext>
                 <a:ext uri="{C183D7F6-B498-43B3-948B-1728B52AA6E4}">
-                  <adec:decorative xmlns="" xmlns:adec="http://schemas.microsoft.com/office/drawing/2017/decorative" val="1"/>
+                  <adec:decorative xmlns:adec="http://schemas.microsoft.com/office/drawing/2017/decorative" xmlns="" val="1"/>
                 </a:ext>
               </a:extLst>
             </p:cNvPr>
@@ -22205,7 +22209,7 @@
             <p:nvPr>
               <p:extLst>
                 <p:ext uri="{386F3935-93C4-4BCD-93E2-E3B085C9AB24}">
-                  <p16:designElem xmlns="" xmlns:p16="http://schemas.microsoft.com/office/powerpoint/2015/main" val="1"/>
+                  <p16:designElem xmlns:p16="http://schemas.microsoft.com/office/powerpoint/2015/main" xmlns="" val="1"/>
                 </p:ext>
               </p:extLst>
             </p:nvPr>
@@ -22285,10 +22289,10 @@
             <p:cNvPr id="4144" name="Freeform 6">
               <a:extLst>
                 <a:ext uri="{FF2B5EF4-FFF2-40B4-BE49-F238E27FC236}">
-                  <a16:creationId xmlns="" xmlns:a16="http://schemas.microsoft.com/office/drawing/2014/main" id="{64A33555-1142-4AD7-8084-1A99422A1186}"/>
+                  <a16:creationId xmlns:a16="http://schemas.microsoft.com/office/drawing/2014/main" xmlns="" id="{64A33555-1142-4AD7-8084-1A99422A1186}"/>
                 </a:ext>
                 <a:ext uri="{C183D7F6-B498-43B3-948B-1728B52AA6E4}">
-                  <adec:decorative xmlns="" xmlns:adec="http://schemas.microsoft.com/office/drawing/2017/decorative" val="1"/>
+                  <adec:decorative xmlns:adec="http://schemas.microsoft.com/office/drawing/2017/decorative" xmlns="" val="1"/>
                 </a:ext>
               </a:extLst>
             </p:cNvPr>
@@ -22298,7 +22302,7 @@
             <p:nvPr>
               <p:extLst>
                 <p:ext uri="{386F3935-93C4-4BCD-93E2-E3B085C9AB24}">
-                  <p16:designElem xmlns="" xmlns:p16="http://schemas.microsoft.com/office/powerpoint/2015/main" val="1"/>
+                  <p16:designElem xmlns:p16="http://schemas.microsoft.com/office/powerpoint/2015/main" xmlns="" val="1"/>
                 </p:ext>
               </p:extLst>
             </p:nvPr>
@@ -22378,10 +22382,10 @@
             <p:cNvPr id="4145" name="Freeform 7">
               <a:extLst>
                 <a:ext uri="{FF2B5EF4-FFF2-40B4-BE49-F238E27FC236}">
-                  <a16:creationId xmlns="" xmlns:a16="http://schemas.microsoft.com/office/drawing/2014/main" id="{BC6E4081-1A88-453E-8CCF-B97B0CE20DF4}"/>
+                  <a16:creationId xmlns:a16="http://schemas.microsoft.com/office/drawing/2014/main" xmlns="" id="{BC6E4081-1A88-453E-8CCF-B97B0CE20DF4}"/>
                 </a:ext>
                 <a:ext uri="{C183D7F6-B498-43B3-948B-1728B52AA6E4}">
-                  <adec:decorative xmlns="" xmlns:adec="http://schemas.microsoft.com/office/drawing/2017/decorative" val="1"/>
+                  <adec:decorative xmlns:adec="http://schemas.microsoft.com/office/drawing/2017/decorative" xmlns="" val="1"/>
                 </a:ext>
               </a:extLst>
             </p:cNvPr>
@@ -22391,7 +22395,7 @@
             <p:nvPr>
               <p:extLst>
                 <p:ext uri="{386F3935-93C4-4BCD-93E2-E3B085C9AB24}">
-                  <p16:designElem xmlns="" xmlns:p16="http://schemas.microsoft.com/office/powerpoint/2015/main" val="1"/>
+                  <p16:designElem xmlns:p16="http://schemas.microsoft.com/office/powerpoint/2015/main" xmlns="" val="1"/>
                 </p:ext>
               </p:extLst>
             </p:nvPr>
@@ -22471,10 +22475,10 @@
             <p:cNvPr id="4146" name="Freeform 8">
               <a:extLst>
                 <a:ext uri="{FF2B5EF4-FFF2-40B4-BE49-F238E27FC236}">
-                  <a16:creationId xmlns="" xmlns:a16="http://schemas.microsoft.com/office/drawing/2014/main" id="{5B7E0935-6EE8-4C61-AED5-09B9A2A99AF0}"/>
+                  <a16:creationId xmlns:a16="http://schemas.microsoft.com/office/drawing/2014/main" xmlns="" id="{5B7E0935-6EE8-4C61-AED5-09B9A2A99AF0}"/>
                 </a:ext>
                 <a:ext uri="{C183D7F6-B498-43B3-948B-1728B52AA6E4}">
-                  <adec:decorative xmlns="" xmlns:adec="http://schemas.microsoft.com/office/drawing/2017/decorative" val="1"/>
+                  <adec:decorative xmlns:adec="http://schemas.microsoft.com/office/drawing/2017/decorative" xmlns="" val="1"/>
                 </a:ext>
               </a:extLst>
             </p:cNvPr>
@@ -22484,7 +22488,7 @@
             <p:nvPr>
               <p:extLst>
                 <p:ext uri="{386F3935-93C4-4BCD-93E2-E3B085C9AB24}">
-                  <p16:designElem xmlns="" xmlns:p16="http://schemas.microsoft.com/office/powerpoint/2015/main" val="1"/>
+                  <p16:designElem xmlns:p16="http://schemas.microsoft.com/office/powerpoint/2015/main" xmlns="" val="1"/>
                 </p:ext>
               </p:extLst>
             </p:nvPr>
@@ -22564,10 +22568,10 @@
             <p:cNvPr id="4147" name="Freeform 9">
               <a:extLst>
                 <a:ext uri="{FF2B5EF4-FFF2-40B4-BE49-F238E27FC236}">
-                  <a16:creationId xmlns="" xmlns:a16="http://schemas.microsoft.com/office/drawing/2014/main" id="{EB962BD6-C878-48FF-A75E-DCC7BDA3C33C}"/>
+                  <a16:creationId xmlns:a16="http://schemas.microsoft.com/office/drawing/2014/main" xmlns="" id="{EB962BD6-C878-48FF-A75E-DCC7BDA3C33C}"/>
                 </a:ext>
                 <a:ext uri="{C183D7F6-B498-43B3-948B-1728B52AA6E4}">
-                  <adec:decorative xmlns="" xmlns:adec="http://schemas.microsoft.com/office/drawing/2017/decorative" val="1"/>
+                  <adec:decorative xmlns:adec="http://schemas.microsoft.com/office/drawing/2017/decorative" xmlns="" val="1"/>
                 </a:ext>
               </a:extLst>
             </p:cNvPr>
@@ -22577,7 +22581,7 @@
             <p:nvPr>
               <p:extLst>
                 <p:ext uri="{386F3935-93C4-4BCD-93E2-E3B085C9AB24}">
-                  <p16:designElem xmlns="" xmlns:p16="http://schemas.microsoft.com/office/powerpoint/2015/main" val="1"/>
+                  <p16:designElem xmlns:p16="http://schemas.microsoft.com/office/powerpoint/2015/main" xmlns="" val="1"/>
                 </p:ext>
               </p:extLst>
             </p:nvPr>
@@ -22657,10 +22661,10 @@
             <p:cNvPr id="4148" name="Freeform 10">
               <a:extLst>
                 <a:ext uri="{FF2B5EF4-FFF2-40B4-BE49-F238E27FC236}">
-                  <a16:creationId xmlns="" xmlns:a16="http://schemas.microsoft.com/office/drawing/2014/main" id="{CABF3786-BDE1-4FE5-9967-F6B6131A2CF0}"/>
+                  <a16:creationId xmlns:a16="http://schemas.microsoft.com/office/drawing/2014/main" xmlns="" id="{CABF3786-BDE1-4FE5-9967-F6B6131A2CF0}"/>
                 </a:ext>
                 <a:ext uri="{C183D7F6-B498-43B3-948B-1728B52AA6E4}">
-                  <adec:decorative xmlns="" xmlns:adec="http://schemas.microsoft.com/office/drawing/2017/decorative" val="1"/>
+                  <adec:decorative xmlns:adec="http://schemas.microsoft.com/office/drawing/2017/decorative" xmlns="" val="1"/>
                 </a:ext>
               </a:extLst>
             </p:cNvPr>
@@ -22670,7 +22674,7 @@
             <p:nvPr>
               <p:extLst>
                 <p:ext uri="{386F3935-93C4-4BCD-93E2-E3B085C9AB24}">
-                  <p16:designElem xmlns="" xmlns:p16="http://schemas.microsoft.com/office/powerpoint/2015/main" val="1"/>
+                  <p16:designElem xmlns:p16="http://schemas.microsoft.com/office/powerpoint/2015/main" xmlns="" val="1"/>
                 </p:ext>
               </p:extLst>
             </p:nvPr>
@@ -22750,10 +22754,10 @@
             <p:cNvPr id="4149" name="Freeform 11">
               <a:extLst>
                 <a:ext uri="{FF2B5EF4-FFF2-40B4-BE49-F238E27FC236}">
-                  <a16:creationId xmlns="" xmlns:a16="http://schemas.microsoft.com/office/drawing/2014/main" id="{4969707A-C75E-4F7F-A5C2-2991C6547550}"/>
+                  <a16:creationId xmlns:a16="http://schemas.microsoft.com/office/drawing/2014/main" xmlns="" id="{4969707A-C75E-4F7F-A5C2-2991C6547550}"/>
                 </a:ext>
                 <a:ext uri="{C183D7F6-B498-43B3-948B-1728B52AA6E4}">
-                  <adec:decorative xmlns="" xmlns:adec="http://schemas.microsoft.com/office/drawing/2017/decorative" val="1"/>
+                  <adec:decorative xmlns:adec="http://schemas.microsoft.com/office/drawing/2017/decorative" xmlns="" val="1"/>
                 </a:ext>
               </a:extLst>
             </p:cNvPr>
@@ -22763,7 +22767,7 @@
             <p:nvPr>
               <p:extLst>
                 <p:ext uri="{386F3935-93C4-4BCD-93E2-E3B085C9AB24}">
-                  <p16:designElem xmlns="" xmlns:p16="http://schemas.microsoft.com/office/powerpoint/2015/main" val="1"/>
+                  <p16:designElem xmlns:p16="http://schemas.microsoft.com/office/powerpoint/2015/main" xmlns="" val="1"/>
                 </p:ext>
               </p:extLst>
             </p:nvPr>
@@ -22843,10 +22847,10 @@
             <p:cNvPr id="4150" name="Freeform 12">
               <a:extLst>
                 <a:ext uri="{FF2B5EF4-FFF2-40B4-BE49-F238E27FC236}">
-                  <a16:creationId xmlns="" xmlns:a16="http://schemas.microsoft.com/office/drawing/2014/main" id="{0E293989-8389-48CD-85D3-CAEFD5E96370}"/>
+                  <a16:creationId xmlns:a16="http://schemas.microsoft.com/office/drawing/2014/main" xmlns="" id="{0E293989-8389-48CD-85D3-CAEFD5E96370}"/>
                 </a:ext>
                 <a:ext uri="{C183D7F6-B498-43B3-948B-1728B52AA6E4}">
-                  <adec:decorative xmlns="" xmlns:adec="http://schemas.microsoft.com/office/drawing/2017/decorative" val="1"/>
+                  <adec:decorative xmlns:adec="http://schemas.microsoft.com/office/drawing/2017/decorative" xmlns="" val="1"/>
                 </a:ext>
               </a:extLst>
             </p:cNvPr>
@@ -22856,7 +22860,7 @@
             <p:nvPr>
               <p:extLst>
                 <p:ext uri="{386F3935-93C4-4BCD-93E2-E3B085C9AB24}">
-                  <p16:designElem xmlns="" xmlns:p16="http://schemas.microsoft.com/office/powerpoint/2015/main" val="1"/>
+                  <p16:designElem xmlns:p16="http://schemas.microsoft.com/office/powerpoint/2015/main" xmlns="" val="1"/>
                 </p:ext>
               </p:extLst>
             </p:nvPr>
@@ -22936,10 +22940,10 @@
             <p:cNvPr id="4151" name="Freeform 13">
               <a:extLst>
                 <a:ext uri="{FF2B5EF4-FFF2-40B4-BE49-F238E27FC236}">
-                  <a16:creationId xmlns="" xmlns:a16="http://schemas.microsoft.com/office/drawing/2014/main" id="{8DCF1E8B-9247-45E2-8641-90DA9F7D5252}"/>
+                  <a16:creationId xmlns:a16="http://schemas.microsoft.com/office/drawing/2014/main" xmlns="" id="{8DCF1E8B-9247-45E2-8641-90DA9F7D5252}"/>
                 </a:ext>
                 <a:ext uri="{C183D7F6-B498-43B3-948B-1728B52AA6E4}">
-                  <adec:decorative xmlns="" xmlns:adec="http://schemas.microsoft.com/office/drawing/2017/decorative" val="1"/>
+                  <adec:decorative xmlns:adec="http://schemas.microsoft.com/office/drawing/2017/decorative" xmlns="" val="1"/>
                 </a:ext>
               </a:extLst>
             </p:cNvPr>
@@ -22949,7 +22953,7 @@
             <p:nvPr>
               <p:extLst>
                 <p:ext uri="{386F3935-93C4-4BCD-93E2-E3B085C9AB24}">
-                  <p16:designElem xmlns="" xmlns:p16="http://schemas.microsoft.com/office/powerpoint/2015/main" val="1"/>
+                  <p16:designElem xmlns:p16="http://schemas.microsoft.com/office/powerpoint/2015/main" xmlns="" val="1"/>
                 </p:ext>
               </p:extLst>
             </p:nvPr>
@@ -23029,10 +23033,10 @@
             <p:cNvPr id="4152" name="Freeform 14">
               <a:extLst>
                 <a:ext uri="{FF2B5EF4-FFF2-40B4-BE49-F238E27FC236}">
-                  <a16:creationId xmlns="" xmlns:a16="http://schemas.microsoft.com/office/drawing/2014/main" id="{48DF418F-91AD-4E55-AF3B-F28FF45961B4}"/>
+                  <a16:creationId xmlns:a16="http://schemas.microsoft.com/office/drawing/2014/main" xmlns="" id="{48DF418F-91AD-4E55-AF3B-F28FF45961B4}"/>
                 </a:ext>
                 <a:ext uri="{C183D7F6-B498-43B3-948B-1728B52AA6E4}">
-                  <adec:decorative xmlns="" xmlns:adec="http://schemas.microsoft.com/office/drawing/2017/decorative" val="1"/>
+                  <adec:decorative xmlns:adec="http://schemas.microsoft.com/office/drawing/2017/decorative" xmlns="" val="1"/>
                 </a:ext>
               </a:extLst>
             </p:cNvPr>
@@ -23042,7 +23046,7 @@
             <p:nvPr>
               <p:extLst>
                 <p:ext uri="{386F3935-93C4-4BCD-93E2-E3B085C9AB24}">
-                  <p16:designElem xmlns="" xmlns:p16="http://schemas.microsoft.com/office/powerpoint/2015/main" val="1"/>
+                  <p16:designElem xmlns:p16="http://schemas.microsoft.com/office/powerpoint/2015/main" xmlns="" val="1"/>
                 </p:ext>
               </p:extLst>
             </p:nvPr>
@@ -23122,10 +23126,10 @@
             <p:cNvPr id="4153" name="Freeform 15">
               <a:extLst>
                 <a:ext uri="{FF2B5EF4-FFF2-40B4-BE49-F238E27FC236}">
-                  <a16:creationId xmlns="" xmlns:a16="http://schemas.microsoft.com/office/drawing/2014/main" id="{EDBF35BD-D1DA-49B1-AE30-289189DACD51}"/>
+                  <a16:creationId xmlns:a16="http://schemas.microsoft.com/office/drawing/2014/main" xmlns="" id="{EDBF35BD-D1DA-49B1-AE30-289189DACD51}"/>
                 </a:ext>
                 <a:ext uri="{C183D7F6-B498-43B3-948B-1728B52AA6E4}">
-                  <adec:decorative xmlns="" xmlns:adec="http://schemas.microsoft.com/office/drawing/2017/decorative" val="1"/>
+                  <adec:decorative xmlns:adec="http://schemas.microsoft.com/office/drawing/2017/decorative" xmlns="" val="1"/>
                 </a:ext>
               </a:extLst>
             </p:cNvPr>
@@ -23135,7 +23139,7 @@
             <p:nvPr>
               <p:extLst>
                 <p:ext uri="{386F3935-93C4-4BCD-93E2-E3B085C9AB24}">
-                  <p16:designElem xmlns="" xmlns:p16="http://schemas.microsoft.com/office/powerpoint/2015/main" val="1"/>
+                  <p16:designElem xmlns:p16="http://schemas.microsoft.com/office/powerpoint/2015/main" xmlns="" val="1"/>
                 </p:ext>
               </p:extLst>
             </p:nvPr>
@@ -23215,10 +23219,10 @@
             <p:cNvPr id="4154" name="Freeform 16">
               <a:extLst>
                 <a:ext uri="{FF2B5EF4-FFF2-40B4-BE49-F238E27FC236}">
-                  <a16:creationId xmlns="" xmlns:a16="http://schemas.microsoft.com/office/drawing/2014/main" id="{69198BEC-A3B6-4562-AB0F-3E7760026C43}"/>
+                  <a16:creationId xmlns:a16="http://schemas.microsoft.com/office/drawing/2014/main" xmlns="" id="{69198BEC-A3B6-4562-AB0F-3E7760026C43}"/>
                 </a:ext>
                 <a:ext uri="{C183D7F6-B498-43B3-948B-1728B52AA6E4}">
-                  <adec:decorative xmlns="" xmlns:adec="http://schemas.microsoft.com/office/drawing/2017/decorative" val="1"/>
+                  <adec:decorative xmlns:adec="http://schemas.microsoft.com/office/drawing/2017/decorative" xmlns="" val="1"/>
                 </a:ext>
               </a:extLst>
             </p:cNvPr>
@@ -23228,7 +23232,7 @@
             <p:nvPr>
               <p:extLst>
                 <p:ext uri="{386F3935-93C4-4BCD-93E2-E3B085C9AB24}">
-                  <p16:designElem xmlns="" xmlns:p16="http://schemas.microsoft.com/office/powerpoint/2015/main" val="1"/>
+                  <p16:designElem xmlns:p16="http://schemas.microsoft.com/office/powerpoint/2015/main" xmlns="" val="1"/>
                 </p:ext>
               </p:extLst>
             </p:nvPr>
@@ -23308,10 +23312,10 @@
             <p:cNvPr id="4155" name="Freeform 17">
               <a:extLst>
                 <a:ext uri="{FF2B5EF4-FFF2-40B4-BE49-F238E27FC236}">
-                  <a16:creationId xmlns="" xmlns:a16="http://schemas.microsoft.com/office/drawing/2014/main" id="{9AB30D45-77AB-4323-83A2-1A637D07D54A}"/>
+                  <a16:creationId xmlns:a16="http://schemas.microsoft.com/office/drawing/2014/main" xmlns="" id="{9AB30D45-77AB-4323-83A2-1A637D07D54A}"/>
                 </a:ext>
                 <a:ext uri="{C183D7F6-B498-43B3-948B-1728B52AA6E4}">
-                  <adec:decorative xmlns="" xmlns:adec="http://schemas.microsoft.com/office/drawing/2017/decorative" val="1"/>
+                  <adec:decorative xmlns:adec="http://schemas.microsoft.com/office/drawing/2017/decorative" xmlns="" val="1"/>
                 </a:ext>
               </a:extLst>
             </p:cNvPr>
@@ -23321,7 +23325,7 @@
             <p:nvPr>
               <p:extLst>
                 <p:ext uri="{386F3935-93C4-4BCD-93E2-E3B085C9AB24}">
-                  <p16:designElem xmlns="" xmlns:p16="http://schemas.microsoft.com/office/powerpoint/2015/main" val="1"/>
+                  <p16:designElem xmlns:p16="http://schemas.microsoft.com/office/powerpoint/2015/main" xmlns="" val="1"/>
                 </p:ext>
               </p:extLst>
             </p:nvPr>
@@ -23401,10 +23405,10 @@
             <p:cNvPr id="4156" name="Freeform 18">
               <a:extLst>
                 <a:ext uri="{FF2B5EF4-FFF2-40B4-BE49-F238E27FC236}">
-                  <a16:creationId xmlns="" xmlns:a16="http://schemas.microsoft.com/office/drawing/2014/main" id="{D1AD137E-7B63-434C-9D0D-5A64BB496859}"/>
+                  <a16:creationId xmlns:a16="http://schemas.microsoft.com/office/drawing/2014/main" xmlns="" id="{D1AD137E-7B63-434C-9D0D-5A64BB496859}"/>
                 </a:ext>
                 <a:ext uri="{C183D7F6-B498-43B3-948B-1728B52AA6E4}">
-                  <adec:decorative xmlns="" xmlns:adec="http://schemas.microsoft.com/office/drawing/2017/decorative" val="1"/>
+                  <adec:decorative xmlns:adec="http://schemas.microsoft.com/office/drawing/2017/decorative" xmlns="" val="1"/>
                 </a:ext>
               </a:extLst>
             </p:cNvPr>
@@ -23414,7 +23418,7 @@
             <p:nvPr>
               <p:extLst>
                 <p:ext uri="{386F3935-93C4-4BCD-93E2-E3B085C9AB24}">
-                  <p16:designElem xmlns="" xmlns:p16="http://schemas.microsoft.com/office/powerpoint/2015/main" val="1"/>
+                  <p16:designElem xmlns:p16="http://schemas.microsoft.com/office/powerpoint/2015/main" xmlns="" val="1"/>
                 </p:ext>
               </p:extLst>
             </p:nvPr>
@@ -23494,10 +23498,10 @@
             <p:cNvPr id="4157" name="Freeform 19">
               <a:extLst>
                 <a:ext uri="{FF2B5EF4-FFF2-40B4-BE49-F238E27FC236}">
-                  <a16:creationId xmlns="" xmlns:a16="http://schemas.microsoft.com/office/drawing/2014/main" id="{8B32BE2D-36DC-4BD0-952E-8FE32A70DB88}"/>
+                  <a16:creationId xmlns:a16="http://schemas.microsoft.com/office/drawing/2014/main" xmlns="" id="{8B32BE2D-36DC-4BD0-952E-8FE32A70DB88}"/>
                 </a:ext>
                 <a:ext uri="{C183D7F6-B498-43B3-948B-1728B52AA6E4}">
-                  <adec:decorative xmlns="" xmlns:adec="http://schemas.microsoft.com/office/drawing/2017/decorative" val="1"/>
+                  <adec:decorative xmlns:adec="http://schemas.microsoft.com/office/drawing/2017/decorative" xmlns="" val="1"/>
                 </a:ext>
               </a:extLst>
             </p:cNvPr>
@@ -23507,7 +23511,7 @@
             <p:nvPr>
               <p:extLst>
                 <p:ext uri="{386F3935-93C4-4BCD-93E2-E3B085C9AB24}">
-                  <p16:designElem xmlns="" xmlns:p16="http://schemas.microsoft.com/office/powerpoint/2015/main" val="1"/>
+                  <p16:designElem xmlns:p16="http://schemas.microsoft.com/office/powerpoint/2015/main" xmlns="" val="1"/>
                 </p:ext>
               </p:extLst>
             </p:nvPr>
@@ -23587,10 +23591,10 @@
             <p:cNvPr id="4158" name="Freeform 20">
               <a:extLst>
                 <a:ext uri="{FF2B5EF4-FFF2-40B4-BE49-F238E27FC236}">
-                  <a16:creationId xmlns="" xmlns:a16="http://schemas.microsoft.com/office/drawing/2014/main" id="{930295E0-AD01-4DB0-9829-AD91BED608F7}"/>
+                  <a16:creationId xmlns:a16="http://schemas.microsoft.com/office/drawing/2014/main" xmlns="" id="{930295E0-AD01-4DB0-9829-AD91BED608F7}"/>
                 </a:ext>
                 <a:ext uri="{C183D7F6-B498-43B3-948B-1728B52AA6E4}">
-                  <adec:decorative xmlns="" xmlns:adec="http://schemas.microsoft.com/office/drawing/2017/decorative" val="1"/>
+                  <adec:decorative xmlns:adec="http://schemas.microsoft.com/office/drawing/2017/decorative" xmlns="" val="1"/>
                 </a:ext>
               </a:extLst>
             </p:cNvPr>
@@ -23600,7 +23604,7 @@
             <p:nvPr>
               <p:extLst>
                 <p:ext uri="{386F3935-93C4-4BCD-93E2-E3B085C9AB24}">
-                  <p16:designElem xmlns="" xmlns:p16="http://schemas.microsoft.com/office/powerpoint/2015/main" val="1"/>
+                  <p16:designElem xmlns:p16="http://schemas.microsoft.com/office/powerpoint/2015/main" xmlns="" val="1"/>
                 </p:ext>
               </p:extLst>
             </p:nvPr>
@@ -23680,10 +23684,10 @@
             <p:cNvPr id="4159" name="Freeform 21">
               <a:extLst>
                 <a:ext uri="{FF2B5EF4-FFF2-40B4-BE49-F238E27FC236}">
-                  <a16:creationId xmlns="" xmlns:a16="http://schemas.microsoft.com/office/drawing/2014/main" id="{29807E74-6BFD-4EA7-B3F3-92C0728A7D8A}"/>
+                  <a16:creationId xmlns:a16="http://schemas.microsoft.com/office/drawing/2014/main" xmlns="" id="{29807E74-6BFD-4EA7-B3F3-92C0728A7D8A}"/>
                 </a:ext>
                 <a:ext uri="{C183D7F6-B498-43B3-948B-1728B52AA6E4}">
-                  <adec:decorative xmlns="" xmlns:adec="http://schemas.microsoft.com/office/drawing/2017/decorative" val="1"/>
+                  <adec:decorative xmlns:adec="http://schemas.microsoft.com/office/drawing/2017/decorative" xmlns="" val="1"/>
                 </a:ext>
               </a:extLst>
             </p:cNvPr>
@@ -23693,7 +23697,7 @@
             <p:nvPr>
               <p:extLst>
                 <p:ext uri="{386F3935-93C4-4BCD-93E2-E3B085C9AB24}">
-                  <p16:designElem xmlns="" xmlns:p16="http://schemas.microsoft.com/office/powerpoint/2015/main" val="1"/>
+                  <p16:designElem xmlns:p16="http://schemas.microsoft.com/office/powerpoint/2015/main" xmlns="" val="1"/>
                 </p:ext>
               </p:extLst>
             </p:nvPr>
@@ -23770,13 +23774,13 @@
         </p:sp>
         <p:sp>
           <p:nvSpPr>
-            <p:cNvPr id="4160" name="Freeform 22">
+            <p:cNvPr id="4161" name="Freeform 23">
               <a:extLst>
                 <a:ext uri="{FF2B5EF4-FFF2-40B4-BE49-F238E27FC236}">
-                  <a16:creationId xmlns="" xmlns:a16="http://schemas.microsoft.com/office/drawing/2014/main" id="{C9EDBF49-4B87-4B6F-BEE6-DDC4A63CE60D}"/>
+                  <a16:creationId xmlns:a16="http://schemas.microsoft.com/office/drawing/2014/main" xmlns="" id="{7738C468-1405-4ED9-8392-F93FA995EE04}"/>
                 </a:ext>
                 <a:ext uri="{C183D7F6-B498-43B3-948B-1728B52AA6E4}">
-                  <adec:decorative xmlns="" xmlns:adec="http://schemas.microsoft.com/office/drawing/2017/decorative" val="1"/>
+                  <adec:decorative xmlns:adec="http://schemas.microsoft.com/office/drawing/2017/decorative" xmlns="" val="1"/>
                 </a:ext>
               </a:extLst>
             </p:cNvPr>
@@ -23786,100 +23790,7 @@
             <p:nvPr>
               <p:extLst>
                 <p:ext uri="{386F3935-93C4-4BCD-93E2-E3B085C9AB24}">
-                  <p16:designElem xmlns="" xmlns:p16="http://schemas.microsoft.com/office/powerpoint/2015/main" val="1"/>
-                </p:ext>
-              </p:extLst>
-            </p:nvPr>
-          </p:nvSpPr>
-          <p:spPr bwMode="auto">
-            <a:xfrm>
-              <a:off x="-417513" y="0"/>
-              <a:ext cx="2403475" cy="6843713"/>
-            </a:xfrm>
-            <a:custGeom>
-              <a:avLst/>
-              <a:gdLst>
-                <a:gd name="T0" fmla="*/ 506 w 506"/>
-                <a:gd name="T1" fmla="*/ 0 h 1440"/>
-                <a:gd name="T2" fmla="*/ 171 w 506"/>
-                <a:gd name="T3" fmla="*/ 1440 h 1440"/>
-              </a:gdLst>
-              <a:ahLst/>
-              <a:cxnLst>
-                <a:cxn ang="0">
-                  <a:pos x="T0" y="T1"/>
-                </a:cxn>
-                <a:cxn ang="0">
-                  <a:pos x="T2" y="T3"/>
-                </a:cxn>
-              </a:cxnLst>
-              <a:rect l="0" t="0" r="r" b="b"/>
-              <a:pathLst>
-                <a:path w="506" h="1440">
-                  <a:moveTo>
-                    <a:pt x="506" y="0"/>
-                  </a:moveTo>
-                  <a:cubicBezTo>
-                    <a:pt x="109" y="356"/>
-                    <a:pt x="0" y="943"/>
-                    <a:pt x="171" y="1440"/>
-                  </a:cubicBezTo>
-                </a:path>
-              </a:pathLst>
-            </a:custGeom>
-            <a:noFill/>
-            <a:ln w="9525" cap="flat">
-              <a:solidFill>
-                <a:schemeClr val="tx1">
-                  <a:alpha val="20000"/>
-                </a:schemeClr>
-              </a:solidFill>
-              <a:prstDash val="solid"/>
-              <a:miter lim="800000"/>
-              <a:headEnd/>
-              <a:tailEnd/>
-            </a:ln>
-            <a:extLst>
-              <a:ext uri="{909E8E84-426E-40DD-AFC4-6F175D3DCCD1}">
-                <a14:hiddenFill xmlns:a14="http://schemas.microsoft.com/office/drawing/2010/main">
-                  <a:solidFill>
-                    <a:srgbClr val="FFFFFF"/>
-                  </a:solidFill>
-                </a14:hiddenFill>
-              </a:ext>
-            </a:extLst>
-          </p:spPr>
-          <p:txBody>
-            <a:bodyPr vert="horz" wrap="square" lIns="91440" tIns="45720" rIns="91440" bIns="45720" numCol="1" anchor="t" anchorCtr="0" compatLnSpc="1">
-              <a:prstTxWarp prst="textNoShape">
-                <a:avLst/>
-              </a:prstTxWarp>
-            </a:bodyPr>
-            <a:lstStyle/>
-            <a:p>
-              <a:endParaRPr lang="en-US"/>
-            </a:p>
-          </p:txBody>
-        </p:sp>
-        <p:sp>
-          <p:nvSpPr>
-            <p:cNvPr id="4161" name="Freeform 23">
-              <a:extLst>
-                <a:ext uri="{FF2B5EF4-FFF2-40B4-BE49-F238E27FC236}">
-                  <a16:creationId xmlns="" xmlns:a16="http://schemas.microsoft.com/office/drawing/2014/main" id="{7738C468-1405-4ED9-8392-F93FA995EE04}"/>
-                </a:ext>
-                <a:ext uri="{C183D7F6-B498-43B3-948B-1728B52AA6E4}">
-                  <adec:decorative xmlns="" xmlns:adec="http://schemas.microsoft.com/office/drawing/2017/decorative" val="1"/>
-                </a:ext>
-              </a:extLst>
-            </p:cNvPr>
-            <p:cNvSpPr>
-              <a:spLocks/>
-            </p:cNvSpPr>
-            <p:nvPr>
-              <p:extLst>
-                <p:ext uri="{386F3935-93C4-4BCD-93E2-E3B085C9AB24}">
-                  <p16:designElem xmlns="" xmlns:p16="http://schemas.microsoft.com/office/powerpoint/2015/main" val="1"/>
+                  <p16:designElem xmlns:p16="http://schemas.microsoft.com/office/powerpoint/2015/main" xmlns="" val="1"/>
                 </p:ext>
               </p:extLst>
             </p:nvPr>
@@ -23959,10 +23870,10 @@
             <p:cNvPr id="4162" name="Freeform 24">
               <a:extLst>
                 <a:ext uri="{FF2B5EF4-FFF2-40B4-BE49-F238E27FC236}">
-                  <a16:creationId xmlns="" xmlns:a16="http://schemas.microsoft.com/office/drawing/2014/main" id="{F16402CF-F511-450A-8584-8C8A5B7E9D9A}"/>
+                  <a16:creationId xmlns:a16="http://schemas.microsoft.com/office/drawing/2014/main" xmlns="" id="{F16402CF-F511-450A-8584-8C8A5B7E9D9A}"/>
                 </a:ext>
                 <a:ext uri="{C183D7F6-B498-43B3-948B-1728B52AA6E4}">
-                  <adec:decorative xmlns="" xmlns:adec="http://schemas.microsoft.com/office/drawing/2017/decorative" val="1"/>
+                  <adec:decorative xmlns:adec="http://schemas.microsoft.com/office/drawing/2017/decorative" xmlns="" val="1"/>
                 </a:ext>
               </a:extLst>
             </p:cNvPr>
@@ -23972,7 +23883,7 @@
             <p:nvPr>
               <p:extLst>
                 <p:ext uri="{386F3935-93C4-4BCD-93E2-E3B085C9AB24}">
-                  <p16:designElem xmlns="" xmlns:p16="http://schemas.microsoft.com/office/powerpoint/2015/main" val="1"/>
+                  <p16:designElem xmlns:p16="http://schemas.microsoft.com/office/powerpoint/2015/main" xmlns="" val="1"/>
                 </p:ext>
               </p:extLst>
             </p:nvPr>
@@ -24052,10 +23963,10 @@
             <p:cNvPr id="4163" name="Freeform 25">
               <a:extLst>
                 <a:ext uri="{FF2B5EF4-FFF2-40B4-BE49-F238E27FC236}">
-                  <a16:creationId xmlns="" xmlns:a16="http://schemas.microsoft.com/office/drawing/2014/main" id="{85E5B49A-CFC2-4019-9BA6-528095F788CC}"/>
+                  <a16:creationId xmlns:a16="http://schemas.microsoft.com/office/drawing/2014/main" xmlns="" id="{85E5B49A-CFC2-4019-9BA6-528095F788CC}"/>
                 </a:ext>
                 <a:ext uri="{C183D7F6-B498-43B3-948B-1728B52AA6E4}">
-                  <adec:decorative xmlns="" xmlns:adec="http://schemas.microsoft.com/office/drawing/2017/decorative" val="1"/>
+                  <adec:decorative xmlns:adec="http://schemas.microsoft.com/office/drawing/2017/decorative" xmlns="" val="1"/>
                 </a:ext>
               </a:extLst>
             </p:cNvPr>
@@ -24065,7 +23976,7 @@
             <p:nvPr>
               <p:extLst>
                 <p:ext uri="{386F3935-93C4-4BCD-93E2-E3B085C9AB24}">
-                  <p16:designElem xmlns="" xmlns:p16="http://schemas.microsoft.com/office/powerpoint/2015/main" val="1"/>
+                  <p16:designElem xmlns:p16="http://schemas.microsoft.com/office/powerpoint/2015/main" xmlns="" val="1"/>
                 </p:ext>
               </p:extLst>
             </p:nvPr>
@@ -24157,7 +24068,7 @@
         </p:blipFill>
         <p:spPr>
           <a:xfrm>
-            <a:off x="804544" y="2946"/>
+            <a:off x="1136014" y="117246"/>
             <a:ext cx="9853612" cy="6855054"/>
           </a:xfrm>
           <a:prstGeom prst="rect">
@@ -24211,8 +24122,8 @@
         </p:nvSpPr>
         <p:spPr>
           <a:xfrm>
-            <a:off x="1333899" y="730806"/>
-            <a:ext cx="1355566" cy="383619"/>
+            <a:off x="403703" y="659686"/>
+            <a:ext cx="3275965" cy="369332"/>
           </a:xfrm>
           <a:prstGeom prst="rect">
             <a:avLst/>
@@ -24231,7 +24142,7 @@
                   <a:srgbClr val="00B050"/>
                 </a:solidFill>
               </a:rPr>
-              <a:t>After</a:t>
+              <a:t>After: XGB HP 70. feature</a:t>
             </a:r>
             <a:endParaRPr lang="en-US" b="1" dirty="0">
               <a:solidFill>
@@ -24442,10 +24353,10 @@
           <p:cNvPr id="4142" name="Group 4141">
             <a:extLst>
               <a:ext uri="{FF2B5EF4-FFF2-40B4-BE49-F238E27FC236}">
-                <a16:creationId xmlns="" xmlns:a16="http://schemas.microsoft.com/office/drawing/2014/main" id="{6C272060-BC98-4C91-A58F-4DFEC566CF7F}"/>
+                <a16:creationId xmlns:a16="http://schemas.microsoft.com/office/drawing/2014/main" xmlns="" id="{6C272060-BC98-4C91-A58F-4DFEC566CF7F}"/>
               </a:ext>
               <a:ext uri="{C183D7F6-B498-43B3-948B-1728B52AA6E4}">
-                <adec:decorative xmlns="" xmlns:adec="http://schemas.microsoft.com/office/drawing/2017/decorative" val="1"/>
+                <adec:decorative xmlns:adec="http://schemas.microsoft.com/office/drawing/2017/decorative" xmlns="" val="1"/>
               </a:ext>
             </a:extLst>
           </p:cNvPr>
@@ -24455,7 +24366,7 @@
           <p:nvPr>
             <p:extLst>
               <p:ext uri="{386F3935-93C4-4BCD-93E2-E3B085C9AB24}">
-                <p16:designElem xmlns="" xmlns:p16="http://schemas.microsoft.com/office/powerpoint/2015/main" val="1"/>
+                <p16:designElem xmlns:p16="http://schemas.microsoft.com/office/powerpoint/2015/main" xmlns="" val="1"/>
               </p:ext>
             </p:extLst>
           </p:nvPr>
@@ -24473,10 +24384,10 @@
             <p:cNvPr id="4143" name="Freeform 5">
               <a:extLst>
                 <a:ext uri="{FF2B5EF4-FFF2-40B4-BE49-F238E27FC236}">
-                  <a16:creationId xmlns="" xmlns:a16="http://schemas.microsoft.com/office/drawing/2014/main" id="{8BA2DCB9-0DC0-4109-B2A2-56896E35E664}"/>
+                  <a16:creationId xmlns:a16="http://schemas.microsoft.com/office/drawing/2014/main" xmlns="" id="{8BA2DCB9-0DC0-4109-B2A2-56896E35E664}"/>
                 </a:ext>
                 <a:ext uri="{C183D7F6-B498-43B3-948B-1728B52AA6E4}">
-                  <adec:decorative xmlns="" xmlns:adec="http://schemas.microsoft.com/office/drawing/2017/decorative" val="1"/>
+                  <adec:decorative xmlns:adec="http://schemas.microsoft.com/office/drawing/2017/decorative" xmlns="" val="1"/>
                 </a:ext>
               </a:extLst>
             </p:cNvPr>
@@ -24486,7 +24397,7 @@
             <p:nvPr>
               <p:extLst>
                 <p:ext uri="{386F3935-93C4-4BCD-93E2-E3B085C9AB24}">
-                  <p16:designElem xmlns="" xmlns:p16="http://schemas.microsoft.com/office/powerpoint/2015/main" val="1"/>
+                  <p16:designElem xmlns:p16="http://schemas.microsoft.com/office/powerpoint/2015/main" xmlns="" val="1"/>
                 </p:ext>
               </p:extLst>
             </p:nvPr>
@@ -24566,10 +24477,10 @@
             <p:cNvPr id="4144" name="Freeform 6">
               <a:extLst>
                 <a:ext uri="{FF2B5EF4-FFF2-40B4-BE49-F238E27FC236}">
-                  <a16:creationId xmlns="" xmlns:a16="http://schemas.microsoft.com/office/drawing/2014/main" id="{64A33555-1142-4AD7-8084-1A99422A1186}"/>
+                  <a16:creationId xmlns:a16="http://schemas.microsoft.com/office/drawing/2014/main" xmlns="" id="{64A33555-1142-4AD7-8084-1A99422A1186}"/>
                 </a:ext>
                 <a:ext uri="{C183D7F6-B498-43B3-948B-1728B52AA6E4}">
-                  <adec:decorative xmlns="" xmlns:adec="http://schemas.microsoft.com/office/drawing/2017/decorative" val="1"/>
+                  <adec:decorative xmlns:adec="http://schemas.microsoft.com/office/drawing/2017/decorative" xmlns="" val="1"/>
                 </a:ext>
               </a:extLst>
             </p:cNvPr>
@@ -24579,7 +24490,7 @@
             <p:nvPr>
               <p:extLst>
                 <p:ext uri="{386F3935-93C4-4BCD-93E2-E3B085C9AB24}">
-                  <p16:designElem xmlns="" xmlns:p16="http://schemas.microsoft.com/office/powerpoint/2015/main" val="1"/>
+                  <p16:designElem xmlns:p16="http://schemas.microsoft.com/office/powerpoint/2015/main" xmlns="" val="1"/>
                 </p:ext>
               </p:extLst>
             </p:nvPr>
@@ -24659,10 +24570,10 @@
             <p:cNvPr id="4145" name="Freeform 7">
               <a:extLst>
                 <a:ext uri="{FF2B5EF4-FFF2-40B4-BE49-F238E27FC236}">
-                  <a16:creationId xmlns="" xmlns:a16="http://schemas.microsoft.com/office/drawing/2014/main" id="{BC6E4081-1A88-453E-8CCF-B97B0CE20DF4}"/>
+                  <a16:creationId xmlns:a16="http://schemas.microsoft.com/office/drawing/2014/main" xmlns="" id="{BC6E4081-1A88-453E-8CCF-B97B0CE20DF4}"/>
                 </a:ext>
                 <a:ext uri="{C183D7F6-B498-43B3-948B-1728B52AA6E4}">
-                  <adec:decorative xmlns="" xmlns:adec="http://schemas.microsoft.com/office/drawing/2017/decorative" val="1"/>
+                  <adec:decorative xmlns:adec="http://schemas.microsoft.com/office/drawing/2017/decorative" xmlns="" val="1"/>
                 </a:ext>
               </a:extLst>
             </p:cNvPr>
@@ -24672,7 +24583,7 @@
             <p:nvPr>
               <p:extLst>
                 <p:ext uri="{386F3935-93C4-4BCD-93E2-E3B085C9AB24}">
-                  <p16:designElem xmlns="" xmlns:p16="http://schemas.microsoft.com/office/powerpoint/2015/main" val="1"/>
+                  <p16:designElem xmlns:p16="http://schemas.microsoft.com/office/powerpoint/2015/main" xmlns="" val="1"/>
                 </p:ext>
               </p:extLst>
             </p:nvPr>
@@ -24752,10 +24663,10 @@
             <p:cNvPr id="4146" name="Freeform 8">
               <a:extLst>
                 <a:ext uri="{FF2B5EF4-FFF2-40B4-BE49-F238E27FC236}">
-                  <a16:creationId xmlns="" xmlns:a16="http://schemas.microsoft.com/office/drawing/2014/main" id="{5B7E0935-6EE8-4C61-AED5-09B9A2A99AF0}"/>
+                  <a16:creationId xmlns:a16="http://schemas.microsoft.com/office/drawing/2014/main" xmlns="" id="{5B7E0935-6EE8-4C61-AED5-09B9A2A99AF0}"/>
                 </a:ext>
                 <a:ext uri="{C183D7F6-B498-43B3-948B-1728B52AA6E4}">
-                  <adec:decorative xmlns="" xmlns:adec="http://schemas.microsoft.com/office/drawing/2017/decorative" val="1"/>
+                  <adec:decorative xmlns:adec="http://schemas.microsoft.com/office/drawing/2017/decorative" xmlns="" val="1"/>
                 </a:ext>
               </a:extLst>
             </p:cNvPr>
@@ -24765,7 +24676,7 @@
             <p:nvPr>
               <p:extLst>
                 <p:ext uri="{386F3935-93C4-4BCD-93E2-E3B085C9AB24}">
-                  <p16:designElem xmlns="" xmlns:p16="http://schemas.microsoft.com/office/powerpoint/2015/main" val="1"/>
+                  <p16:designElem xmlns:p16="http://schemas.microsoft.com/office/powerpoint/2015/main" xmlns="" val="1"/>
                 </p:ext>
               </p:extLst>
             </p:nvPr>
@@ -24845,10 +24756,10 @@
             <p:cNvPr id="4147" name="Freeform 9">
               <a:extLst>
                 <a:ext uri="{FF2B5EF4-FFF2-40B4-BE49-F238E27FC236}">
-                  <a16:creationId xmlns="" xmlns:a16="http://schemas.microsoft.com/office/drawing/2014/main" id="{EB962BD6-C878-48FF-A75E-DCC7BDA3C33C}"/>
+                  <a16:creationId xmlns:a16="http://schemas.microsoft.com/office/drawing/2014/main" xmlns="" id="{EB962BD6-C878-48FF-A75E-DCC7BDA3C33C}"/>
                 </a:ext>
                 <a:ext uri="{C183D7F6-B498-43B3-948B-1728B52AA6E4}">
-                  <adec:decorative xmlns="" xmlns:adec="http://schemas.microsoft.com/office/drawing/2017/decorative" val="1"/>
+                  <adec:decorative xmlns:adec="http://schemas.microsoft.com/office/drawing/2017/decorative" xmlns="" val="1"/>
                 </a:ext>
               </a:extLst>
             </p:cNvPr>
@@ -24858,7 +24769,7 @@
             <p:nvPr>
               <p:extLst>
                 <p:ext uri="{386F3935-93C4-4BCD-93E2-E3B085C9AB24}">
-                  <p16:designElem xmlns="" xmlns:p16="http://schemas.microsoft.com/office/powerpoint/2015/main" val="1"/>
+                  <p16:designElem xmlns:p16="http://schemas.microsoft.com/office/powerpoint/2015/main" xmlns="" val="1"/>
                 </p:ext>
               </p:extLst>
             </p:nvPr>
@@ -24938,10 +24849,10 @@
             <p:cNvPr id="4148" name="Freeform 10">
               <a:extLst>
                 <a:ext uri="{FF2B5EF4-FFF2-40B4-BE49-F238E27FC236}">
-                  <a16:creationId xmlns="" xmlns:a16="http://schemas.microsoft.com/office/drawing/2014/main" id="{CABF3786-BDE1-4FE5-9967-F6B6131A2CF0}"/>
+                  <a16:creationId xmlns:a16="http://schemas.microsoft.com/office/drawing/2014/main" xmlns="" id="{CABF3786-BDE1-4FE5-9967-F6B6131A2CF0}"/>
                 </a:ext>
                 <a:ext uri="{C183D7F6-B498-43B3-948B-1728B52AA6E4}">
-                  <adec:decorative xmlns="" xmlns:adec="http://schemas.microsoft.com/office/drawing/2017/decorative" val="1"/>
+                  <adec:decorative xmlns:adec="http://schemas.microsoft.com/office/drawing/2017/decorative" xmlns="" val="1"/>
                 </a:ext>
               </a:extLst>
             </p:cNvPr>
@@ -24951,7 +24862,7 @@
             <p:nvPr>
               <p:extLst>
                 <p:ext uri="{386F3935-93C4-4BCD-93E2-E3B085C9AB24}">
-                  <p16:designElem xmlns="" xmlns:p16="http://schemas.microsoft.com/office/powerpoint/2015/main" val="1"/>
+                  <p16:designElem xmlns:p16="http://schemas.microsoft.com/office/powerpoint/2015/main" xmlns="" val="1"/>
                 </p:ext>
               </p:extLst>
             </p:nvPr>
@@ -25031,10 +24942,10 @@
             <p:cNvPr id="4149" name="Freeform 11">
               <a:extLst>
                 <a:ext uri="{FF2B5EF4-FFF2-40B4-BE49-F238E27FC236}">
-                  <a16:creationId xmlns="" xmlns:a16="http://schemas.microsoft.com/office/drawing/2014/main" id="{4969707A-C75E-4F7F-A5C2-2991C6547550}"/>
+                  <a16:creationId xmlns:a16="http://schemas.microsoft.com/office/drawing/2014/main" xmlns="" id="{4969707A-C75E-4F7F-A5C2-2991C6547550}"/>
                 </a:ext>
                 <a:ext uri="{C183D7F6-B498-43B3-948B-1728B52AA6E4}">
-                  <adec:decorative xmlns="" xmlns:adec="http://schemas.microsoft.com/office/drawing/2017/decorative" val="1"/>
+                  <adec:decorative xmlns:adec="http://schemas.microsoft.com/office/drawing/2017/decorative" xmlns="" val="1"/>
                 </a:ext>
               </a:extLst>
             </p:cNvPr>
@@ -25044,7 +24955,7 @@
             <p:nvPr>
               <p:extLst>
                 <p:ext uri="{386F3935-93C4-4BCD-93E2-E3B085C9AB24}">
-                  <p16:designElem xmlns="" xmlns:p16="http://schemas.microsoft.com/office/powerpoint/2015/main" val="1"/>
+                  <p16:designElem xmlns:p16="http://schemas.microsoft.com/office/powerpoint/2015/main" xmlns="" val="1"/>
                 </p:ext>
               </p:extLst>
             </p:nvPr>
@@ -25124,10 +25035,10 @@
             <p:cNvPr id="4150" name="Freeform 12">
               <a:extLst>
                 <a:ext uri="{FF2B5EF4-FFF2-40B4-BE49-F238E27FC236}">
-                  <a16:creationId xmlns="" xmlns:a16="http://schemas.microsoft.com/office/drawing/2014/main" id="{0E293989-8389-48CD-85D3-CAEFD5E96370}"/>
+                  <a16:creationId xmlns:a16="http://schemas.microsoft.com/office/drawing/2014/main" xmlns="" id="{0E293989-8389-48CD-85D3-CAEFD5E96370}"/>
                 </a:ext>
                 <a:ext uri="{C183D7F6-B498-43B3-948B-1728B52AA6E4}">
-                  <adec:decorative xmlns="" xmlns:adec="http://schemas.microsoft.com/office/drawing/2017/decorative" val="1"/>
+                  <adec:decorative xmlns:adec="http://schemas.microsoft.com/office/drawing/2017/decorative" xmlns="" val="1"/>
                 </a:ext>
               </a:extLst>
             </p:cNvPr>
@@ -25137,7 +25048,7 @@
             <p:nvPr>
               <p:extLst>
                 <p:ext uri="{386F3935-93C4-4BCD-93E2-E3B085C9AB24}">
-                  <p16:designElem xmlns="" xmlns:p16="http://schemas.microsoft.com/office/powerpoint/2015/main" val="1"/>
+                  <p16:designElem xmlns:p16="http://schemas.microsoft.com/office/powerpoint/2015/main" xmlns="" val="1"/>
                 </p:ext>
               </p:extLst>
             </p:nvPr>
@@ -25217,10 +25128,10 @@
             <p:cNvPr id="4151" name="Freeform 13">
               <a:extLst>
                 <a:ext uri="{FF2B5EF4-FFF2-40B4-BE49-F238E27FC236}">
-                  <a16:creationId xmlns="" xmlns:a16="http://schemas.microsoft.com/office/drawing/2014/main" id="{8DCF1E8B-9247-45E2-8641-90DA9F7D5252}"/>
+                  <a16:creationId xmlns:a16="http://schemas.microsoft.com/office/drawing/2014/main" xmlns="" id="{8DCF1E8B-9247-45E2-8641-90DA9F7D5252}"/>
                 </a:ext>
                 <a:ext uri="{C183D7F6-B498-43B3-948B-1728B52AA6E4}">
-                  <adec:decorative xmlns="" xmlns:adec="http://schemas.microsoft.com/office/drawing/2017/decorative" val="1"/>
+                  <adec:decorative xmlns:adec="http://schemas.microsoft.com/office/drawing/2017/decorative" xmlns="" val="1"/>
                 </a:ext>
               </a:extLst>
             </p:cNvPr>
@@ -25230,7 +25141,7 @@
             <p:nvPr>
               <p:extLst>
                 <p:ext uri="{386F3935-93C4-4BCD-93E2-E3B085C9AB24}">
-                  <p16:designElem xmlns="" xmlns:p16="http://schemas.microsoft.com/office/powerpoint/2015/main" val="1"/>
+                  <p16:designElem xmlns:p16="http://schemas.microsoft.com/office/powerpoint/2015/main" xmlns="" val="1"/>
                 </p:ext>
               </p:extLst>
             </p:nvPr>
@@ -25310,10 +25221,10 @@
             <p:cNvPr id="4152" name="Freeform 14">
               <a:extLst>
                 <a:ext uri="{FF2B5EF4-FFF2-40B4-BE49-F238E27FC236}">
-                  <a16:creationId xmlns="" xmlns:a16="http://schemas.microsoft.com/office/drawing/2014/main" id="{48DF418F-91AD-4E55-AF3B-F28FF45961B4}"/>
+                  <a16:creationId xmlns:a16="http://schemas.microsoft.com/office/drawing/2014/main" xmlns="" id="{48DF418F-91AD-4E55-AF3B-F28FF45961B4}"/>
                 </a:ext>
                 <a:ext uri="{C183D7F6-B498-43B3-948B-1728B52AA6E4}">
-                  <adec:decorative xmlns="" xmlns:adec="http://schemas.microsoft.com/office/drawing/2017/decorative" val="1"/>
+                  <adec:decorative xmlns:adec="http://schemas.microsoft.com/office/drawing/2017/decorative" xmlns="" val="1"/>
                 </a:ext>
               </a:extLst>
             </p:cNvPr>
@@ -25323,7 +25234,7 @@
             <p:nvPr>
               <p:extLst>
                 <p:ext uri="{386F3935-93C4-4BCD-93E2-E3B085C9AB24}">
-                  <p16:designElem xmlns="" xmlns:p16="http://schemas.microsoft.com/office/powerpoint/2015/main" val="1"/>
+                  <p16:designElem xmlns:p16="http://schemas.microsoft.com/office/powerpoint/2015/main" xmlns="" val="1"/>
                 </p:ext>
               </p:extLst>
             </p:nvPr>
@@ -25403,10 +25314,10 @@
             <p:cNvPr id="4153" name="Freeform 15">
               <a:extLst>
                 <a:ext uri="{FF2B5EF4-FFF2-40B4-BE49-F238E27FC236}">
-                  <a16:creationId xmlns="" xmlns:a16="http://schemas.microsoft.com/office/drawing/2014/main" id="{EDBF35BD-D1DA-49B1-AE30-289189DACD51}"/>
+                  <a16:creationId xmlns:a16="http://schemas.microsoft.com/office/drawing/2014/main" xmlns="" id="{EDBF35BD-D1DA-49B1-AE30-289189DACD51}"/>
                 </a:ext>
                 <a:ext uri="{C183D7F6-B498-43B3-948B-1728B52AA6E4}">
-                  <adec:decorative xmlns="" xmlns:adec="http://schemas.microsoft.com/office/drawing/2017/decorative" val="1"/>
+                  <adec:decorative xmlns:adec="http://schemas.microsoft.com/office/drawing/2017/decorative" xmlns="" val="1"/>
                 </a:ext>
               </a:extLst>
             </p:cNvPr>
@@ -25416,7 +25327,7 @@
             <p:nvPr>
               <p:extLst>
                 <p:ext uri="{386F3935-93C4-4BCD-93E2-E3B085C9AB24}">
-                  <p16:designElem xmlns="" xmlns:p16="http://schemas.microsoft.com/office/powerpoint/2015/main" val="1"/>
+                  <p16:designElem xmlns:p16="http://schemas.microsoft.com/office/powerpoint/2015/main" xmlns="" val="1"/>
                 </p:ext>
               </p:extLst>
             </p:nvPr>
@@ -25496,10 +25407,10 @@
             <p:cNvPr id="4154" name="Freeform 16">
               <a:extLst>
                 <a:ext uri="{FF2B5EF4-FFF2-40B4-BE49-F238E27FC236}">
-                  <a16:creationId xmlns="" xmlns:a16="http://schemas.microsoft.com/office/drawing/2014/main" id="{69198BEC-A3B6-4562-AB0F-3E7760026C43}"/>
+                  <a16:creationId xmlns:a16="http://schemas.microsoft.com/office/drawing/2014/main" xmlns="" id="{69198BEC-A3B6-4562-AB0F-3E7760026C43}"/>
                 </a:ext>
                 <a:ext uri="{C183D7F6-B498-43B3-948B-1728B52AA6E4}">
-                  <adec:decorative xmlns="" xmlns:adec="http://schemas.microsoft.com/office/drawing/2017/decorative" val="1"/>
+                  <adec:decorative xmlns:adec="http://schemas.microsoft.com/office/drawing/2017/decorative" xmlns="" val="1"/>
                 </a:ext>
               </a:extLst>
             </p:cNvPr>
@@ -25509,7 +25420,7 @@
             <p:nvPr>
               <p:extLst>
                 <p:ext uri="{386F3935-93C4-4BCD-93E2-E3B085C9AB24}">
-                  <p16:designElem xmlns="" xmlns:p16="http://schemas.microsoft.com/office/powerpoint/2015/main" val="1"/>
+                  <p16:designElem xmlns:p16="http://schemas.microsoft.com/office/powerpoint/2015/main" xmlns="" val="1"/>
                 </p:ext>
               </p:extLst>
             </p:nvPr>
@@ -25589,10 +25500,10 @@
             <p:cNvPr id="4155" name="Freeform 17">
               <a:extLst>
                 <a:ext uri="{FF2B5EF4-FFF2-40B4-BE49-F238E27FC236}">
-                  <a16:creationId xmlns="" xmlns:a16="http://schemas.microsoft.com/office/drawing/2014/main" id="{9AB30D45-77AB-4323-83A2-1A637D07D54A}"/>
+                  <a16:creationId xmlns:a16="http://schemas.microsoft.com/office/drawing/2014/main" xmlns="" id="{9AB30D45-77AB-4323-83A2-1A637D07D54A}"/>
                 </a:ext>
                 <a:ext uri="{C183D7F6-B498-43B3-948B-1728B52AA6E4}">
-                  <adec:decorative xmlns="" xmlns:adec="http://schemas.microsoft.com/office/drawing/2017/decorative" val="1"/>
+                  <adec:decorative xmlns:adec="http://schemas.microsoft.com/office/drawing/2017/decorative" xmlns="" val="1"/>
                 </a:ext>
               </a:extLst>
             </p:cNvPr>
@@ -25602,7 +25513,7 @@
             <p:nvPr>
               <p:extLst>
                 <p:ext uri="{386F3935-93C4-4BCD-93E2-E3B085C9AB24}">
-                  <p16:designElem xmlns="" xmlns:p16="http://schemas.microsoft.com/office/powerpoint/2015/main" val="1"/>
+                  <p16:designElem xmlns:p16="http://schemas.microsoft.com/office/powerpoint/2015/main" xmlns="" val="1"/>
                 </p:ext>
               </p:extLst>
             </p:nvPr>
@@ -25682,10 +25593,10 @@
             <p:cNvPr id="4156" name="Freeform 18">
               <a:extLst>
                 <a:ext uri="{FF2B5EF4-FFF2-40B4-BE49-F238E27FC236}">
-                  <a16:creationId xmlns="" xmlns:a16="http://schemas.microsoft.com/office/drawing/2014/main" id="{D1AD137E-7B63-434C-9D0D-5A64BB496859}"/>
+                  <a16:creationId xmlns:a16="http://schemas.microsoft.com/office/drawing/2014/main" xmlns="" id="{D1AD137E-7B63-434C-9D0D-5A64BB496859}"/>
                 </a:ext>
                 <a:ext uri="{C183D7F6-B498-43B3-948B-1728B52AA6E4}">
-                  <adec:decorative xmlns="" xmlns:adec="http://schemas.microsoft.com/office/drawing/2017/decorative" val="1"/>
+                  <adec:decorative xmlns:adec="http://schemas.microsoft.com/office/drawing/2017/decorative" xmlns="" val="1"/>
                 </a:ext>
               </a:extLst>
             </p:cNvPr>
@@ -25695,7 +25606,7 @@
             <p:nvPr>
               <p:extLst>
                 <p:ext uri="{386F3935-93C4-4BCD-93E2-E3B085C9AB24}">
-                  <p16:designElem xmlns="" xmlns:p16="http://schemas.microsoft.com/office/powerpoint/2015/main" val="1"/>
+                  <p16:designElem xmlns:p16="http://schemas.microsoft.com/office/powerpoint/2015/main" xmlns="" val="1"/>
                 </p:ext>
               </p:extLst>
             </p:nvPr>
@@ -25775,10 +25686,10 @@
             <p:cNvPr id="4157" name="Freeform 19">
               <a:extLst>
                 <a:ext uri="{FF2B5EF4-FFF2-40B4-BE49-F238E27FC236}">
-                  <a16:creationId xmlns="" xmlns:a16="http://schemas.microsoft.com/office/drawing/2014/main" id="{8B32BE2D-36DC-4BD0-952E-8FE32A70DB88}"/>
+                  <a16:creationId xmlns:a16="http://schemas.microsoft.com/office/drawing/2014/main" xmlns="" id="{8B32BE2D-36DC-4BD0-952E-8FE32A70DB88}"/>
                 </a:ext>
                 <a:ext uri="{C183D7F6-B498-43B3-948B-1728B52AA6E4}">
-                  <adec:decorative xmlns="" xmlns:adec="http://schemas.microsoft.com/office/drawing/2017/decorative" val="1"/>
+                  <adec:decorative xmlns:adec="http://schemas.microsoft.com/office/drawing/2017/decorative" xmlns="" val="1"/>
                 </a:ext>
               </a:extLst>
             </p:cNvPr>
@@ -25788,7 +25699,7 @@
             <p:nvPr>
               <p:extLst>
                 <p:ext uri="{386F3935-93C4-4BCD-93E2-E3B085C9AB24}">
-                  <p16:designElem xmlns="" xmlns:p16="http://schemas.microsoft.com/office/powerpoint/2015/main" val="1"/>
+                  <p16:designElem xmlns:p16="http://schemas.microsoft.com/office/powerpoint/2015/main" xmlns="" val="1"/>
                 </p:ext>
               </p:extLst>
             </p:nvPr>
@@ -25868,10 +25779,10 @@
             <p:cNvPr id="4158" name="Freeform 20">
               <a:extLst>
                 <a:ext uri="{FF2B5EF4-FFF2-40B4-BE49-F238E27FC236}">
-                  <a16:creationId xmlns="" xmlns:a16="http://schemas.microsoft.com/office/drawing/2014/main" id="{930295E0-AD01-4DB0-9829-AD91BED608F7}"/>
+                  <a16:creationId xmlns:a16="http://schemas.microsoft.com/office/drawing/2014/main" xmlns="" id="{930295E0-AD01-4DB0-9829-AD91BED608F7}"/>
                 </a:ext>
                 <a:ext uri="{C183D7F6-B498-43B3-948B-1728B52AA6E4}">
-                  <adec:decorative xmlns="" xmlns:adec="http://schemas.microsoft.com/office/drawing/2017/decorative" val="1"/>
+                  <adec:decorative xmlns:adec="http://schemas.microsoft.com/office/drawing/2017/decorative" xmlns="" val="1"/>
                 </a:ext>
               </a:extLst>
             </p:cNvPr>
@@ -25881,7 +25792,7 @@
             <p:nvPr>
               <p:extLst>
                 <p:ext uri="{386F3935-93C4-4BCD-93E2-E3B085C9AB24}">
-                  <p16:designElem xmlns="" xmlns:p16="http://schemas.microsoft.com/office/powerpoint/2015/main" val="1"/>
+                  <p16:designElem xmlns:p16="http://schemas.microsoft.com/office/powerpoint/2015/main" xmlns="" val="1"/>
                 </p:ext>
               </p:extLst>
             </p:nvPr>
@@ -25961,10 +25872,10 @@
             <p:cNvPr id="4159" name="Freeform 21">
               <a:extLst>
                 <a:ext uri="{FF2B5EF4-FFF2-40B4-BE49-F238E27FC236}">
-                  <a16:creationId xmlns="" xmlns:a16="http://schemas.microsoft.com/office/drawing/2014/main" id="{29807E74-6BFD-4EA7-B3F3-92C0728A7D8A}"/>
+                  <a16:creationId xmlns:a16="http://schemas.microsoft.com/office/drawing/2014/main" xmlns="" id="{29807E74-6BFD-4EA7-B3F3-92C0728A7D8A}"/>
                 </a:ext>
                 <a:ext uri="{C183D7F6-B498-43B3-948B-1728B52AA6E4}">
-                  <adec:decorative xmlns="" xmlns:adec="http://schemas.microsoft.com/office/drawing/2017/decorative" val="1"/>
+                  <adec:decorative xmlns:adec="http://schemas.microsoft.com/office/drawing/2017/decorative" xmlns="" val="1"/>
                 </a:ext>
               </a:extLst>
             </p:cNvPr>
@@ -25974,7 +25885,7 @@
             <p:nvPr>
               <p:extLst>
                 <p:ext uri="{386F3935-93C4-4BCD-93E2-E3B085C9AB24}">
-                  <p16:designElem xmlns="" xmlns:p16="http://schemas.microsoft.com/office/powerpoint/2015/main" val="1"/>
+                  <p16:designElem xmlns:p16="http://schemas.microsoft.com/office/powerpoint/2015/main" xmlns="" val="1"/>
                 </p:ext>
               </p:extLst>
             </p:nvPr>
@@ -26054,10 +25965,10 @@
             <p:cNvPr id="4160" name="Freeform 22">
               <a:extLst>
                 <a:ext uri="{FF2B5EF4-FFF2-40B4-BE49-F238E27FC236}">
-                  <a16:creationId xmlns="" xmlns:a16="http://schemas.microsoft.com/office/drawing/2014/main" id="{C9EDBF49-4B87-4B6F-BEE6-DDC4A63CE60D}"/>
+                  <a16:creationId xmlns:a16="http://schemas.microsoft.com/office/drawing/2014/main" xmlns="" id="{C9EDBF49-4B87-4B6F-BEE6-DDC4A63CE60D}"/>
                 </a:ext>
                 <a:ext uri="{C183D7F6-B498-43B3-948B-1728B52AA6E4}">
-                  <adec:decorative xmlns="" xmlns:adec="http://schemas.microsoft.com/office/drawing/2017/decorative" val="1"/>
+                  <adec:decorative xmlns:adec="http://schemas.microsoft.com/office/drawing/2017/decorative" xmlns="" val="1"/>
                 </a:ext>
               </a:extLst>
             </p:cNvPr>
@@ -26067,7 +25978,7 @@
             <p:nvPr>
               <p:extLst>
                 <p:ext uri="{386F3935-93C4-4BCD-93E2-E3B085C9AB24}">
-                  <p16:designElem xmlns="" xmlns:p16="http://schemas.microsoft.com/office/powerpoint/2015/main" val="1"/>
+                  <p16:designElem xmlns:p16="http://schemas.microsoft.com/office/powerpoint/2015/main" xmlns="" val="1"/>
                 </p:ext>
               </p:extLst>
             </p:nvPr>
@@ -26147,10 +26058,10 @@
             <p:cNvPr id="4161" name="Freeform 23">
               <a:extLst>
                 <a:ext uri="{FF2B5EF4-FFF2-40B4-BE49-F238E27FC236}">
-                  <a16:creationId xmlns="" xmlns:a16="http://schemas.microsoft.com/office/drawing/2014/main" id="{7738C468-1405-4ED9-8392-F93FA995EE04}"/>
+                  <a16:creationId xmlns:a16="http://schemas.microsoft.com/office/drawing/2014/main" xmlns="" id="{7738C468-1405-4ED9-8392-F93FA995EE04}"/>
                 </a:ext>
                 <a:ext uri="{C183D7F6-B498-43B3-948B-1728B52AA6E4}">
-                  <adec:decorative xmlns="" xmlns:adec="http://schemas.microsoft.com/office/drawing/2017/decorative" val="1"/>
+                  <adec:decorative xmlns:adec="http://schemas.microsoft.com/office/drawing/2017/decorative" xmlns="" val="1"/>
                 </a:ext>
               </a:extLst>
             </p:cNvPr>
@@ -26160,7 +26071,7 @@
             <p:nvPr>
               <p:extLst>
                 <p:ext uri="{386F3935-93C4-4BCD-93E2-E3B085C9AB24}">
-                  <p16:designElem xmlns="" xmlns:p16="http://schemas.microsoft.com/office/powerpoint/2015/main" val="1"/>
+                  <p16:designElem xmlns:p16="http://schemas.microsoft.com/office/powerpoint/2015/main" xmlns="" val="1"/>
                 </p:ext>
               </p:extLst>
             </p:nvPr>
@@ -26240,10 +26151,10 @@
             <p:cNvPr id="4162" name="Freeform 24">
               <a:extLst>
                 <a:ext uri="{FF2B5EF4-FFF2-40B4-BE49-F238E27FC236}">
-                  <a16:creationId xmlns="" xmlns:a16="http://schemas.microsoft.com/office/drawing/2014/main" id="{F16402CF-F511-450A-8584-8C8A5B7E9D9A}"/>
+                  <a16:creationId xmlns:a16="http://schemas.microsoft.com/office/drawing/2014/main" xmlns="" id="{F16402CF-F511-450A-8584-8C8A5B7E9D9A}"/>
                 </a:ext>
                 <a:ext uri="{C183D7F6-B498-43B3-948B-1728B52AA6E4}">
-                  <adec:decorative xmlns="" xmlns:adec="http://schemas.microsoft.com/office/drawing/2017/decorative" val="1"/>
+                  <adec:decorative xmlns:adec="http://schemas.microsoft.com/office/drawing/2017/decorative" xmlns="" val="1"/>
                 </a:ext>
               </a:extLst>
             </p:cNvPr>
@@ -26253,7 +26164,7 @@
             <p:nvPr>
               <p:extLst>
                 <p:ext uri="{386F3935-93C4-4BCD-93E2-E3B085C9AB24}">
-                  <p16:designElem xmlns="" xmlns:p16="http://schemas.microsoft.com/office/powerpoint/2015/main" val="1"/>
+                  <p16:designElem xmlns:p16="http://schemas.microsoft.com/office/powerpoint/2015/main" xmlns="" val="1"/>
                 </p:ext>
               </p:extLst>
             </p:nvPr>
@@ -26333,10 +26244,10 @@
             <p:cNvPr id="4163" name="Freeform 25">
               <a:extLst>
                 <a:ext uri="{FF2B5EF4-FFF2-40B4-BE49-F238E27FC236}">
-                  <a16:creationId xmlns="" xmlns:a16="http://schemas.microsoft.com/office/drawing/2014/main" id="{85E5B49A-CFC2-4019-9BA6-528095F788CC}"/>
+                  <a16:creationId xmlns:a16="http://schemas.microsoft.com/office/drawing/2014/main" xmlns="" id="{85E5B49A-CFC2-4019-9BA6-528095F788CC}"/>
                 </a:ext>
                 <a:ext uri="{C183D7F6-B498-43B3-948B-1728B52AA6E4}">
-                  <adec:decorative xmlns="" xmlns:adec="http://schemas.microsoft.com/office/drawing/2017/decorative" val="1"/>
+                  <adec:decorative xmlns:adec="http://schemas.microsoft.com/office/drawing/2017/decorative" xmlns="" val="1"/>
                 </a:ext>
               </a:extLst>
             </p:cNvPr>
@@ -26346,7 +26257,7 @@
             <p:nvPr>
               <p:extLst>
                 <p:ext uri="{386F3935-93C4-4BCD-93E2-E3B085C9AB24}">
-                  <p16:designElem xmlns="" xmlns:p16="http://schemas.microsoft.com/office/powerpoint/2015/main" val="1"/>
+                  <p16:designElem xmlns:p16="http://schemas.microsoft.com/office/powerpoint/2015/main" xmlns="" val="1"/>
                 </p:ext>
               </p:extLst>
             </p:nvPr>
@@ -26427,7 +26338,7 @@
           <p:cNvPr id="74" name="TextBox 73">
             <a:extLst>
               <a:ext uri="{FF2B5EF4-FFF2-40B4-BE49-F238E27FC236}">
-                <a16:creationId xmlns="" xmlns:a16="http://schemas.microsoft.com/office/drawing/2014/main" id="{E46097D4-7816-E38C-47EC-C5B0B82B842A}"/>
+                <a16:creationId xmlns:a16="http://schemas.microsoft.com/office/drawing/2014/main" xmlns="" id="{E46097D4-7816-E38C-47EC-C5B0B82B842A}"/>
               </a:ext>
             </a:extLst>
           </p:cNvPr>
